--- a/input/content/gpu-vs-tpu-llms.pptx
+++ b/input/content/gpu-vs-tpu-llms.pptx
@@ -7170,9 +7170,9 @@
         <p:grpSpPr>
           <a:xfrm>
             <a:off x="338950" y="4663225"/>
-            <a:ext cx="1068725" cy="338700"/>
+            <a:ext cx="1403525" cy="338700"/>
             <a:chOff x="338950" y="4663225"/>
-            <a:chExt cx="1068725" cy="338700"/>
+            <a:chExt cx="1403525" cy="338700"/>
           </a:xfrm>
         </p:grpSpPr>
         <p:pic>
@@ -7212,7 +7212,7 @@
           <p:spPr>
             <a:xfrm>
               <a:off x="534375" y="4663225"/>
-              <a:ext cx="873300" cy="338700"/>
+              <a:ext cx="1208100" cy="338700"/>
             </a:xfrm>
             <a:prstGeom prst="rect">
               <a:avLst/>

--- a/input/content/gpu-vs-tpu-llms.pptx
+++ b/input/content/gpu-vs-tpu-llms.pptx
@@ -23,44 +23,55 @@
     <p:sldId id="268" r:id="rId18"/>
     <p:sldId id="269" r:id="rId19"/>
     <p:sldId id="270" r:id="rId20"/>
+    <p:sldId id="271" r:id="rId21"/>
+    <p:sldId id="272" r:id="rId22"/>
+    <p:sldId id="273" r:id="rId23"/>
+    <p:sldId id="274" r:id="rId24"/>
+    <p:sldId id="275" r:id="rId25"/>
+    <p:sldId id="276" r:id="rId26"/>
+    <p:sldId id="277" r:id="rId27"/>
+    <p:sldId id="278" r:id="rId28"/>
+    <p:sldId id="279" r:id="rId29"/>
+    <p:sldId id="280" r:id="rId30"/>
+    <p:sldId id="281" r:id="rId31"/>
   </p:sldIdLst>
   <p:sldSz cy="5143500" cx="9144000"/>
   <p:notesSz cx="6858000" cy="9144000"/>
   <p:embeddedFontLst>
     <p:embeddedFont>
       <p:font typeface="Roboto"/>
-      <p:regular r:id="rId21"/>
-      <p:bold r:id="rId22"/>
-      <p:italic r:id="rId23"/>
-      <p:boldItalic r:id="rId24"/>
+      <p:regular r:id="rId32"/>
+      <p:bold r:id="rId33"/>
+      <p:italic r:id="rId34"/>
+      <p:boldItalic r:id="rId35"/>
     </p:embeddedFont>
     <p:embeddedFont>
       <p:font typeface="Playfair Display"/>
-      <p:regular r:id="rId25"/>
-      <p:bold r:id="rId26"/>
-      <p:italic r:id="rId27"/>
-      <p:boldItalic r:id="rId28"/>
+      <p:regular r:id="rId36"/>
+      <p:bold r:id="rId37"/>
+      <p:italic r:id="rId38"/>
+      <p:boldItalic r:id="rId39"/>
     </p:embeddedFont>
     <p:embeddedFont>
       <p:font typeface="Lato"/>
-      <p:regular r:id="rId29"/>
-      <p:bold r:id="rId30"/>
-      <p:italic r:id="rId31"/>
-      <p:boldItalic r:id="rId32"/>
+      <p:regular r:id="rId40"/>
+      <p:bold r:id="rId41"/>
+      <p:italic r:id="rId42"/>
+      <p:boldItalic r:id="rId43"/>
     </p:embeddedFont>
     <p:embeddedFont>
       <p:font typeface="Century Gothic"/>
-      <p:regular r:id="rId33"/>
-      <p:bold r:id="rId34"/>
-      <p:italic r:id="rId35"/>
-      <p:boldItalic r:id="rId36"/>
+      <p:regular r:id="rId44"/>
+      <p:bold r:id="rId45"/>
+      <p:italic r:id="rId46"/>
+      <p:boldItalic r:id="rId47"/>
     </p:embeddedFont>
     <p:embeddedFont>
       <p:font typeface="Open Sans"/>
-      <p:regular r:id="rId37"/>
-      <p:bold r:id="rId38"/>
-      <p:italic r:id="rId39"/>
-      <p:boldItalic r:id="rId40"/>
+      <p:regular r:id="rId48"/>
+      <p:bold r:id="rId49"/>
+      <p:italic r:id="rId50"/>
+      <p:boldItalic r:id="rId51"/>
     </p:embeddedFont>
   </p:embeddedFontLst>
   <p:defaultTextStyle>
@@ -841,7 +852,7 @@
   <p:cSld>
     <p:spTree>
       <p:nvGrpSpPr>
-        <p:cNvPr id="112" name="Shape 112"/>
+        <p:cNvPr id="119" name="Shape 119"/>
         <p:cNvGrpSpPr/>
         <p:nvPr/>
       </p:nvGrpSpPr>
@@ -855,7 +866,7 @@
       </p:grpSpPr>
       <p:sp>
         <p:nvSpPr>
-          <p:cNvPr id="113" name="Google Shape;113;g28d7163ff0c_0_75:notes"/>
+          <p:cNvPr id="120" name="Google Shape;120;g23d24a5905d_0_0:notes"/>
           <p:cNvSpPr/>
           <p:nvPr>
             <p:ph idx="2" type="sldImg"/>
@@ -890,7 +901,7 @@
       </p:sp>
       <p:sp>
         <p:nvSpPr>
-          <p:cNvPr id="114" name="Google Shape;114;g28d7163ff0c_0_75:notes"/>
+          <p:cNvPr id="121" name="Google Shape;121;g23d24a5905d_0_0:notes"/>
           <p:cNvSpPr txBox="1"/>
           <p:nvPr>
             <p:ph idx="1" type="body"/>
@@ -940,7 +951,7 @@
   <p:cSld>
     <p:spTree>
       <p:nvGrpSpPr>
-        <p:cNvPr id="118" name="Shape 118"/>
+        <p:cNvPr id="125" name="Shape 125"/>
         <p:cNvGrpSpPr/>
         <p:nvPr/>
       </p:nvGrpSpPr>
@@ -954,7 +965,7 @@
       </p:grpSpPr>
       <p:sp>
         <p:nvSpPr>
-          <p:cNvPr id="119" name="Google Shape;119;g28d7163ff0c_0_86:notes"/>
+          <p:cNvPr id="126" name="Google Shape;126;g25f15c85a4a_0_10:notes"/>
           <p:cNvSpPr/>
           <p:nvPr>
             <p:ph idx="2" type="sldImg"/>
@@ -989,7 +1000,7 @@
       </p:sp>
       <p:sp>
         <p:nvSpPr>
-          <p:cNvPr id="120" name="Google Shape;120;g28d7163ff0c_0_86:notes"/>
+          <p:cNvPr id="127" name="Google Shape;127;g25f15c85a4a_0_10:notes"/>
           <p:cNvSpPr txBox="1"/>
           <p:nvPr>
             <p:ph idx="1" type="body"/>
@@ -1039,7 +1050,7 @@
   <p:cSld>
     <p:spTree>
       <p:nvGrpSpPr>
-        <p:cNvPr id="124" name="Shape 124"/>
+        <p:cNvPr id="131" name="Shape 131"/>
         <p:cNvGrpSpPr/>
         <p:nvPr/>
       </p:nvGrpSpPr>
@@ -1053,7 +1064,7 @@
       </p:grpSpPr>
       <p:sp>
         <p:nvSpPr>
-          <p:cNvPr id="125" name="Google Shape;125;g28d7163ff0c_0_92:notes"/>
+          <p:cNvPr id="132" name="Google Shape;132;g275ff009bad_0_5:notes"/>
           <p:cNvSpPr/>
           <p:nvPr>
             <p:ph idx="2" type="sldImg"/>
@@ -1088,7 +1099,7 @@
       </p:sp>
       <p:sp>
         <p:nvSpPr>
-          <p:cNvPr id="126" name="Google Shape;126;g28d7163ff0c_0_92:notes"/>
+          <p:cNvPr id="133" name="Google Shape;133;g275ff009bad_0_5:notes"/>
           <p:cNvSpPr txBox="1"/>
           <p:nvPr>
             <p:ph idx="1" type="body"/>
@@ -1138,7 +1149,7 @@
   <p:cSld>
     <p:spTree>
       <p:nvGrpSpPr>
-        <p:cNvPr id="130" name="Shape 130"/>
+        <p:cNvPr id="137" name="Shape 137"/>
         <p:cNvGrpSpPr/>
         <p:nvPr/>
       </p:nvGrpSpPr>
@@ -1152,7 +1163,7 @@
       </p:grpSpPr>
       <p:sp>
         <p:nvSpPr>
-          <p:cNvPr id="131" name="Google Shape;131;g24e3987a417_0_5:notes"/>
+          <p:cNvPr id="138" name="Google Shape;138;g28d7163ff0c_0_55:notes"/>
           <p:cNvSpPr/>
           <p:nvPr>
             <p:ph idx="2" type="sldImg"/>
@@ -1187,7 +1198,7 @@
       </p:sp>
       <p:sp>
         <p:nvSpPr>
-          <p:cNvPr id="132" name="Google Shape;132;g24e3987a417_0_5:notes"/>
+          <p:cNvPr id="139" name="Google Shape;139;g28d7163ff0c_0_55:notes"/>
           <p:cNvSpPr txBox="1"/>
           <p:nvPr>
             <p:ph idx="1" type="body"/>
@@ -1237,7 +1248,7 @@
   <p:cSld>
     <p:spTree>
       <p:nvGrpSpPr>
-        <p:cNvPr id="138" name="Shape 138"/>
+        <p:cNvPr id="143" name="Shape 143"/>
         <p:cNvGrpSpPr/>
         <p:nvPr/>
       </p:nvGrpSpPr>
@@ -1251,7 +1262,7 @@
       </p:grpSpPr>
       <p:sp>
         <p:nvSpPr>
-          <p:cNvPr id="139" name="Google Shape;139;g24e3987a417_0_16:notes"/>
+          <p:cNvPr id="144" name="Google Shape;144;g28d7163ff0c_0_60:notes"/>
           <p:cNvSpPr/>
           <p:nvPr>
             <p:ph idx="2" type="sldImg"/>
@@ -1286,7 +1297,7 @@
       </p:sp>
       <p:sp>
         <p:nvSpPr>
-          <p:cNvPr id="140" name="Google Shape;140;g24e3987a417_0_16:notes"/>
+          <p:cNvPr id="145" name="Google Shape;145;g28d7163ff0c_0_60:notes"/>
           <p:cNvSpPr txBox="1"/>
           <p:nvPr>
             <p:ph idx="1" type="body"/>
@@ -1336,7 +1347,7 @@
   <p:cSld>
     <p:spTree>
       <p:nvGrpSpPr>
-        <p:cNvPr id="146" name="Shape 146"/>
+        <p:cNvPr id="149" name="Shape 149"/>
         <p:cNvGrpSpPr/>
         <p:nvPr/>
       </p:nvGrpSpPr>
@@ -1350,7 +1361,7 @@
       </p:grpSpPr>
       <p:sp>
         <p:nvSpPr>
-          <p:cNvPr id="147" name="Google Shape;147;g24e3987a417_0_25:notes"/>
+          <p:cNvPr id="150" name="Google Shape;150;g28d7163ff0c_0_65:notes"/>
           <p:cNvSpPr/>
           <p:nvPr>
             <p:ph idx="2" type="sldImg"/>
@@ -1385,7 +1396,403 @@
       </p:sp>
       <p:sp>
         <p:nvSpPr>
-          <p:cNvPr id="148" name="Google Shape;148;g24e3987a417_0_25:notes"/>
+          <p:cNvPr id="151" name="Google Shape;151;g28d7163ff0c_0_65:notes"/>
+          <p:cNvSpPr txBox="1"/>
+          <p:nvPr>
+            <p:ph idx="1" type="body"/>
+          </p:nvPr>
+        </p:nvSpPr>
+        <p:spPr>
+          <a:xfrm>
+            <a:off x="685800" y="4343400"/>
+            <a:ext cx="5486400" cy="4114800"/>
+          </a:xfrm>
+          <a:prstGeom prst="rect">
+            <a:avLst/>
+          </a:prstGeom>
+        </p:spPr>
+        <p:txBody>
+          <a:bodyPr anchorCtr="0" anchor="t" bIns="91425" lIns="91425" spcFirstLastPara="1" rIns="91425" wrap="square" tIns="91425">
+            <a:noAutofit/>
+          </a:bodyPr>
+          <a:lstStyle/>
+          <a:p>
+            <a:pPr indent="0" lvl="0" marL="0" rtl="0" algn="l">
+              <a:spcBef>
+                <a:spcPts val="0"/>
+              </a:spcBef>
+              <a:spcAft>
+                <a:spcPts val="0"/>
+              </a:spcAft>
+              <a:buNone/>
+            </a:pPr>
+            <a:r>
+              <a:t/>
+            </a:r>
+            <a:endParaRPr/>
+          </a:p>
+        </p:txBody>
+      </p:sp>
+    </p:spTree>
+  </p:cSld>
+  <p:clrMapOvr>
+    <a:masterClrMapping/>
+  </p:clrMapOvr>
+</p:notes>
+</file>
+
+<file path=ppt/notesSlides/notesSlide16.xml><?xml version="1.0" encoding="utf-8"?>
+<p:notes xmlns:a="http://schemas.openxmlformats.org/drawingml/2006/main" xmlns:r="http://schemas.openxmlformats.org/officeDocument/2006/relationships" xmlns:mc="http://schemas.openxmlformats.org/markup-compatibility/2006" xmlns:mv="urn:schemas-microsoft-com:mac:vml" xmlns:p="http://schemas.openxmlformats.org/presentationml/2006/main" xmlns:c="http://schemas.openxmlformats.org/drawingml/2006/chart" xmlns:dgm="http://schemas.openxmlformats.org/drawingml/2006/diagram" xmlns:o="urn:schemas-microsoft-com:office:office" xmlns:v="urn:schemas-microsoft-com:vml" xmlns:pvml="urn:schemas-microsoft-com:office:powerpoint" xmlns:com="http://schemas.openxmlformats.org/drawingml/2006/compatibility" xmlns:p14="http://schemas.microsoft.com/office/powerpoint/2010/main" xmlns:p15="http://schemas.microsoft.com/office/powerpoint/2012/main" xmlns:ahyp="http://schemas.microsoft.com/office/drawing/2018/hyperlinkcolor" showMasterPhAnim="0" showMasterSp="0">
+  <p:cSld>
+    <p:spTree>
+      <p:nvGrpSpPr>
+        <p:cNvPr id="155" name="Shape 155"/>
+        <p:cNvGrpSpPr/>
+        <p:nvPr/>
+      </p:nvGrpSpPr>
+      <p:grpSpPr>
+        <a:xfrm>
+          <a:off x="0" y="0"/>
+          <a:ext cx="0" cy="0"/>
+          <a:chOff x="0" y="0"/>
+          <a:chExt cx="0" cy="0"/>
+        </a:xfrm>
+      </p:grpSpPr>
+      <p:sp>
+        <p:nvSpPr>
+          <p:cNvPr id="156" name="Google Shape;156;g28d7163ff0c_0_70:notes"/>
+          <p:cNvSpPr/>
+          <p:nvPr>
+            <p:ph idx="2" type="sldImg"/>
+          </p:nvPr>
+        </p:nvSpPr>
+        <p:spPr>
+          <a:xfrm>
+            <a:off x="381300" y="685800"/>
+            <a:ext cx="6096000" cy="3429000"/>
+          </a:xfrm>
+          <a:custGeom>
+            <a:rect b="b" l="l" r="r" t="t"/>
+            <a:pathLst>
+              <a:path extrusionOk="0" h="120000" w="120000">
+                <a:moveTo>
+                  <a:pt x="0" y="0"/>
+                </a:moveTo>
+                <a:lnTo>
+                  <a:pt x="120000" y="0"/>
+                </a:lnTo>
+                <a:lnTo>
+                  <a:pt x="120000" y="120000"/>
+                </a:lnTo>
+                <a:lnTo>
+                  <a:pt x="0" y="120000"/>
+                </a:lnTo>
+                <a:close/>
+              </a:path>
+            </a:pathLst>
+          </a:custGeom>
+        </p:spPr>
+      </p:sp>
+      <p:sp>
+        <p:nvSpPr>
+          <p:cNvPr id="157" name="Google Shape;157;g28d7163ff0c_0_70:notes"/>
+          <p:cNvSpPr txBox="1"/>
+          <p:nvPr>
+            <p:ph idx="1" type="body"/>
+          </p:nvPr>
+        </p:nvSpPr>
+        <p:spPr>
+          <a:xfrm>
+            <a:off x="685800" y="4343400"/>
+            <a:ext cx="5486400" cy="4114800"/>
+          </a:xfrm>
+          <a:prstGeom prst="rect">
+            <a:avLst/>
+          </a:prstGeom>
+        </p:spPr>
+        <p:txBody>
+          <a:bodyPr anchorCtr="0" anchor="t" bIns="91425" lIns="91425" spcFirstLastPara="1" rIns="91425" wrap="square" tIns="91425">
+            <a:noAutofit/>
+          </a:bodyPr>
+          <a:lstStyle/>
+          <a:p>
+            <a:pPr indent="0" lvl="0" marL="0" rtl="0" algn="l">
+              <a:spcBef>
+                <a:spcPts val="0"/>
+              </a:spcBef>
+              <a:spcAft>
+                <a:spcPts val="0"/>
+              </a:spcAft>
+              <a:buNone/>
+            </a:pPr>
+            <a:r>
+              <a:t/>
+            </a:r>
+            <a:endParaRPr/>
+          </a:p>
+        </p:txBody>
+      </p:sp>
+    </p:spTree>
+  </p:cSld>
+  <p:clrMapOvr>
+    <a:masterClrMapping/>
+  </p:clrMapOvr>
+</p:notes>
+</file>
+
+<file path=ppt/notesSlides/notesSlide17.xml><?xml version="1.0" encoding="utf-8"?>
+<p:notes xmlns:a="http://schemas.openxmlformats.org/drawingml/2006/main" xmlns:r="http://schemas.openxmlformats.org/officeDocument/2006/relationships" xmlns:mc="http://schemas.openxmlformats.org/markup-compatibility/2006" xmlns:mv="urn:schemas-microsoft-com:mac:vml" xmlns:p="http://schemas.openxmlformats.org/presentationml/2006/main" xmlns:c="http://schemas.openxmlformats.org/drawingml/2006/chart" xmlns:dgm="http://schemas.openxmlformats.org/drawingml/2006/diagram" xmlns:o="urn:schemas-microsoft-com:office:office" xmlns:v="urn:schemas-microsoft-com:vml" xmlns:pvml="urn:schemas-microsoft-com:office:powerpoint" xmlns:com="http://schemas.openxmlformats.org/drawingml/2006/compatibility" xmlns:p14="http://schemas.microsoft.com/office/powerpoint/2010/main" xmlns:p15="http://schemas.microsoft.com/office/powerpoint/2012/main" xmlns:ahyp="http://schemas.microsoft.com/office/drawing/2018/hyperlinkcolor" showMasterPhAnim="0" showMasterSp="0">
+  <p:cSld>
+    <p:spTree>
+      <p:nvGrpSpPr>
+        <p:cNvPr id="161" name="Shape 161"/>
+        <p:cNvGrpSpPr/>
+        <p:nvPr/>
+      </p:nvGrpSpPr>
+      <p:grpSpPr>
+        <a:xfrm>
+          <a:off x="0" y="0"/>
+          <a:ext cx="0" cy="0"/>
+          <a:chOff x="0" y="0"/>
+          <a:chExt cx="0" cy="0"/>
+        </a:xfrm>
+      </p:grpSpPr>
+      <p:sp>
+        <p:nvSpPr>
+          <p:cNvPr id="162" name="Google Shape;162;g28d7163ff0c_0_75:notes"/>
+          <p:cNvSpPr/>
+          <p:nvPr>
+            <p:ph idx="2" type="sldImg"/>
+          </p:nvPr>
+        </p:nvSpPr>
+        <p:spPr>
+          <a:xfrm>
+            <a:off x="381300" y="685800"/>
+            <a:ext cx="6096000" cy="3429000"/>
+          </a:xfrm>
+          <a:custGeom>
+            <a:rect b="b" l="l" r="r" t="t"/>
+            <a:pathLst>
+              <a:path extrusionOk="0" h="120000" w="120000">
+                <a:moveTo>
+                  <a:pt x="0" y="0"/>
+                </a:moveTo>
+                <a:lnTo>
+                  <a:pt x="120000" y="0"/>
+                </a:lnTo>
+                <a:lnTo>
+                  <a:pt x="120000" y="120000"/>
+                </a:lnTo>
+                <a:lnTo>
+                  <a:pt x="0" y="120000"/>
+                </a:lnTo>
+                <a:close/>
+              </a:path>
+            </a:pathLst>
+          </a:custGeom>
+        </p:spPr>
+      </p:sp>
+      <p:sp>
+        <p:nvSpPr>
+          <p:cNvPr id="163" name="Google Shape;163;g28d7163ff0c_0_75:notes"/>
+          <p:cNvSpPr txBox="1"/>
+          <p:nvPr>
+            <p:ph idx="1" type="body"/>
+          </p:nvPr>
+        </p:nvSpPr>
+        <p:spPr>
+          <a:xfrm>
+            <a:off x="685800" y="4343400"/>
+            <a:ext cx="5486400" cy="4114800"/>
+          </a:xfrm>
+          <a:prstGeom prst="rect">
+            <a:avLst/>
+          </a:prstGeom>
+        </p:spPr>
+        <p:txBody>
+          <a:bodyPr anchorCtr="0" anchor="t" bIns="91425" lIns="91425" spcFirstLastPara="1" rIns="91425" wrap="square" tIns="91425">
+            <a:noAutofit/>
+          </a:bodyPr>
+          <a:lstStyle/>
+          <a:p>
+            <a:pPr indent="0" lvl="0" marL="0" rtl="0" algn="l">
+              <a:spcBef>
+                <a:spcPts val="0"/>
+              </a:spcBef>
+              <a:spcAft>
+                <a:spcPts val="0"/>
+              </a:spcAft>
+              <a:buNone/>
+            </a:pPr>
+            <a:r>
+              <a:t/>
+            </a:r>
+            <a:endParaRPr/>
+          </a:p>
+        </p:txBody>
+      </p:sp>
+    </p:spTree>
+  </p:cSld>
+  <p:clrMapOvr>
+    <a:masterClrMapping/>
+  </p:clrMapOvr>
+</p:notes>
+</file>
+
+<file path=ppt/notesSlides/notesSlide18.xml><?xml version="1.0" encoding="utf-8"?>
+<p:notes xmlns:a="http://schemas.openxmlformats.org/drawingml/2006/main" xmlns:r="http://schemas.openxmlformats.org/officeDocument/2006/relationships" xmlns:mc="http://schemas.openxmlformats.org/markup-compatibility/2006" xmlns:mv="urn:schemas-microsoft-com:mac:vml" xmlns:p="http://schemas.openxmlformats.org/presentationml/2006/main" xmlns:c="http://schemas.openxmlformats.org/drawingml/2006/chart" xmlns:dgm="http://schemas.openxmlformats.org/drawingml/2006/diagram" xmlns:o="urn:schemas-microsoft-com:office:office" xmlns:v="urn:schemas-microsoft-com:vml" xmlns:pvml="urn:schemas-microsoft-com:office:powerpoint" xmlns:com="http://schemas.openxmlformats.org/drawingml/2006/compatibility" xmlns:p14="http://schemas.microsoft.com/office/powerpoint/2010/main" xmlns:p15="http://schemas.microsoft.com/office/powerpoint/2012/main" xmlns:ahyp="http://schemas.microsoft.com/office/drawing/2018/hyperlinkcolor" showMasterPhAnim="0" showMasterSp="0">
+  <p:cSld>
+    <p:spTree>
+      <p:nvGrpSpPr>
+        <p:cNvPr id="167" name="Shape 167"/>
+        <p:cNvGrpSpPr/>
+        <p:nvPr/>
+      </p:nvGrpSpPr>
+      <p:grpSpPr>
+        <a:xfrm>
+          <a:off x="0" y="0"/>
+          <a:ext cx="0" cy="0"/>
+          <a:chOff x="0" y="0"/>
+          <a:chExt cx="0" cy="0"/>
+        </a:xfrm>
+      </p:grpSpPr>
+      <p:sp>
+        <p:nvSpPr>
+          <p:cNvPr id="168" name="Google Shape;168;g28d7163ff0c_0_86:notes"/>
+          <p:cNvSpPr/>
+          <p:nvPr>
+            <p:ph idx="2" type="sldImg"/>
+          </p:nvPr>
+        </p:nvSpPr>
+        <p:spPr>
+          <a:xfrm>
+            <a:off x="381300" y="685800"/>
+            <a:ext cx="6096000" cy="3429000"/>
+          </a:xfrm>
+          <a:custGeom>
+            <a:rect b="b" l="l" r="r" t="t"/>
+            <a:pathLst>
+              <a:path extrusionOk="0" h="120000" w="120000">
+                <a:moveTo>
+                  <a:pt x="0" y="0"/>
+                </a:moveTo>
+                <a:lnTo>
+                  <a:pt x="120000" y="0"/>
+                </a:lnTo>
+                <a:lnTo>
+                  <a:pt x="120000" y="120000"/>
+                </a:lnTo>
+                <a:lnTo>
+                  <a:pt x="0" y="120000"/>
+                </a:lnTo>
+                <a:close/>
+              </a:path>
+            </a:pathLst>
+          </a:custGeom>
+        </p:spPr>
+      </p:sp>
+      <p:sp>
+        <p:nvSpPr>
+          <p:cNvPr id="169" name="Google Shape;169;g28d7163ff0c_0_86:notes"/>
+          <p:cNvSpPr txBox="1"/>
+          <p:nvPr>
+            <p:ph idx="1" type="body"/>
+          </p:nvPr>
+        </p:nvSpPr>
+        <p:spPr>
+          <a:xfrm>
+            <a:off x="685800" y="4343400"/>
+            <a:ext cx="5486400" cy="4114800"/>
+          </a:xfrm>
+          <a:prstGeom prst="rect">
+            <a:avLst/>
+          </a:prstGeom>
+        </p:spPr>
+        <p:txBody>
+          <a:bodyPr anchorCtr="0" anchor="t" bIns="91425" lIns="91425" spcFirstLastPara="1" rIns="91425" wrap="square" tIns="91425">
+            <a:noAutofit/>
+          </a:bodyPr>
+          <a:lstStyle/>
+          <a:p>
+            <a:pPr indent="0" lvl="0" marL="0" rtl="0" algn="l">
+              <a:spcBef>
+                <a:spcPts val="0"/>
+              </a:spcBef>
+              <a:spcAft>
+                <a:spcPts val="0"/>
+              </a:spcAft>
+              <a:buNone/>
+            </a:pPr>
+            <a:r>
+              <a:t/>
+            </a:r>
+            <a:endParaRPr/>
+          </a:p>
+        </p:txBody>
+      </p:sp>
+    </p:spTree>
+  </p:cSld>
+  <p:clrMapOvr>
+    <a:masterClrMapping/>
+  </p:clrMapOvr>
+</p:notes>
+</file>
+
+<file path=ppt/notesSlides/notesSlide19.xml><?xml version="1.0" encoding="utf-8"?>
+<p:notes xmlns:a="http://schemas.openxmlformats.org/drawingml/2006/main" xmlns:r="http://schemas.openxmlformats.org/officeDocument/2006/relationships" xmlns:mc="http://schemas.openxmlformats.org/markup-compatibility/2006" xmlns:mv="urn:schemas-microsoft-com:mac:vml" xmlns:p="http://schemas.openxmlformats.org/presentationml/2006/main" xmlns:c="http://schemas.openxmlformats.org/drawingml/2006/chart" xmlns:dgm="http://schemas.openxmlformats.org/drawingml/2006/diagram" xmlns:o="urn:schemas-microsoft-com:office:office" xmlns:v="urn:schemas-microsoft-com:vml" xmlns:pvml="urn:schemas-microsoft-com:office:powerpoint" xmlns:com="http://schemas.openxmlformats.org/drawingml/2006/compatibility" xmlns:p14="http://schemas.microsoft.com/office/powerpoint/2010/main" xmlns:p15="http://schemas.microsoft.com/office/powerpoint/2012/main" xmlns:ahyp="http://schemas.microsoft.com/office/drawing/2018/hyperlinkcolor" showMasterPhAnim="0" showMasterSp="0">
+  <p:cSld>
+    <p:spTree>
+      <p:nvGrpSpPr>
+        <p:cNvPr id="173" name="Shape 173"/>
+        <p:cNvGrpSpPr/>
+        <p:nvPr/>
+      </p:nvGrpSpPr>
+      <p:grpSpPr>
+        <a:xfrm>
+          <a:off x="0" y="0"/>
+          <a:ext cx="0" cy="0"/>
+          <a:chOff x="0" y="0"/>
+          <a:chExt cx="0" cy="0"/>
+        </a:xfrm>
+      </p:grpSpPr>
+      <p:sp>
+        <p:nvSpPr>
+          <p:cNvPr id="174" name="Google Shape;174;g28d7163ff0c_0_92:notes"/>
+          <p:cNvSpPr/>
+          <p:nvPr>
+            <p:ph idx="2" type="sldImg"/>
+          </p:nvPr>
+        </p:nvSpPr>
+        <p:spPr>
+          <a:xfrm>
+            <a:off x="381300" y="685800"/>
+            <a:ext cx="6096000" cy="3429000"/>
+          </a:xfrm>
+          <a:custGeom>
+            <a:rect b="b" l="l" r="r" t="t"/>
+            <a:pathLst>
+              <a:path extrusionOk="0" h="120000" w="120000">
+                <a:moveTo>
+                  <a:pt x="0" y="0"/>
+                </a:moveTo>
+                <a:lnTo>
+                  <a:pt x="120000" y="0"/>
+                </a:lnTo>
+                <a:lnTo>
+                  <a:pt x="120000" y="120000"/>
+                </a:lnTo>
+                <a:lnTo>
+                  <a:pt x="0" y="120000"/>
+                </a:lnTo>
+                <a:close/>
+              </a:path>
+            </a:pathLst>
+          </a:custGeom>
+        </p:spPr>
+      </p:sp>
+      <p:sp>
+        <p:nvSpPr>
+          <p:cNvPr id="175" name="Google Shape;175;g28d7163ff0c_0_92:notes"/>
           <p:cNvSpPr txBox="1"/>
           <p:nvPr>
             <p:ph idx="1" type="body"/>
@@ -1529,12 +1936,12 @@
 </p:notes>
 </file>
 
-<file path=ppt/notesSlides/notesSlide3.xml><?xml version="1.0" encoding="utf-8"?>
+<file path=ppt/notesSlides/notesSlide20.xml><?xml version="1.0" encoding="utf-8"?>
 <p:notes xmlns:a="http://schemas.openxmlformats.org/drawingml/2006/main" xmlns:r="http://schemas.openxmlformats.org/officeDocument/2006/relationships" xmlns:mc="http://schemas.openxmlformats.org/markup-compatibility/2006" xmlns:mv="urn:schemas-microsoft-com:mac:vml" xmlns:p="http://schemas.openxmlformats.org/presentationml/2006/main" xmlns:c="http://schemas.openxmlformats.org/drawingml/2006/chart" xmlns:dgm="http://schemas.openxmlformats.org/drawingml/2006/diagram" xmlns:o="urn:schemas-microsoft-com:office:office" xmlns:v="urn:schemas-microsoft-com:vml" xmlns:pvml="urn:schemas-microsoft-com:office:powerpoint" xmlns:com="http://schemas.openxmlformats.org/drawingml/2006/compatibility" xmlns:p14="http://schemas.microsoft.com/office/powerpoint/2010/main" xmlns:p15="http://schemas.microsoft.com/office/powerpoint/2012/main" xmlns:ahyp="http://schemas.microsoft.com/office/drawing/2018/hyperlinkcolor" showMasterPhAnim="0" showMasterSp="0">
   <p:cSld>
     <p:spTree>
       <p:nvGrpSpPr>
-        <p:cNvPr id="70" name="Shape 70"/>
+        <p:cNvPr id="179" name="Shape 179"/>
         <p:cNvGrpSpPr/>
         <p:nvPr/>
       </p:nvGrpSpPr>
@@ -1548,7 +1955,7 @@
       </p:grpSpPr>
       <p:sp>
         <p:nvSpPr>
-          <p:cNvPr id="71" name="Google Shape;71;g25f15c85a4a_0_26:notes"/>
+          <p:cNvPr id="180" name="Google Shape;180;g23a0b8b16b5_0_5:notes"/>
           <p:cNvSpPr/>
           <p:nvPr>
             <p:ph idx="2" type="sldImg"/>
@@ -1583,7 +1990,7 @@
       </p:sp>
       <p:sp>
         <p:nvSpPr>
-          <p:cNvPr id="72" name="Google Shape;72;g25f15c85a4a_0_26:notes"/>
+          <p:cNvPr id="181" name="Google Shape;181;g23a0b8b16b5_0_5:notes"/>
           <p:cNvSpPr txBox="1"/>
           <p:nvPr>
             <p:ph idx="1" type="body"/>
@@ -1628,12 +2035,12 @@
 </p:notes>
 </file>
 
-<file path=ppt/notesSlides/notesSlide4.xml><?xml version="1.0" encoding="utf-8"?>
+<file path=ppt/notesSlides/notesSlide21.xml><?xml version="1.0" encoding="utf-8"?>
 <p:notes xmlns:a="http://schemas.openxmlformats.org/drawingml/2006/main" xmlns:r="http://schemas.openxmlformats.org/officeDocument/2006/relationships" xmlns:mc="http://schemas.openxmlformats.org/markup-compatibility/2006" xmlns:mv="urn:schemas-microsoft-com:mac:vml" xmlns:p="http://schemas.openxmlformats.org/presentationml/2006/main" xmlns:c="http://schemas.openxmlformats.org/drawingml/2006/chart" xmlns:dgm="http://schemas.openxmlformats.org/drawingml/2006/diagram" xmlns:o="urn:schemas-microsoft-com:office:office" xmlns:v="urn:schemas-microsoft-com:vml" xmlns:pvml="urn:schemas-microsoft-com:office:powerpoint" xmlns:com="http://schemas.openxmlformats.org/drawingml/2006/compatibility" xmlns:p14="http://schemas.microsoft.com/office/powerpoint/2010/main" xmlns:p15="http://schemas.microsoft.com/office/powerpoint/2012/main" xmlns:ahyp="http://schemas.microsoft.com/office/drawing/2018/hyperlinkcolor" showMasterPhAnim="0" showMasterSp="0">
   <p:cSld>
     <p:spTree>
       <p:nvGrpSpPr>
-        <p:cNvPr id="76" name="Shape 76"/>
+        <p:cNvPr id="185" name="Shape 185"/>
         <p:cNvGrpSpPr/>
         <p:nvPr/>
       </p:nvGrpSpPr>
@@ -1647,7 +2054,7 @@
       </p:grpSpPr>
       <p:sp>
         <p:nvSpPr>
-          <p:cNvPr id="77" name="Google Shape;77;g25f15c85a4a_0_20:notes"/>
+          <p:cNvPr id="186" name="Google Shape;186;g275ff009bad_0_30:notes"/>
           <p:cNvSpPr/>
           <p:nvPr>
             <p:ph idx="2" type="sldImg"/>
@@ -1682,7 +2089,7 @@
       </p:sp>
       <p:sp>
         <p:nvSpPr>
-          <p:cNvPr id="78" name="Google Shape;78;g25f15c85a4a_0_20:notes"/>
+          <p:cNvPr id="187" name="Google Shape;187;g275ff009bad_0_30:notes"/>
           <p:cNvSpPr txBox="1"/>
           <p:nvPr>
             <p:ph idx="1" type="body"/>
@@ -1727,12 +2134,12 @@
 </p:notes>
 </file>
 
-<file path=ppt/notesSlides/notesSlide5.xml><?xml version="1.0" encoding="utf-8"?>
+<file path=ppt/notesSlides/notesSlide22.xml><?xml version="1.0" encoding="utf-8"?>
 <p:notes xmlns:a="http://schemas.openxmlformats.org/drawingml/2006/main" xmlns:r="http://schemas.openxmlformats.org/officeDocument/2006/relationships" xmlns:mc="http://schemas.openxmlformats.org/markup-compatibility/2006" xmlns:mv="urn:schemas-microsoft-com:mac:vml" xmlns:p="http://schemas.openxmlformats.org/presentationml/2006/main" xmlns:c="http://schemas.openxmlformats.org/drawingml/2006/chart" xmlns:dgm="http://schemas.openxmlformats.org/drawingml/2006/diagram" xmlns:o="urn:schemas-microsoft-com:office:office" xmlns:v="urn:schemas-microsoft-com:vml" xmlns:pvml="urn:schemas-microsoft-com:office:powerpoint" xmlns:com="http://schemas.openxmlformats.org/drawingml/2006/compatibility" xmlns:p14="http://schemas.microsoft.com/office/powerpoint/2010/main" xmlns:p15="http://schemas.microsoft.com/office/powerpoint/2012/main" xmlns:ahyp="http://schemas.microsoft.com/office/drawing/2018/hyperlinkcolor" showMasterPhAnim="0" showMasterSp="0">
   <p:cSld>
     <p:spTree>
       <p:nvGrpSpPr>
-        <p:cNvPr id="82" name="Shape 82"/>
+        <p:cNvPr id="191" name="Shape 191"/>
         <p:cNvGrpSpPr/>
         <p:nvPr/>
       </p:nvGrpSpPr>
@@ -1746,7 +2153,7 @@
       </p:grpSpPr>
       <p:sp>
         <p:nvSpPr>
-          <p:cNvPr id="83" name="Google Shape;83;g25f15c85a4a_0_10:notes"/>
+          <p:cNvPr id="192" name="Google Shape;192;g23d4359cb38_0_0:notes"/>
           <p:cNvSpPr/>
           <p:nvPr>
             <p:ph idx="2" type="sldImg"/>
@@ -1781,7 +2188,7 @@
       </p:sp>
       <p:sp>
         <p:nvSpPr>
-          <p:cNvPr id="84" name="Google Shape;84;g25f15c85a4a_0_10:notes"/>
+          <p:cNvPr id="193" name="Google Shape;193;g23d4359cb38_0_0:notes"/>
           <p:cNvSpPr txBox="1"/>
           <p:nvPr>
             <p:ph idx="1" type="body"/>
@@ -1826,12 +2233,12 @@
 </p:notes>
 </file>
 
-<file path=ppt/notesSlides/notesSlide6.xml><?xml version="1.0" encoding="utf-8"?>
+<file path=ppt/notesSlides/notesSlide23.xml><?xml version="1.0" encoding="utf-8"?>
 <p:notes xmlns:a="http://schemas.openxmlformats.org/drawingml/2006/main" xmlns:r="http://schemas.openxmlformats.org/officeDocument/2006/relationships" xmlns:mc="http://schemas.openxmlformats.org/markup-compatibility/2006" xmlns:mv="urn:schemas-microsoft-com:mac:vml" xmlns:p="http://schemas.openxmlformats.org/presentationml/2006/main" xmlns:c="http://schemas.openxmlformats.org/drawingml/2006/chart" xmlns:dgm="http://schemas.openxmlformats.org/drawingml/2006/diagram" xmlns:o="urn:schemas-microsoft-com:office:office" xmlns:v="urn:schemas-microsoft-com:vml" xmlns:pvml="urn:schemas-microsoft-com:office:powerpoint" xmlns:com="http://schemas.openxmlformats.org/drawingml/2006/compatibility" xmlns:p14="http://schemas.microsoft.com/office/powerpoint/2010/main" xmlns:p15="http://schemas.microsoft.com/office/powerpoint/2012/main" xmlns:ahyp="http://schemas.microsoft.com/office/drawing/2018/hyperlinkcolor" showMasterPhAnim="0" showMasterSp="0">
   <p:cSld>
     <p:spTree>
       <p:nvGrpSpPr>
-        <p:cNvPr id="88" name="Shape 88"/>
+        <p:cNvPr id="197" name="Shape 197"/>
         <p:cNvGrpSpPr/>
         <p:nvPr/>
       </p:nvGrpSpPr>
@@ -1845,7 +2252,7 @@
       </p:grpSpPr>
       <p:sp>
         <p:nvSpPr>
-          <p:cNvPr id="89" name="Google Shape;89;g28d7163ff0c_0_55:notes"/>
+          <p:cNvPr id="198" name="Google Shape;198;g275ff009bad_0_10:notes"/>
           <p:cNvSpPr/>
           <p:nvPr>
             <p:ph idx="2" type="sldImg"/>
@@ -1880,7 +2287,7 @@
       </p:sp>
       <p:sp>
         <p:nvSpPr>
-          <p:cNvPr id="90" name="Google Shape;90;g28d7163ff0c_0_55:notes"/>
+          <p:cNvPr id="199" name="Google Shape;199;g275ff009bad_0_10:notes"/>
           <p:cNvSpPr txBox="1"/>
           <p:nvPr>
             <p:ph idx="1" type="body"/>
@@ -1925,12 +2332,12 @@
 </p:notes>
 </file>
 
-<file path=ppt/notesSlides/notesSlide7.xml><?xml version="1.0" encoding="utf-8"?>
+<file path=ppt/notesSlides/notesSlide24.xml><?xml version="1.0" encoding="utf-8"?>
 <p:notes xmlns:a="http://schemas.openxmlformats.org/drawingml/2006/main" xmlns:r="http://schemas.openxmlformats.org/officeDocument/2006/relationships" xmlns:mc="http://schemas.openxmlformats.org/markup-compatibility/2006" xmlns:mv="urn:schemas-microsoft-com:mac:vml" xmlns:p="http://schemas.openxmlformats.org/presentationml/2006/main" xmlns:c="http://schemas.openxmlformats.org/drawingml/2006/chart" xmlns:dgm="http://schemas.openxmlformats.org/drawingml/2006/diagram" xmlns:o="urn:schemas-microsoft-com:office:office" xmlns:v="urn:schemas-microsoft-com:vml" xmlns:pvml="urn:schemas-microsoft-com:office:powerpoint" xmlns:com="http://schemas.openxmlformats.org/drawingml/2006/compatibility" xmlns:p14="http://schemas.microsoft.com/office/powerpoint/2010/main" xmlns:p15="http://schemas.microsoft.com/office/powerpoint/2012/main" xmlns:ahyp="http://schemas.microsoft.com/office/drawing/2018/hyperlinkcolor" showMasterPhAnim="0" showMasterSp="0">
   <p:cSld>
     <p:spTree>
       <p:nvGrpSpPr>
-        <p:cNvPr id="94" name="Shape 94"/>
+        <p:cNvPr id="203" name="Shape 203"/>
         <p:cNvGrpSpPr/>
         <p:nvPr/>
       </p:nvGrpSpPr>
@@ -1944,7 +2351,7 @@
       </p:grpSpPr>
       <p:sp>
         <p:nvSpPr>
-          <p:cNvPr id="95" name="Google Shape;95;g28d7163ff0c_0_60:notes"/>
+          <p:cNvPr id="204" name="Google Shape;204;g275ff009bad_0_15:notes"/>
           <p:cNvSpPr/>
           <p:nvPr>
             <p:ph idx="2" type="sldImg"/>
@@ -1979,7 +2386,7 @@
       </p:sp>
       <p:sp>
         <p:nvSpPr>
-          <p:cNvPr id="96" name="Google Shape;96;g28d7163ff0c_0_60:notes"/>
+          <p:cNvPr id="205" name="Google Shape;205;g275ff009bad_0_15:notes"/>
           <p:cNvSpPr txBox="1"/>
           <p:nvPr>
             <p:ph idx="1" type="body"/>
@@ -2024,12 +2431,12 @@
 </p:notes>
 </file>
 
-<file path=ppt/notesSlides/notesSlide8.xml><?xml version="1.0" encoding="utf-8"?>
+<file path=ppt/notesSlides/notesSlide25.xml><?xml version="1.0" encoding="utf-8"?>
 <p:notes xmlns:a="http://schemas.openxmlformats.org/drawingml/2006/main" xmlns:r="http://schemas.openxmlformats.org/officeDocument/2006/relationships" xmlns:mc="http://schemas.openxmlformats.org/markup-compatibility/2006" xmlns:mv="urn:schemas-microsoft-com:mac:vml" xmlns:p="http://schemas.openxmlformats.org/presentationml/2006/main" xmlns:c="http://schemas.openxmlformats.org/drawingml/2006/chart" xmlns:dgm="http://schemas.openxmlformats.org/drawingml/2006/diagram" xmlns:o="urn:schemas-microsoft-com:office:office" xmlns:v="urn:schemas-microsoft-com:vml" xmlns:pvml="urn:schemas-microsoft-com:office:powerpoint" xmlns:com="http://schemas.openxmlformats.org/drawingml/2006/compatibility" xmlns:p14="http://schemas.microsoft.com/office/powerpoint/2010/main" xmlns:p15="http://schemas.microsoft.com/office/powerpoint/2012/main" xmlns:ahyp="http://schemas.microsoft.com/office/drawing/2018/hyperlinkcolor" showMasterPhAnim="0" showMasterSp="0">
   <p:cSld>
     <p:spTree>
       <p:nvGrpSpPr>
-        <p:cNvPr id="100" name="Shape 100"/>
+        <p:cNvPr id="209" name="Shape 209"/>
         <p:cNvGrpSpPr/>
         <p:nvPr/>
       </p:nvGrpSpPr>
@@ -2043,7 +2450,7 @@
       </p:grpSpPr>
       <p:sp>
         <p:nvSpPr>
-          <p:cNvPr id="101" name="Google Shape;101;g28d7163ff0c_0_65:notes"/>
+          <p:cNvPr id="210" name="Google Shape;210;g275ff009bad_0_20:notes"/>
           <p:cNvSpPr/>
           <p:nvPr>
             <p:ph idx="2" type="sldImg"/>
@@ -2078,7 +2485,7 @@
       </p:sp>
       <p:sp>
         <p:nvSpPr>
-          <p:cNvPr id="102" name="Google Shape;102;g28d7163ff0c_0_65:notes"/>
+          <p:cNvPr id="211" name="Google Shape;211;g275ff009bad_0_20:notes"/>
           <p:cNvSpPr txBox="1"/>
           <p:nvPr>
             <p:ph idx="1" type="body"/>
@@ -2123,12 +2530,12 @@
 </p:notes>
 </file>
 
-<file path=ppt/notesSlides/notesSlide9.xml><?xml version="1.0" encoding="utf-8"?>
+<file path=ppt/notesSlides/notesSlide26.xml><?xml version="1.0" encoding="utf-8"?>
 <p:notes xmlns:a="http://schemas.openxmlformats.org/drawingml/2006/main" xmlns:r="http://schemas.openxmlformats.org/officeDocument/2006/relationships" xmlns:mc="http://schemas.openxmlformats.org/markup-compatibility/2006" xmlns:mv="urn:schemas-microsoft-com:mac:vml" xmlns:p="http://schemas.openxmlformats.org/presentationml/2006/main" xmlns:c="http://schemas.openxmlformats.org/drawingml/2006/chart" xmlns:dgm="http://schemas.openxmlformats.org/drawingml/2006/diagram" xmlns:o="urn:schemas-microsoft-com:office:office" xmlns:v="urn:schemas-microsoft-com:vml" xmlns:pvml="urn:schemas-microsoft-com:office:powerpoint" xmlns:com="http://schemas.openxmlformats.org/drawingml/2006/compatibility" xmlns:p14="http://schemas.microsoft.com/office/powerpoint/2010/main" xmlns:p15="http://schemas.microsoft.com/office/powerpoint/2012/main" xmlns:ahyp="http://schemas.microsoft.com/office/drawing/2018/hyperlinkcolor" showMasterPhAnim="0" showMasterSp="0">
   <p:cSld>
     <p:spTree>
       <p:nvGrpSpPr>
-        <p:cNvPr id="106" name="Shape 106"/>
+        <p:cNvPr id="215" name="Shape 215"/>
         <p:cNvGrpSpPr/>
         <p:nvPr/>
       </p:nvGrpSpPr>
@@ -2142,7 +2549,7 @@
       </p:grpSpPr>
       <p:sp>
         <p:nvSpPr>
-          <p:cNvPr id="107" name="Google Shape;107;g28d7163ff0c_0_70:notes"/>
+          <p:cNvPr id="216" name="Google Shape;216;g275ff009bad_0_25:notes"/>
           <p:cNvSpPr/>
           <p:nvPr>
             <p:ph idx="2" type="sldImg"/>
@@ -2177,7 +2584,700 @@
       </p:sp>
       <p:sp>
         <p:nvSpPr>
-          <p:cNvPr id="108" name="Google Shape;108;g28d7163ff0c_0_70:notes"/>
+          <p:cNvPr id="217" name="Google Shape;217;g275ff009bad_0_25:notes"/>
+          <p:cNvSpPr txBox="1"/>
+          <p:nvPr>
+            <p:ph idx="1" type="body"/>
+          </p:nvPr>
+        </p:nvSpPr>
+        <p:spPr>
+          <a:xfrm>
+            <a:off x="685800" y="4343400"/>
+            <a:ext cx="5486400" cy="4114800"/>
+          </a:xfrm>
+          <a:prstGeom prst="rect">
+            <a:avLst/>
+          </a:prstGeom>
+        </p:spPr>
+        <p:txBody>
+          <a:bodyPr anchorCtr="0" anchor="t" bIns="91425" lIns="91425" spcFirstLastPara="1" rIns="91425" wrap="square" tIns="91425">
+            <a:noAutofit/>
+          </a:bodyPr>
+          <a:lstStyle/>
+          <a:p>
+            <a:pPr indent="0" lvl="0" marL="0" rtl="0" algn="l">
+              <a:spcBef>
+                <a:spcPts val="0"/>
+              </a:spcBef>
+              <a:spcAft>
+                <a:spcPts val="0"/>
+              </a:spcAft>
+              <a:buNone/>
+            </a:pPr>
+            <a:r>
+              <a:t/>
+            </a:r>
+            <a:endParaRPr/>
+          </a:p>
+        </p:txBody>
+      </p:sp>
+    </p:spTree>
+  </p:cSld>
+  <p:clrMapOvr>
+    <a:masterClrMapping/>
+  </p:clrMapOvr>
+</p:notes>
+</file>
+
+<file path=ppt/notesSlides/notesSlide3.xml><?xml version="1.0" encoding="utf-8"?>
+<p:notes xmlns:a="http://schemas.openxmlformats.org/drawingml/2006/main" xmlns:r="http://schemas.openxmlformats.org/officeDocument/2006/relationships" xmlns:mc="http://schemas.openxmlformats.org/markup-compatibility/2006" xmlns:mv="urn:schemas-microsoft-com:mac:vml" xmlns:p="http://schemas.openxmlformats.org/presentationml/2006/main" xmlns:c="http://schemas.openxmlformats.org/drawingml/2006/chart" xmlns:dgm="http://schemas.openxmlformats.org/drawingml/2006/diagram" xmlns:o="urn:schemas-microsoft-com:office:office" xmlns:v="urn:schemas-microsoft-com:vml" xmlns:pvml="urn:schemas-microsoft-com:office:powerpoint" xmlns:com="http://schemas.openxmlformats.org/drawingml/2006/compatibility" xmlns:p14="http://schemas.microsoft.com/office/powerpoint/2010/main" xmlns:p15="http://schemas.microsoft.com/office/powerpoint/2012/main" xmlns:ahyp="http://schemas.microsoft.com/office/drawing/2018/hyperlinkcolor" showMasterPhAnim="0" showMasterSp="0">
+  <p:cSld>
+    <p:spTree>
+      <p:nvGrpSpPr>
+        <p:cNvPr id="70" name="Shape 70"/>
+        <p:cNvGrpSpPr/>
+        <p:nvPr/>
+      </p:nvGrpSpPr>
+      <p:grpSpPr>
+        <a:xfrm>
+          <a:off x="0" y="0"/>
+          <a:ext cx="0" cy="0"/>
+          <a:chOff x="0" y="0"/>
+          <a:chExt cx="0" cy="0"/>
+        </a:xfrm>
+      </p:grpSpPr>
+      <p:sp>
+        <p:nvSpPr>
+          <p:cNvPr id="71" name="Google Shape;71;g275ff009bad_0_55:notes"/>
+          <p:cNvSpPr/>
+          <p:nvPr>
+            <p:ph idx="2" type="sldImg"/>
+          </p:nvPr>
+        </p:nvSpPr>
+        <p:spPr>
+          <a:xfrm>
+            <a:off x="381300" y="685800"/>
+            <a:ext cx="6096000" cy="3429000"/>
+          </a:xfrm>
+          <a:custGeom>
+            <a:rect b="b" l="l" r="r" t="t"/>
+            <a:pathLst>
+              <a:path extrusionOk="0" h="120000" w="120000">
+                <a:moveTo>
+                  <a:pt x="0" y="0"/>
+                </a:moveTo>
+                <a:lnTo>
+                  <a:pt x="120000" y="0"/>
+                </a:lnTo>
+                <a:lnTo>
+                  <a:pt x="120000" y="120000"/>
+                </a:lnTo>
+                <a:lnTo>
+                  <a:pt x="0" y="120000"/>
+                </a:lnTo>
+                <a:close/>
+              </a:path>
+            </a:pathLst>
+          </a:custGeom>
+        </p:spPr>
+      </p:sp>
+      <p:sp>
+        <p:nvSpPr>
+          <p:cNvPr id="72" name="Google Shape;72;g275ff009bad_0_55:notes"/>
+          <p:cNvSpPr txBox="1"/>
+          <p:nvPr>
+            <p:ph idx="1" type="body"/>
+          </p:nvPr>
+        </p:nvSpPr>
+        <p:spPr>
+          <a:xfrm>
+            <a:off x="685800" y="4343400"/>
+            <a:ext cx="5486400" cy="4114800"/>
+          </a:xfrm>
+          <a:prstGeom prst="rect">
+            <a:avLst/>
+          </a:prstGeom>
+        </p:spPr>
+        <p:txBody>
+          <a:bodyPr anchorCtr="0" anchor="t" bIns="91425" lIns="91425" spcFirstLastPara="1" rIns="91425" wrap="square" tIns="91425">
+            <a:noAutofit/>
+          </a:bodyPr>
+          <a:lstStyle/>
+          <a:p>
+            <a:pPr indent="0" lvl="0" marL="0" rtl="0" algn="l">
+              <a:spcBef>
+                <a:spcPts val="0"/>
+              </a:spcBef>
+              <a:spcAft>
+                <a:spcPts val="0"/>
+              </a:spcAft>
+              <a:buNone/>
+            </a:pPr>
+            <a:r>
+              <a:t/>
+            </a:r>
+            <a:endParaRPr/>
+          </a:p>
+        </p:txBody>
+      </p:sp>
+    </p:spTree>
+  </p:cSld>
+  <p:clrMapOvr>
+    <a:masterClrMapping/>
+  </p:clrMapOvr>
+</p:notes>
+</file>
+
+<file path=ppt/notesSlides/notesSlide4.xml><?xml version="1.0" encoding="utf-8"?>
+<p:notes xmlns:a="http://schemas.openxmlformats.org/drawingml/2006/main" xmlns:r="http://schemas.openxmlformats.org/officeDocument/2006/relationships" xmlns:mc="http://schemas.openxmlformats.org/markup-compatibility/2006" xmlns:mv="urn:schemas-microsoft-com:mac:vml" xmlns:p="http://schemas.openxmlformats.org/presentationml/2006/main" xmlns:c="http://schemas.openxmlformats.org/drawingml/2006/chart" xmlns:dgm="http://schemas.openxmlformats.org/drawingml/2006/diagram" xmlns:o="urn:schemas-microsoft-com:office:office" xmlns:v="urn:schemas-microsoft-com:vml" xmlns:pvml="urn:schemas-microsoft-com:office:powerpoint" xmlns:com="http://schemas.openxmlformats.org/drawingml/2006/compatibility" xmlns:p14="http://schemas.microsoft.com/office/powerpoint/2010/main" xmlns:p15="http://schemas.microsoft.com/office/powerpoint/2012/main" xmlns:ahyp="http://schemas.microsoft.com/office/drawing/2018/hyperlinkcolor" showMasterPhAnim="0" showMasterSp="0">
+  <p:cSld>
+    <p:spTree>
+      <p:nvGrpSpPr>
+        <p:cNvPr id="76" name="Shape 76"/>
+        <p:cNvGrpSpPr/>
+        <p:nvPr/>
+      </p:nvGrpSpPr>
+      <p:grpSpPr>
+        <a:xfrm>
+          <a:off x="0" y="0"/>
+          <a:ext cx="0" cy="0"/>
+          <a:chOff x="0" y="0"/>
+          <a:chExt cx="0" cy="0"/>
+        </a:xfrm>
+      </p:grpSpPr>
+      <p:sp>
+        <p:nvSpPr>
+          <p:cNvPr id="77" name="Google Shape;77;g25f15c85a4a_0_26:notes"/>
+          <p:cNvSpPr/>
+          <p:nvPr>
+            <p:ph idx="2" type="sldImg"/>
+          </p:nvPr>
+        </p:nvSpPr>
+        <p:spPr>
+          <a:xfrm>
+            <a:off x="381300" y="685800"/>
+            <a:ext cx="6096000" cy="3429000"/>
+          </a:xfrm>
+          <a:custGeom>
+            <a:rect b="b" l="l" r="r" t="t"/>
+            <a:pathLst>
+              <a:path extrusionOk="0" h="120000" w="120000">
+                <a:moveTo>
+                  <a:pt x="0" y="0"/>
+                </a:moveTo>
+                <a:lnTo>
+                  <a:pt x="120000" y="0"/>
+                </a:lnTo>
+                <a:lnTo>
+                  <a:pt x="120000" y="120000"/>
+                </a:lnTo>
+                <a:lnTo>
+                  <a:pt x="0" y="120000"/>
+                </a:lnTo>
+                <a:close/>
+              </a:path>
+            </a:pathLst>
+          </a:custGeom>
+        </p:spPr>
+      </p:sp>
+      <p:sp>
+        <p:nvSpPr>
+          <p:cNvPr id="78" name="Google Shape;78;g25f15c85a4a_0_26:notes"/>
+          <p:cNvSpPr txBox="1"/>
+          <p:nvPr>
+            <p:ph idx="1" type="body"/>
+          </p:nvPr>
+        </p:nvSpPr>
+        <p:spPr>
+          <a:xfrm>
+            <a:off x="685800" y="4343400"/>
+            <a:ext cx="5486400" cy="4114800"/>
+          </a:xfrm>
+          <a:prstGeom prst="rect">
+            <a:avLst/>
+          </a:prstGeom>
+        </p:spPr>
+        <p:txBody>
+          <a:bodyPr anchorCtr="0" anchor="t" bIns="91425" lIns="91425" spcFirstLastPara="1" rIns="91425" wrap="square" tIns="91425">
+            <a:noAutofit/>
+          </a:bodyPr>
+          <a:lstStyle/>
+          <a:p>
+            <a:pPr indent="0" lvl="0" marL="0" rtl="0" algn="l">
+              <a:spcBef>
+                <a:spcPts val="0"/>
+              </a:spcBef>
+              <a:spcAft>
+                <a:spcPts val="0"/>
+              </a:spcAft>
+              <a:buNone/>
+            </a:pPr>
+            <a:r>
+              <a:t/>
+            </a:r>
+            <a:endParaRPr/>
+          </a:p>
+        </p:txBody>
+      </p:sp>
+    </p:spTree>
+  </p:cSld>
+  <p:clrMapOvr>
+    <a:masterClrMapping/>
+  </p:clrMapOvr>
+</p:notes>
+</file>
+
+<file path=ppt/notesSlides/notesSlide5.xml><?xml version="1.0" encoding="utf-8"?>
+<p:notes xmlns:a="http://schemas.openxmlformats.org/drawingml/2006/main" xmlns:r="http://schemas.openxmlformats.org/officeDocument/2006/relationships" xmlns:mc="http://schemas.openxmlformats.org/markup-compatibility/2006" xmlns:mv="urn:schemas-microsoft-com:mac:vml" xmlns:p="http://schemas.openxmlformats.org/presentationml/2006/main" xmlns:c="http://schemas.openxmlformats.org/drawingml/2006/chart" xmlns:dgm="http://schemas.openxmlformats.org/drawingml/2006/diagram" xmlns:o="urn:schemas-microsoft-com:office:office" xmlns:v="urn:schemas-microsoft-com:vml" xmlns:pvml="urn:schemas-microsoft-com:office:powerpoint" xmlns:com="http://schemas.openxmlformats.org/drawingml/2006/compatibility" xmlns:p14="http://schemas.microsoft.com/office/powerpoint/2010/main" xmlns:p15="http://schemas.microsoft.com/office/powerpoint/2012/main" xmlns:ahyp="http://schemas.microsoft.com/office/drawing/2018/hyperlinkcolor" showMasterPhAnim="0" showMasterSp="0">
+  <p:cSld>
+    <p:spTree>
+      <p:nvGrpSpPr>
+        <p:cNvPr id="82" name="Shape 82"/>
+        <p:cNvGrpSpPr/>
+        <p:nvPr/>
+      </p:nvGrpSpPr>
+      <p:grpSpPr>
+        <a:xfrm>
+          <a:off x="0" y="0"/>
+          <a:ext cx="0" cy="0"/>
+          <a:chOff x="0" y="0"/>
+          <a:chExt cx="0" cy="0"/>
+        </a:xfrm>
+      </p:grpSpPr>
+      <p:sp>
+        <p:nvSpPr>
+          <p:cNvPr id="83" name="Google Shape;83;g23a0b8b16b5_0_0:notes"/>
+          <p:cNvSpPr/>
+          <p:nvPr>
+            <p:ph idx="2" type="sldImg"/>
+          </p:nvPr>
+        </p:nvSpPr>
+        <p:spPr>
+          <a:xfrm>
+            <a:off x="381300" y="685800"/>
+            <a:ext cx="6096000" cy="3429000"/>
+          </a:xfrm>
+          <a:custGeom>
+            <a:rect b="b" l="l" r="r" t="t"/>
+            <a:pathLst>
+              <a:path extrusionOk="0" h="120000" w="120000">
+                <a:moveTo>
+                  <a:pt x="0" y="0"/>
+                </a:moveTo>
+                <a:lnTo>
+                  <a:pt x="120000" y="0"/>
+                </a:lnTo>
+                <a:lnTo>
+                  <a:pt x="120000" y="120000"/>
+                </a:lnTo>
+                <a:lnTo>
+                  <a:pt x="0" y="120000"/>
+                </a:lnTo>
+                <a:close/>
+              </a:path>
+            </a:pathLst>
+          </a:custGeom>
+        </p:spPr>
+      </p:sp>
+      <p:sp>
+        <p:nvSpPr>
+          <p:cNvPr id="84" name="Google Shape;84;g23a0b8b16b5_0_0:notes"/>
+          <p:cNvSpPr txBox="1"/>
+          <p:nvPr>
+            <p:ph idx="1" type="body"/>
+          </p:nvPr>
+        </p:nvSpPr>
+        <p:spPr>
+          <a:xfrm>
+            <a:off x="685800" y="4343400"/>
+            <a:ext cx="5486400" cy="4114800"/>
+          </a:xfrm>
+          <a:prstGeom prst="rect">
+            <a:avLst/>
+          </a:prstGeom>
+        </p:spPr>
+        <p:txBody>
+          <a:bodyPr anchorCtr="0" anchor="t" bIns="91425" lIns="91425" spcFirstLastPara="1" rIns="91425" wrap="square" tIns="91425">
+            <a:noAutofit/>
+          </a:bodyPr>
+          <a:lstStyle/>
+          <a:p>
+            <a:pPr indent="0" lvl="0" marL="0" rtl="0" algn="l">
+              <a:spcBef>
+                <a:spcPts val="0"/>
+              </a:spcBef>
+              <a:spcAft>
+                <a:spcPts val="0"/>
+              </a:spcAft>
+              <a:buNone/>
+            </a:pPr>
+            <a:r>
+              <a:t/>
+            </a:r>
+            <a:endParaRPr/>
+          </a:p>
+        </p:txBody>
+      </p:sp>
+    </p:spTree>
+  </p:cSld>
+  <p:clrMapOvr>
+    <a:masterClrMapping/>
+  </p:clrMapOvr>
+</p:notes>
+</file>
+
+<file path=ppt/notesSlides/notesSlide6.xml><?xml version="1.0" encoding="utf-8"?>
+<p:notes xmlns:a="http://schemas.openxmlformats.org/drawingml/2006/main" xmlns:r="http://schemas.openxmlformats.org/officeDocument/2006/relationships" xmlns:mc="http://schemas.openxmlformats.org/markup-compatibility/2006" xmlns:mv="urn:schemas-microsoft-com:mac:vml" xmlns:p="http://schemas.openxmlformats.org/presentationml/2006/main" xmlns:c="http://schemas.openxmlformats.org/drawingml/2006/chart" xmlns:dgm="http://schemas.openxmlformats.org/drawingml/2006/diagram" xmlns:o="urn:schemas-microsoft-com:office:office" xmlns:v="urn:schemas-microsoft-com:vml" xmlns:pvml="urn:schemas-microsoft-com:office:powerpoint" xmlns:com="http://schemas.openxmlformats.org/drawingml/2006/compatibility" xmlns:p14="http://schemas.microsoft.com/office/powerpoint/2010/main" xmlns:p15="http://schemas.microsoft.com/office/powerpoint/2012/main" xmlns:ahyp="http://schemas.microsoft.com/office/drawing/2018/hyperlinkcolor" showMasterPhAnim="0" showMasterSp="0">
+  <p:cSld>
+    <p:spTree>
+      <p:nvGrpSpPr>
+        <p:cNvPr id="88" name="Shape 88"/>
+        <p:cNvGrpSpPr/>
+        <p:nvPr/>
+      </p:nvGrpSpPr>
+      <p:grpSpPr>
+        <a:xfrm>
+          <a:off x="0" y="0"/>
+          <a:ext cx="0" cy="0"/>
+          <a:chOff x="0" y="0"/>
+          <a:chExt cx="0" cy="0"/>
+        </a:xfrm>
+      </p:grpSpPr>
+      <p:sp>
+        <p:nvSpPr>
+          <p:cNvPr id="89" name="Google Shape;89;g275ff009bad_0_35:notes"/>
+          <p:cNvSpPr/>
+          <p:nvPr>
+            <p:ph idx="2" type="sldImg"/>
+          </p:nvPr>
+        </p:nvSpPr>
+        <p:spPr>
+          <a:xfrm>
+            <a:off x="381300" y="685800"/>
+            <a:ext cx="6096000" cy="3429000"/>
+          </a:xfrm>
+          <a:custGeom>
+            <a:rect b="b" l="l" r="r" t="t"/>
+            <a:pathLst>
+              <a:path extrusionOk="0" h="120000" w="120000">
+                <a:moveTo>
+                  <a:pt x="0" y="0"/>
+                </a:moveTo>
+                <a:lnTo>
+                  <a:pt x="120000" y="0"/>
+                </a:lnTo>
+                <a:lnTo>
+                  <a:pt x="120000" y="120000"/>
+                </a:lnTo>
+                <a:lnTo>
+                  <a:pt x="0" y="120000"/>
+                </a:lnTo>
+                <a:close/>
+              </a:path>
+            </a:pathLst>
+          </a:custGeom>
+        </p:spPr>
+      </p:sp>
+      <p:sp>
+        <p:nvSpPr>
+          <p:cNvPr id="90" name="Google Shape;90;g275ff009bad_0_35:notes"/>
+          <p:cNvSpPr txBox="1"/>
+          <p:nvPr>
+            <p:ph idx="1" type="body"/>
+          </p:nvPr>
+        </p:nvSpPr>
+        <p:spPr>
+          <a:xfrm>
+            <a:off x="685800" y="4343400"/>
+            <a:ext cx="5486400" cy="4114800"/>
+          </a:xfrm>
+          <a:prstGeom prst="rect">
+            <a:avLst/>
+          </a:prstGeom>
+        </p:spPr>
+        <p:txBody>
+          <a:bodyPr anchorCtr="0" anchor="t" bIns="91425" lIns="91425" spcFirstLastPara="1" rIns="91425" wrap="square" tIns="91425">
+            <a:noAutofit/>
+          </a:bodyPr>
+          <a:lstStyle/>
+          <a:p>
+            <a:pPr indent="0" lvl="0" marL="0" rtl="0" algn="l">
+              <a:spcBef>
+                <a:spcPts val="0"/>
+              </a:spcBef>
+              <a:spcAft>
+                <a:spcPts val="0"/>
+              </a:spcAft>
+              <a:buNone/>
+            </a:pPr>
+            <a:r>
+              <a:t/>
+            </a:r>
+            <a:endParaRPr/>
+          </a:p>
+        </p:txBody>
+      </p:sp>
+    </p:spTree>
+  </p:cSld>
+  <p:clrMapOvr>
+    <a:masterClrMapping/>
+  </p:clrMapOvr>
+</p:notes>
+</file>
+
+<file path=ppt/notesSlides/notesSlide7.xml><?xml version="1.0" encoding="utf-8"?>
+<p:notes xmlns:a="http://schemas.openxmlformats.org/drawingml/2006/main" xmlns:r="http://schemas.openxmlformats.org/officeDocument/2006/relationships" xmlns:mc="http://schemas.openxmlformats.org/markup-compatibility/2006" xmlns:mv="urn:schemas-microsoft-com:mac:vml" xmlns:p="http://schemas.openxmlformats.org/presentationml/2006/main" xmlns:c="http://schemas.openxmlformats.org/drawingml/2006/chart" xmlns:dgm="http://schemas.openxmlformats.org/drawingml/2006/diagram" xmlns:o="urn:schemas-microsoft-com:office:office" xmlns:v="urn:schemas-microsoft-com:vml" xmlns:pvml="urn:schemas-microsoft-com:office:powerpoint" xmlns:com="http://schemas.openxmlformats.org/drawingml/2006/compatibility" xmlns:p14="http://schemas.microsoft.com/office/powerpoint/2010/main" xmlns:p15="http://schemas.microsoft.com/office/powerpoint/2012/main" xmlns:ahyp="http://schemas.microsoft.com/office/drawing/2018/hyperlinkcolor" showMasterPhAnim="0" showMasterSp="0">
+  <p:cSld>
+    <p:spTree>
+      <p:nvGrpSpPr>
+        <p:cNvPr id="96" name="Shape 96"/>
+        <p:cNvGrpSpPr/>
+        <p:nvPr/>
+      </p:nvGrpSpPr>
+      <p:grpSpPr>
+        <a:xfrm>
+          <a:off x="0" y="0"/>
+          <a:ext cx="0" cy="0"/>
+          <a:chOff x="0" y="0"/>
+          <a:chExt cx="0" cy="0"/>
+        </a:xfrm>
+      </p:grpSpPr>
+      <p:sp>
+        <p:nvSpPr>
+          <p:cNvPr id="97" name="Google Shape;97;g275ff009bad_0_42:notes"/>
+          <p:cNvSpPr/>
+          <p:nvPr>
+            <p:ph idx="2" type="sldImg"/>
+          </p:nvPr>
+        </p:nvSpPr>
+        <p:spPr>
+          <a:xfrm>
+            <a:off x="381300" y="685800"/>
+            <a:ext cx="6096000" cy="3429000"/>
+          </a:xfrm>
+          <a:custGeom>
+            <a:rect b="b" l="l" r="r" t="t"/>
+            <a:pathLst>
+              <a:path extrusionOk="0" h="120000" w="120000">
+                <a:moveTo>
+                  <a:pt x="0" y="0"/>
+                </a:moveTo>
+                <a:lnTo>
+                  <a:pt x="120000" y="0"/>
+                </a:lnTo>
+                <a:lnTo>
+                  <a:pt x="120000" y="120000"/>
+                </a:lnTo>
+                <a:lnTo>
+                  <a:pt x="0" y="120000"/>
+                </a:lnTo>
+                <a:close/>
+              </a:path>
+            </a:pathLst>
+          </a:custGeom>
+        </p:spPr>
+      </p:sp>
+      <p:sp>
+        <p:nvSpPr>
+          <p:cNvPr id="98" name="Google Shape;98;g275ff009bad_0_42:notes"/>
+          <p:cNvSpPr txBox="1"/>
+          <p:nvPr>
+            <p:ph idx="1" type="body"/>
+          </p:nvPr>
+        </p:nvSpPr>
+        <p:spPr>
+          <a:xfrm>
+            <a:off x="685800" y="4343400"/>
+            <a:ext cx="5486400" cy="4114800"/>
+          </a:xfrm>
+          <a:prstGeom prst="rect">
+            <a:avLst/>
+          </a:prstGeom>
+        </p:spPr>
+        <p:txBody>
+          <a:bodyPr anchorCtr="0" anchor="t" bIns="91425" lIns="91425" spcFirstLastPara="1" rIns="91425" wrap="square" tIns="91425">
+            <a:noAutofit/>
+          </a:bodyPr>
+          <a:lstStyle/>
+          <a:p>
+            <a:pPr indent="0" lvl="0" marL="0" rtl="0" algn="l">
+              <a:spcBef>
+                <a:spcPts val="0"/>
+              </a:spcBef>
+              <a:spcAft>
+                <a:spcPts val="0"/>
+              </a:spcAft>
+              <a:buNone/>
+            </a:pPr>
+            <a:r>
+              <a:t/>
+            </a:r>
+            <a:endParaRPr/>
+          </a:p>
+        </p:txBody>
+      </p:sp>
+    </p:spTree>
+  </p:cSld>
+  <p:clrMapOvr>
+    <a:masterClrMapping/>
+  </p:clrMapOvr>
+</p:notes>
+</file>
+
+<file path=ppt/notesSlides/notesSlide8.xml><?xml version="1.0" encoding="utf-8"?>
+<p:notes xmlns:a="http://schemas.openxmlformats.org/drawingml/2006/main" xmlns:r="http://schemas.openxmlformats.org/officeDocument/2006/relationships" xmlns:mc="http://schemas.openxmlformats.org/markup-compatibility/2006" xmlns:mv="urn:schemas-microsoft-com:mac:vml" xmlns:p="http://schemas.openxmlformats.org/presentationml/2006/main" xmlns:c="http://schemas.openxmlformats.org/drawingml/2006/chart" xmlns:dgm="http://schemas.openxmlformats.org/drawingml/2006/diagram" xmlns:o="urn:schemas-microsoft-com:office:office" xmlns:v="urn:schemas-microsoft-com:vml" xmlns:pvml="urn:schemas-microsoft-com:office:powerpoint" xmlns:com="http://schemas.openxmlformats.org/drawingml/2006/compatibility" xmlns:p14="http://schemas.microsoft.com/office/powerpoint/2010/main" xmlns:p15="http://schemas.microsoft.com/office/powerpoint/2012/main" xmlns:ahyp="http://schemas.microsoft.com/office/drawing/2018/hyperlinkcolor" showMasterPhAnim="0" showMasterSp="0">
+  <p:cSld>
+    <p:spTree>
+      <p:nvGrpSpPr>
+        <p:cNvPr id="104" name="Shape 104"/>
+        <p:cNvGrpSpPr/>
+        <p:nvPr/>
+      </p:nvGrpSpPr>
+      <p:grpSpPr>
+        <a:xfrm>
+          <a:off x="0" y="0"/>
+          <a:ext cx="0" cy="0"/>
+          <a:chOff x="0" y="0"/>
+          <a:chExt cx="0" cy="0"/>
+        </a:xfrm>
+      </p:grpSpPr>
+      <p:sp>
+        <p:nvSpPr>
+          <p:cNvPr id="105" name="Google Shape;105;g275ff009bad_0_49:notes"/>
+          <p:cNvSpPr/>
+          <p:nvPr>
+            <p:ph idx="2" type="sldImg"/>
+          </p:nvPr>
+        </p:nvSpPr>
+        <p:spPr>
+          <a:xfrm>
+            <a:off x="381300" y="685800"/>
+            <a:ext cx="6096000" cy="3429000"/>
+          </a:xfrm>
+          <a:custGeom>
+            <a:rect b="b" l="l" r="r" t="t"/>
+            <a:pathLst>
+              <a:path extrusionOk="0" h="120000" w="120000">
+                <a:moveTo>
+                  <a:pt x="0" y="0"/>
+                </a:moveTo>
+                <a:lnTo>
+                  <a:pt x="120000" y="0"/>
+                </a:lnTo>
+                <a:lnTo>
+                  <a:pt x="120000" y="120000"/>
+                </a:lnTo>
+                <a:lnTo>
+                  <a:pt x="0" y="120000"/>
+                </a:lnTo>
+                <a:close/>
+              </a:path>
+            </a:pathLst>
+          </a:custGeom>
+        </p:spPr>
+      </p:sp>
+      <p:sp>
+        <p:nvSpPr>
+          <p:cNvPr id="106" name="Google Shape;106;g275ff009bad_0_49:notes"/>
+          <p:cNvSpPr txBox="1"/>
+          <p:nvPr>
+            <p:ph idx="1" type="body"/>
+          </p:nvPr>
+        </p:nvSpPr>
+        <p:spPr>
+          <a:xfrm>
+            <a:off x="685800" y="4343400"/>
+            <a:ext cx="5486400" cy="4114800"/>
+          </a:xfrm>
+          <a:prstGeom prst="rect">
+            <a:avLst/>
+          </a:prstGeom>
+        </p:spPr>
+        <p:txBody>
+          <a:bodyPr anchorCtr="0" anchor="t" bIns="91425" lIns="91425" spcFirstLastPara="1" rIns="91425" wrap="square" tIns="91425">
+            <a:noAutofit/>
+          </a:bodyPr>
+          <a:lstStyle/>
+          <a:p>
+            <a:pPr indent="0" lvl="0" marL="0" rtl="0" algn="l">
+              <a:spcBef>
+                <a:spcPts val="0"/>
+              </a:spcBef>
+              <a:spcAft>
+                <a:spcPts val="0"/>
+              </a:spcAft>
+              <a:buNone/>
+            </a:pPr>
+            <a:r>
+              <a:t/>
+            </a:r>
+            <a:endParaRPr/>
+          </a:p>
+        </p:txBody>
+      </p:sp>
+    </p:spTree>
+  </p:cSld>
+  <p:clrMapOvr>
+    <a:masterClrMapping/>
+  </p:clrMapOvr>
+</p:notes>
+</file>
+
+<file path=ppt/notesSlides/notesSlide9.xml><?xml version="1.0" encoding="utf-8"?>
+<p:notes xmlns:a="http://schemas.openxmlformats.org/drawingml/2006/main" xmlns:r="http://schemas.openxmlformats.org/officeDocument/2006/relationships" xmlns:mc="http://schemas.openxmlformats.org/markup-compatibility/2006" xmlns:mv="urn:schemas-microsoft-com:mac:vml" xmlns:p="http://schemas.openxmlformats.org/presentationml/2006/main" xmlns:c="http://schemas.openxmlformats.org/drawingml/2006/chart" xmlns:dgm="http://schemas.openxmlformats.org/drawingml/2006/diagram" xmlns:o="urn:schemas-microsoft-com:office:office" xmlns:v="urn:schemas-microsoft-com:vml" xmlns:pvml="urn:schemas-microsoft-com:office:powerpoint" xmlns:com="http://schemas.openxmlformats.org/drawingml/2006/compatibility" xmlns:p14="http://schemas.microsoft.com/office/powerpoint/2010/main" xmlns:p15="http://schemas.microsoft.com/office/powerpoint/2012/main" xmlns:ahyp="http://schemas.microsoft.com/office/drawing/2018/hyperlinkcolor" showMasterPhAnim="0" showMasterSp="0">
+  <p:cSld>
+    <p:spTree>
+      <p:nvGrpSpPr>
+        <p:cNvPr id="113" name="Shape 113"/>
+        <p:cNvGrpSpPr/>
+        <p:nvPr/>
+      </p:nvGrpSpPr>
+      <p:grpSpPr>
+        <a:xfrm>
+          <a:off x="0" y="0"/>
+          <a:ext cx="0" cy="0"/>
+          <a:chOff x="0" y="0"/>
+          <a:chExt cx="0" cy="0"/>
+        </a:xfrm>
+      </p:grpSpPr>
+      <p:sp>
+        <p:nvSpPr>
+          <p:cNvPr id="114" name="Google Shape;114;g25f15c85a4a_0_20:notes"/>
+          <p:cNvSpPr/>
+          <p:nvPr>
+            <p:ph idx="2" type="sldImg"/>
+          </p:nvPr>
+        </p:nvSpPr>
+        <p:spPr>
+          <a:xfrm>
+            <a:off x="381300" y="685800"/>
+            <a:ext cx="6096000" cy="3429000"/>
+          </a:xfrm>
+          <a:custGeom>
+            <a:rect b="b" l="l" r="r" t="t"/>
+            <a:pathLst>
+              <a:path extrusionOk="0" h="120000" w="120000">
+                <a:moveTo>
+                  <a:pt x="0" y="0"/>
+                </a:moveTo>
+                <a:lnTo>
+                  <a:pt x="120000" y="0"/>
+                </a:lnTo>
+                <a:lnTo>
+                  <a:pt x="120000" y="120000"/>
+                </a:lnTo>
+                <a:lnTo>
+                  <a:pt x="0" y="120000"/>
+                </a:lnTo>
+                <a:close/>
+              </a:path>
+            </a:pathLst>
+          </a:custGeom>
+        </p:spPr>
+      </p:sp>
+      <p:sp>
+        <p:nvSpPr>
+          <p:cNvPr id="115" name="Google Shape;115;g25f15c85a4a_0_20:notes"/>
           <p:cNvSpPr txBox="1"/>
           <p:nvPr>
             <p:ph idx="1" type="body"/>
@@ -8073,7 +9173,8 @@
               <a:buNone/>
             </a:pPr>
             <a:r>
-              <a:t/>
+              <a:rPr lang="en"/>
+              <a:t>Prashant K Dhingra</a:t>
             </a:r>
             <a:endParaRPr/>
           </a:p>
@@ -8092,7 +9193,7 @@
   <p:cSld>
     <p:spTree>
       <p:nvGrpSpPr>
-        <p:cNvPr id="115" name="Shape 115"/>
+        <p:cNvPr id="122" name="Shape 122"/>
         <p:cNvGrpSpPr/>
         <p:nvPr/>
       </p:nvGrpSpPr>
@@ -8106,7 +9207,7 @@
       </p:grpSpPr>
       <p:sp>
         <p:nvSpPr>
-          <p:cNvPr id="116" name="Google Shape;116;p22"/>
+          <p:cNvPr id="123" name="Google Shape;123;p22"/>
           <p:cNvSpPr txBox="1"/>
           <p:nvPr>
             <p:ph type="title"/>
@@ -8138,7 +9239,7 @@
             </a:pPr>
             <a:r>
               <a:rPr lang="en"/>
-              <a:t>GCP NVIDIA GPU</a:t>
+              <a:t>GPU performance evaluation</a:t>
             </a:r>
             <a:endParaRPr/>
           </a:p>
@@ -8146,7 +9247,7 @@
       </p:sp>
       <p:sp>
         <p:nvSpPr>
-          <p:cNvPr id="117" name="Google Shape;117;p22"/>
+          <p:cNvPr id="124" name="Google Shape;124;p22"/>
           <p:cNvSpPr txBox="1"/>
           <p:nvPr>
             <p:ph idx="1" type="body"/>
@@ -8167,50 +9268,189 @@
           </a:bodyPr>
           <a:lstStyle/>
           <a:p>
+            <a:pPr indent="-304800" lvl="0" marL="457200" rtl="0" algn="l">
+              <a:spcBef>
+                <a:spcPts val="300"/>
+              </a:spcBef>
+              <a:spcAft>
+                <a:spcPts val="0"/>
+              </a:spcAft>
+              <a:buClr>
+                <a:srgbClr val="1F1F1F"/>
+              </a:buClr>
+              <a:buSzPts val="1200"/>
+              <a:buFont typeface="Arial"/>
+              <a:buChar char="●"/>
+            </a:pPr>
+            <a:r>
+              <a:rPr lang="en" sz="1200">
+                <a:solidFill>
+                  <a:srgbClr val="1F1F1F"/>
+                </a:solidFill>
+                <a:highlight>
+                  <a:srgbClr val="FFFFFF"/>
+                </a:highlight>
+                <a:latin typeface="Arial"/>
+                <a:ea typeface="Arial"/>
+                <a:cs typeface="Arial"/>
+                <a:sym typeface="Arial"/>
+              </a:rPr>
+              <a:t>Frame rate: This is the number of frames per second that a GPU can render. A higher frame rate means smoother and more responsive graphics. Frame rate is often used as a measure of GPU performance for gaming.</a:t>
+            </a:r>
+            <a:endParaRPr sz="1200">
+              <a:solidFill>
+                <a:srgbClr val="1F1F1F"/>
+              </a:solidFill>
+              <a:highlight>
+                <a:srgbClr val="FFFFFF"/>
+              </a:highlight>
+              <a:latin typeface="Arial"/>
+              <a:ea typeface="Arial"/>
+              <a:cs typeface="Arial"/>
+              <a:sym typeface="Arial"/>
+            </a:endParaRPr>
+          </a:p>
+          <a:p>
+            <a:pPr indent="-304800" lvl="0" marL="457200" rtl="0" algn="l">
+              <a:spcBef>
+                <a:spcPts val="0"/>
+              </a:spcBef>
+              <a:spcAft>
+                <a:spcPts val="0"/>
+              </a:spcAft>
+              <a:buClr>
+                <a:srgbClr val="1F1F1F"/>
+              </a:buClr>
+              <a:buSzPts val="1200"/>
+              <a:buFont typeface="Arial"/>
+              <a:buChar char="●"/>
+            </a:pPr>
+            <a:r>
+              <a:rPr lang="en" sz="1200">
+                <a:solidFill>
+                  <a:srgbClr val="1F1F1F"/>
+                </a:solidFill>
+                <a:highlight>
+                  <a:srgbClr val="FFFFFF"/>
+                </a:highlight>
+                <a:latin typeface="Arial"/>
+                <a:ea typeface="Arial"/>
+                <a:cs typeface="Arial"/>
+                <a:sym typeface="Arial"/>
+              </a:rPr>
+              <a:t>Compute performance: This is the speed at which a GPU can perform mathematical operations. It is measured in gigaflops (GFlops), which is a billion floating-point operations per second. Compute performance is important for tasks such as machine learning and scientific computing.</a:t>
+            </a:r>
+            <a:endParaRPr sz="1200">
+              <a:solidFill>
+                <a:srgbClr val="1F1F1F"/>
+              </a:solidFill>
+              <a:highlight>
+                <a:srgbClr val="FFFFFF"/>
+              </a:highlight>
+              <a:latin typeface="Arial"/>
+              <a:ea typeface="Arial"/>
+              <a:cs typeface="Arial"/>
+              <a:sym typeface="Arial"/>
+            </a:endParaRPr>
+          </a:p>
+          <a:p>
+            <a:pPr indent="-304800" lvl="0" marL="457200" rtl="0" algn="l">
+              <a:spcBef>
+                <a:spcPts val="0"/>
+              </a:spcBef>
+              <a:spcAft>
+                <a:spcPts val="0"/>
+              </a:spcAft>
+              <a:buClr>
+                <a:srgbClr val="1F1F1F"/>
+              </a:buClr>
+              <a:buSzPts val="1200"/>
+              <a:buFont typeface="Arial"/>
+              <a:buChar char="●"/>
+            </a:pPr>
+            <a:r>
+              <a:rPr lang="en" sz="1200">
+                <a:solidFill>
+                  <a:srgbClr val="1F1F1F"/>
+                </a:solidFill>
+                <a:highlight>
+                  <a:srgbClr val="FFFFFF"/>
+                </a:highlight>
+                <a:latin typeface="Arial"/>
+                <a:ea typeface="Arial"/>
+                <a:cs typeface="Arial"/>
+                <a:sym typeface="Arial"/>
+              </a:rPr>
+              <a:t>Memory bandwidth: This is the rate at which data can be transferred between the GPU's memory and the rest of the system. It is measured in gigabytes per second (GB/s). Memory bandwidth is important for tasks that involve loading and storing large amounts of data, such as video editing and 3D rendering.</a:t>
+            </a:r>
+            <a:endParaRPr sz="1200">
+              <a:solidFill>
+                <a:srgbClr val="1F1F1F"/>
+              </a:solidFill>
+              <a:highlight>
+                <a:srgbClr val="FFFFFF"/>
+              </a:highlight>
+              <a:latin typeface="Arial"/>
+              <a:ea typeface="Arial"/>
+              <a:cs typeface="Arial"/>
+              <a:sym typeface="Arial"/>
+            </a:endParaRPr>
+          </a:p>
+          <a:p>
+            <a:pPr indent="-304800" lvl="0" marL="457200" rtl="0" algn="l">
+              <a:spcBef>
+                <a:spcPts val="0"/>
+              </a:spcBef>
+              <a:spcAft>
+                <a:spcPts val="0"/>
+              </a:spcAft>
+              <a:buClr>
+                <a:srgbClr val="1F1F1F"/>
+              </a:buClr>
+              <a:buSzPts val="1200"/>
+              <a:buFont typeface="Arial"/>
+              <a:buChar char="●"/>
+            </a:pPr>
+            <a:r>
+              <a:rPr lang="en" sz="1200">
+                <a:solidFill>
+                  <a:srgbClr val="1F1F1F"/>
+                </a:solidFill>
+                <a:highlight>
+                  <a:srgbClr val="FFFFFF"/>
+                </a:highlight>
+                <a:latin typeface="Arial"/>
+                <a:ea typeface="Arial"/>
+                <a:cs typeface="Arial"/>
+                <a:sym typeface="Arial"/>
+              </a:rPr>
+              <a:t>Power consumption: This is the amount of power that the GPU uses. It is important to consider power consumption when choosing a GPU for a laptop or other mobile device.</a:t>
+            </a:r>
+            <a:endParaRPr sz="1200">
+              <a:solidFill>
+                <a:srgbClr val="1F1F1F"/>
+              </a:solidFill>
+              <a:highlight>
+                <a:srgbClr val="FFFFFF"/>
+              </a:highlight>
+              <a:latin typeface="Arial"/>
+              <a:ea typeface="Arial"/>
+              <a:cs typeface="Arial"/>
+              <a:sym typeface="Arial"/>
+            </a:endParaRPr>
+          </a:p>
+          <a:p>
             <a:pPr indent="0" lvl="0" marL="0" rtl="0" algn="l">
               <a:spcBef>
-                <a:spcPts val="0"/>
-              </a:spcBef>
-              <a:spcAft>
-                <a:spcPts val="0"/>
-              </a:spcAft>
-              <a:buNone/>
-            </a:pPr>
-            <a:r>
-              <a:rPr lang="en"/>
-              <a:t>N1 Standard NV - Tesla K80 GPU</a:t>
-            </a:r>
-            <a:endParaRPr/>
-          </a:p>
-          <a:p>
-            <a:pPr indent="0" lvl="0" marL="0" rtl="0" algn="l">
-              <a:spcBef>
+                <a:spcPts val="1100"/>
+              </a:spcBef>
+              <a:spcAft>
                 <a:spcPts val="1200"/>
-              </a:spcBef>
-              <a:spcAft>
-                <a:spcPts val="0"/>
-              </a:spcAft>
-              <a:buNone/>
-            </a:pPr>
-            <a:r>
-              <a:rPr lang="en"/>
-              <a:t>A2 Standard NV - A100 Tensor Core GPU</a:t>
-            </a:r>
-            <a:endParaRPr/>
-          </a:p>
-          <a:p>
-            <a:pPr indent="0" lvl="0" marL="0" rtl="0" algn="l">
-              <a:spcBef>
-                <a:spcPts val="1200"/>
-              </a:spcBef>
-              <a:spcAft>
-                <a:spcPts val="1200"/>
-              </a:spcAft>
-              <a:buNone/>
-            </a:pPr>
-            <a:r>
-              <a:rPr lang="en"/>
-              <a:t>G2-standard-NV   - T4 GPU</a:t>
+              </a:spcAft>
+              <a:buNone/>
+            </a:pPr>
+            <a:r>
+              <a:t/>
             </a:r>
             <a:endParaRPr/>
           </a:p>
@@ -8229,7 +9469,7 @@
   <p:cSld>
     <p:spTree>
       <p:nvGrpSpPr>
-        <p:cNvPr id="121" name="Shape 121"/>
+        <p:cNvPr id="128" name="Shape 128"/>
         <p:cNvGrpSpPr/>
         <p:nvPr/>
       </p:nvGrpSpPr>
@@ -8243,7 +9483,7 @@
       </p:grpSpPr>
       <p:sp>
         <p:nvSpPr>
-          <p:cNvPr id="122" name="Google Shape;122;p23"/>
+          <p:cNvPr id="129" name="Google Shape;129;p23"/>
           <p:cNvSpPr txBox="1"/>
           <p:nvPr>
             <p:ph type="title"/>
@@ -8275,7 +9515,7 @@
             </a:pPr>
             <a:r>
               <a:rPr lang="en"/>
-              <a:t>Snowflake LLM container Service</a:t>
+              <a:t>GPU for LLMs Fine tuning</a:t>
             </a:r>
             <a:endParaRPr/>
           </a:p>
@@ -8283,7 +9523,593 @@
       </p:sp>
       <p:sp>
         <p:nvSpPr>
-          <p:cNvPr id="123" name="Google Shape;123;p23"/>
+          <p:cNvPr id="130" name="Google Shape;130;p23"/>
+          <p:cNvSpPr txBox="1"/>
+          <p:nvPr>
+            <p:ph idx="1" type="body"/>
+          </p:nvPr>
+        </p:nvSpPr>
+        <p:spPr>
+          <a:xfrm>
+            <a:off x="311700" y="1152475"/>
+            <a:ext cx="8520600" cy="3416400"/>
+          </a:xfrm>
+          <a:prstGeom prst="rect">
+            <a:avLst/>
+          </a:prstGeom>
+        </p:spPr>
+        <p:txBody>
+          <a:bodyPr anchorCtr="0" anchor="t" bIns="91425" lIns="91425" spcFirstLastPara="1" rIns="91425" wrap="square" tIns="91425">
+            <a:normAutofit lnSpcReduction="20000"/>
+          </a:bodyPr>
+          <a:lstStyle/>
+          <a:p>
+            <a:pPr indent="0" lvl="0" marL="0" rtl="0" algn="l">
+              <a:spcBef>
+                <a:spcPts val="0"/>
+              </a:spcBef>
+              <a:spcAft>
+                <a:spcPts val="0"/>
+              </a:spcAft>
+              <a:buNone/>
+            </a:pPr>
+            <a:r>
+              <a:rPr lang="en" sz="1100">
+                <a:solidFill>
+                  <a:srgbClr val="1C1917"/>
+                </a:solidFill>
+                <a:highlight>
+                  <a:srgbClr val="FFFFFF"/>
+                </a:highlight>
+                <a:latin typeface="Roboto"/>
+                <a:ea typeface="Roboto"/>
+                <a:cs typeface="Roboto"/>
+                <a:sym typeface="Roboto"/>
+              </a:rPr>
+              <a:t>Training large language models (LLMs) requires significantly more GPU resources compared to inference. Here are some key factors to consider:</a:t>
+            </a:r>
+            <a:endParaRPr sz="1100">
+              <a:solidFill>
+                <a:srgbClr val="1C1917"/>
+              </a:solidFill>
+              <a:highlight>
+                <a:srgbClr val="FFFFFF"/>
+              </a:highlight>
+              <a:latin typeface="Roboto"/>
+              <a:ea typeface="Roboto"/>
+              <a:cs typeface="Roboto"/>
+              <a:sym typeface="Roboto"/>
+            </a:endParaRPr>
+          </a:p>
+          <a:p>
+            <a:pPr indent="-298450" lvl="0" marL="457200" rtl="0" algn="l">
+              <a:spcBef>
+                <a:spcPts val="0"/>
+              </a:spcBef>
+              <a:spcAft>
+                <a:spcPts val="0"/>
+              </a:spcAft>
+              <a:buClr>
+                <a:srgbClr val="1C1917"/>
+              </a:buClr>
+              <a:buSzPts val="1100"/>
+              <a:buFont typeface="Roboto"/>
+              <a:buChar char="●"/>
+            </a:pPr>
+            <a:r>
+              <a:rPr lang="en" sz="1100">
+                <a:solidFill>
+                  <a:srgbClr val="1C1917"/>
+                </a:solidFill>
+                <a:highlight>
+                  <a:srgbClr val="FFFFFF"/>
+                </a:highlight>
+                <a:latin typeface="Roboto"/>
+                <a:ea typeface="Roboto"/>
+                <a:cs typeface="Roboto"/>
+                <a:sym typeface="Roboto"/>
+              </a:rPr>
+              <a:t>Model size - Bigger models with more parameters require more GPU memory. Models over 1 billion parameters are common now.</a:t>
+            </a:r>
+            <a:endParaRPr sz="1100">
+              <a:solidFill>
+                <a:srgbClr val="1C1917"/>
+              </a:solidFill>
+              <a:highlight>
+                <a:srgbClr val="FFFFFF"/>
+              </a:highlight>
+              <a:latin typeface="Roboto"/>
+              <a:ea typeface="Roboto"/>
+              <a:cs typeface="Roboto"/>
+              <a:sym typeface="Roboto"/>
+            </a:endParaRPr>
+          </a:p>
+          <a:p>
+            <a:pPr indent="-298450" lvl="0" marL="457200" rtl="0" algn="l">
+              <a:spcBef>
+                <a:spcPts val="0"/>
+              </a:spcBef>
+              <a:spcAft>
+                <a:spcPts val="0"/>
+              </a:spcAft>
+              <a:buClr>
+                <a:srgbClr val="1C1917"/>
+              </a:buClr>
+              <a:buSzPts val="1100"/>
+              <a:buFont typeface="Roboto"/>
+              <a:buChar char="●"/>
+            </a:pPr>
+            <a:r>
+              <a:rPr lang="en" sz="1100">
+                <a:solidFill>
+                  <a:srgbClr val="1C1917"/>
+                </a:solidFill>
+                <a:highlight>
+                  <a:srgbClr val="FFFFFF"/>
+                </a:highlight>
+                <a:latin typeface="Roboto"/>
+                <a:ea typeface="Roboto"/>
+                <a:cs typeface="Roboto"/>
+                <a:sym typeface="Roboto"/>
+              </a:rPr>
+              <a:t>Batch size - Larger batch sizes are crucial for good training performance and efficiency. Typical batch sizes range from 256 up to 4096 or more. This requires large GPU memory.</a:t>
+            </a:r>
+            <a:endParaRPr sz="1100">
+              <a:solidFill>
+                <a:srgbClr val="1C1917"/>
+              </a:solidFill>
+              <a:highlight>
+                <a:srgbClr val="FFFFFF"/>
+              </a:highlight>
+              <a:latin typeface="Roboto"/>
+              <a:ea typeface="Roboto"/>
+              <a:cs typeface="Roboto"/>
+              <a:sym typeface="Roboto"/>
+            </a:endParaRPr>
+          </a:p>
+          <a:p>
+            <a:pPr indent="-298450" lvl="0" marL="457200" rtl="0" algn="l">
+              <a:spcBef>
+                <a:spcPts val="0"/>
+              </a:spcBef>
+              <a:spcAft>
+                <a:spcPts val="0"/>
+              </a:spcAft>
+              <a:buClr>
+                <a:srgbClr val="1C1917"/>
+              </a:buClr>
+              <a:buSzPts val="1100"/>
+              <a:buFont typeface="Roboto"/>
+              <a:buChar char="●"/>
+            </a:pPr>
+            <a:r>
+              <a:rPr lang="en" sz="1100">
+                <a:solidFill>
+                  <a:srgbClr val="1C1917"/>
+                </a:solidFill>
+                <a:highlight>
+                  <a:srgbClr val="FFFFFF"/>
+                </a:highlight>
+                <a:latin typeface="Roboto"/>
+                <a:ea typeface="Roboto"/>
+                <a:cs typeface="Roboto"/>
+                <a:sym typeface="Roboto"/>
+              </a:rPr>
+              <a:t>Data parallelism - Training scales across multiple GPUs/nodes by splitting the batch. More GPUs allow larger batches and faster training.</a:t>
+            </a:r>
+            <a:endParaRPr sz="1100">
+              <a:solidFill>
+                <a:srgbClr val="1C1917"/>
+              </a:solidFill>
+              <a:highlight>
+                <a:srgbClr val="FFFFFF"/>
+              </a:highlight>
+              <a:latin typeface="Roboto"/>
+              <a:ea typeface="Roboto"/>
+              <a:cs typeface="Roboto"/>
+              <a:sym typeface="Roboto"/>
+            </a:endParaRPr>
+          </a:p>
+          <a:p>
+            <a:pPr indent="-298450" lvl="0" marL="457200" rtl="0" algn="l">
+              <a:spcBef>
+                <a:spcPts val="0"/>
+              </a:spcBef>
+              <a:spcAft>
+                <a:spcPts val="0"/>
+              </a:spcAft>
+              <a:buClr>
+                <a:srgbClr val="1C1917"/>
+              </a:buClr>
+              <a:buSzPts val="1100"/>
+              <a:buFont typeface="Roboto"/>
+              <a:buChar char="●"/>
+            </a:pPr>
+            <a:r>
+              <a:rPr lang="en" sz="1100">
+                <a:solidFill>
+                  <a:srgbClr val="1C1917"/>
+                </a:solidFill>
+                <a:highlight>
+                  <a:srgbClr val="FFFFFF"/>
+                </a:highlight>
+                <a:latin typeface="Roboto"/>
+                <a:ea typeface="Roboto"/>
+                <a:cs typeface="Roboto"/>
+                <a:sym typeface="Roboto"/>
+              </a:rPr>
+              <a:t>Precision - FP16 or mixed precision can reduce memory usage over FP32, but may affect model quality.</a:t>
+            </a:r>
+            <a:endParaRPr sz="1100">
+              <a:solidFill>
+                <a:srgbClr val="1C1917"/>
+              </a:solidFill>
+              <a:highlight>
+                <a:srgbClr val="FFFFFF"/>
+              </a:highlight>
+              <a:latin typeface="Roboto"/>
+              <a:ea typeface="Roboto"/>
+              <a:cs typeface="Roboto"/>
+              <a:sym typeface="Roboto"/>
+            </a:endParaRPr>
+          </a:p>
+          <a:p>
+            <a:pPr indent="-298450" lvl="0" marL="457200" rtl="0" algn="l">
+              <a:spcBef>
+                <a:spcPts val="0"/>
+              </a:spcBef>
+              <a:spcAft>
+                <a:spcPts val="0"/>
+              </a:spcAft>
+              <a:buClr>
+                <a:srgbClr val="1C1917"/>
+              </a:buClr>
+              <a:buSzPts val="1100"/>
+              <a:buFont typeface="Roboto"/>
+              <a:buChar char="●"/>
+            </a:pPr>
+            <a:r>
+              <a:rPr lang="en" sz="1100">
+                <a:solidFill>
+                  <a:srgbClr val="1C1917"/>
+                </a:solidFill>
+                <a:highlight>
+                  <a:srgbClr val="FFFFFF"/>
+                </a:highlight>
+                <a:latin typeface="Roboto"/>
+                <a:ea typeface="Roboto"/>
+                <a:cs typeface="Roboto"/>
+                <a:sym typeface="Roboto"/>
+              </a:rPr>
+              <a:t>GPU memory - For training, the model, optimizer states, and a large batch must fit into GPU memory. At least 32GB per GPU is recommended, with 48GB or more being ideal.</a:t>
+            </a:r>
+            <a:endParaRPr sz="1100">
+              <a:solidFill>
+                <a:srgbClr val="1C1917"/>
+              </a:solidFill>
+              <a:highlight>
+                <a:srgbClr val="FFFFFF"/>
+              </a:highlight>
+              <a:latin typeface="Roboto"/>
+              <a:ea typeface="Roboto"/>
+              <a:cs typeface="Roboto"/>
+              <a:sym typeface="Roboto"/>
+            </a:endParaRPr>
+          </a:p>
+          <a:p>
+            <a:pPr indent="-298450" lvl="0" marL="457200" rtl="0" algn="l">
+              <a:spcBef>
+                <a:spcPts val="0"/>
+              </a:spcBef>
+              <a:spcAft>
+                <a:spcPts val="0"/>
+              </a:spcAft>
+              <a:buClr>
+                <a:srgbClr val="1C1917"/>
+              </a:buClr>
+              <a:buSzPts val="1100"/>
+              <a:buFont typeface="Roboto"/>
+              <a:buChar char="●"/>
+            </a:pPr>
+            <a:r>
+              <a:rPr lang="en" sz="1100">
+                <a:solidFill>
+                  <a:srgbClr val="1C1917"/>
+                </a:solidFill>
+                <a:highlight>
+                  <a:srgbClr val="FFFFFF"/>
+                </a:highlight>
+                <a:latin typeface="Roboto"/>
+                <a:ea typeface="Roboto"/>
+                <a:cs typeface="Roboto"/>
+                <a:sym typeface="Roboto"/>
+              </a:rPr>
+              <a:t>GPU compute - High compute power allows faster training iterations to reduce overall training time. High-end chips like A100 or H100 accelerate training.</a:t>
+            </a:r>
+            <a:endParaRPr sz="1100">
+              <a:solidFill>
+                <a:srgbClr val="1C1917"/>
+              </a:solidFill>
+              <a:highlight>
+                <a:srgbClr val="FFFFFF"/>
+              </a:highlight>
+              <a:latin typeface="Roboto"/>
+              <a:ea typeface="Roboto"/>
+              <a:cs typeface="Roboto"/>
+              <a:sym typeface="Roboto"/>
+            </a:endParaRPr>
+          </a:p>
+          <a:p>
+            <a:pPr indent="-298450" lvl="0" marL="457200" rtl="0" algn="l">
+              <a:spcBef>
+                <a:spcPts val="0"/>
+              </a:spcBef>
+              <a:spcAft>
+                <a:spcPts val="0"/>
+              </a:spcAft>
+              <a:buClr>
+                <a:srgbClr val="1C1917"/>
+              </a:buClr>
+              <a:buSzPts val="1100"/>
+              <a:buFont typeface="Roboto"/>
+              <a:buChar char="●"/>
+            </a:pPr>
+            <a:r>
+              <a:rPr lang="en" sz="1100">
+                <a:solidFill>
+                  <a:srgbClr val="1C1917"/>
+                </a:solidFill>
+                <a:highlight>
+                  <a:srgbClr val="FFFFFF"/>
+                </a:highlight>
+                <a:latin typeface="Roboto"/>
+                <a:ea typeface="Roboto"/>
+                <a:cs typeface="Roboto"/>
+                <a:sym typeface="Roboto"/>
+              </a:rPr>
+              <a:t>Framework optimizations - Efficient frameworks like PyTorch, TensorFlow, and optimizations like model parallelism can help.</a:t>
+            </a:r>
+            <a:endParaRPr sz="1100">
+              <a:solidFill>
+                <a:srgbClr val="1C1917"/>
+              </a:solidFill>
+              <a:highlight>
+                <a:srgbClr val="FFFFFF"/>
+              </a:highlight>
+              <a:latin typeface="Roboto"/>
+              <a:ea typeface="Roboto"/>
+              <a:cs typeface="Roboto"/>
+              <a:sym typeface="Roboto"/>
+            </a:endParaRPr>
+          </a:p>
+          <a:p>
+            <a:pPr indent="0" lvl="0" marL="0" rtl="0" algn="l">
+              <a:spcBef>
+                <a:spcPts val="0"/>
+              </a:spcBef>
+              <a:spcAft>
+                <a:spcPts val="0"/>
+              </a:spcAft>
+              <a:buNone/>
+            </a:pPr>
+            <a:r>
+              <a:rPr lang="en" sz="1100">
+                <a:solidFill>
+                  <a:srgbClr val="1C1917"/>
+                </a:solidFill>
+                <a:highlight>
+                  <a:srgbClr val="FFFFFF"/>
+                </a:highlight>
+                <a:latin typeface="Roboto"/>
+                <a:ea typeface="Roboto"/>
+                <a:cs typeface="Roboto"/>
+                <a:sym typeface="Roboto"/>
+              </a:rPr>
+              <a:t>In summary, training LLMs requires multiple high-end GPUs. For example, Anthropic used 128 Nvidia A100 GPUs (each with 40GB+ memory) to train Claude. With smaller models and optimizations, you may be able to train on less GPUs, but expect to need at minimum 4-8 GPUs with at least 32GB memory each for decent training times</a:t>
+            </a:r>
+            <a:endParaRPr sz="1100">
+              <a:solidFill>
+                <a:srgbClr val="1C1917"/>
+              </a:solidFill>
+              <a:highlight>
+                <a:srgbClr val="FFFFFF"/>
+              </a:highlight>
+              <a:latin typeface="Roboto"/>
+              <a:ea typeface="Roboto"/>
+              <a:cs typeface="Roboto"/>
+              <a:sym typeface="Roboto"/>
+            </a:endParaRPr>
+          </a:p>
+          <a:p>
+            <a:pPr indent="0" lvl="0" marL="0" rtl="0" algn="l">
+              <a:spcBef>
+                <a:spcPts val="0"/>
+              </a:spcBef>
+              <a:spcAft>
+                <a:spcPts val="1200"/>
+              </a:spcAft>
+              <a:buNone/>
+            </a:pPr>
+            <a:r>
+              <a:t/>
+            </a:r>
+            <a:endParaRPr/>
+          </a:p>
+        </p:txBody>
+      </p:sp>
+    </p:spTree>
+  </p:cSld>
+  <p:clrMapOvr>
+    <a:masterClrMapping/>
+  </p:clrMapOvr>
+</p:sld>
+</file>
+
+<file path=ppt/slides/slide12.xml><?xml version="1.0" encoding="utf-8"?>
+<p:sld xmlns:a="http://schemas.openxmlformats.org/drawingml/2006/main" xmlns:r="http://schemas.openxmlformats.org/officeDocument/2006/relationships" xmlns:mc="http://schemas.openxmlformats.org/markup-compatibility/2006" xmlns:mv="urn:schemas-microsoft-com:mac:vml" xmlns:p="http://schemas.openxmlformats.org/presentationml/2006/main" xmlns:c="http://schemas.openxmlformats.org/drawingml/2006/chart" xmlns:dgm="http://schemas.openxmlformats.org/drawingml/2006/diagram" xmlns:o="urn:schemas-microsoft-com:office:office" xmlns:v="urn:schemas-microsoft-com:vml" xmlns:pvml="urn:schemas-microsoft-com:office:powerpoint" xmlns:com="http://schemas.openxmlformats.org/drawingml/2006/compatibility" xmlns:p14="http://schemas.microsoft.com/office/powerpoint/2010/main" xmlns:p15="http://schemas.microsoft.com/office/powerpoint/2012/main" xmlns:ahyp="http://schemas.microsoft.com/office/drawing/2018/hyperlinkcolor">
+  <p:cSld>
+    <p:spTree>
+      <p:nvGrpSpPr>
+        <p:cNvPr id="134" name="Shape 134"/>
+        <p:cNvGrpSpPr/>
+        <p:nvPr/>
+      </p:nvGrpSpPr>
+      <p:grpSpPr>
+        <a:xfrm>
+          <a:off x="0" y="0"/>
+          <a:ext cx="0" cy="0"/>
+          <a:chOff x="0" y="0"/>
+          <a:chExt cx="0" cy="0"/>
+        </a:xfrm>
+      </p:grpSpPr>
+      <p:sp>
+        <p:nvSpPr>
+          <p:cNvPr id="135" name="Google Shape;135;p24"/>
+          <p:cNvSpPr txBox="1"/>
+          <p:nvPr>
+            <p:ph type="ctrTitle"/>
+          </p:nvPr>
+        </p:nvSpPr>
+        <p:spPr>
+          <a:xfrm>
+            <a:off x="3096250" y="1627200"/>
+            <a:ext cx="2951400" cy="1584300"/>
+          </a:xfrm>
+          <a:prstGeom prst="rect">
+            <a:avLst/>
+          </a:prstGeom>
+        </p:spPr>
+        <p:txBody>
+          <a:bodyPr anchorCtr="0" anchor="ctr" bIns="91425" lIns="91425" spcFirstLastPara="1" rIns="91425" wrap="square" tIns="91425">
+            <a:normAutofit/>
+          </a:bodyPr>
+          <a:lstStyle/>
+          <a:p>
+            <a:pPr indent="0" lvl="0" marL="0" rtl="0" algn="ctr">
+              <a:spcBef>
+                <a:spcPts val="0"/>
+              </a:spcBef>
+              <a:spcAft>
+                <a:spcPts val="0"/>
+              </a:spcAft>
+              <a:buNone/>
+            </a:pPr>
+            <a:r>
+              <a:rPr lang="en"/>
+              <a:t>GPU for LLM</a:t>
+            </a:r>
+            <a:endParaRPr/>
+          </a:p>
+        </p:txBody>
+      </p:sp>
+      <p:sp>
+        <p:nvSpPr>
+          <p:cNvPr id="136" name="Google Shape;136;p24"/>
+          <p:cNvSpPr txBox="1"/>
+          <p:nvPr>
+            <p:ph idx="1" type="subTitle"/>
+          </p:nvPr>
+        </p:nvSpPr>
+        <p:spPr>
+          <a:xfrm>
+            <a:off x="3096363" y="3266930"/>
+            <a:ext cx="2951400" cy="701400"/>
+          </a:xfrm>
+          <a:prstGeom prst="rect">
+            <a:avLst/>
+          </a:prstGeom>
+        </p:spPr>
+        <p:txBody>
+          <a:bodyPr anchorCtr="0" anchor="b" bIns="91425" lIns="91425" spcFirstLastPara="1" rIns="91425" wrap="square" tIns="91425">
+            <a:normAutofit/>
+          </a:bodyPr>
+          <a:lstStyle/>
+          <a:p>
+            <a:pPr indent="0" lvl="0" marL="0" rtl="0" algn="ctr">
+              <a:spcBef>
+                <a:spcPts val="0"/>
+              </a:spcBef>
+              <a:spcAft>
+                <a:spcPts val="0"/>
+              </a:spcAft>
+              <a:buNone/>
+            </a:pPr>
+            <a:r>
+              <a:rPr lang="en"/>
+              <a:t>GPU integrated in Cloud</a:t>
+            </a:r>
+            <a:endParaRPr/>
+          </a:p>
+        </p:txBody>
+      </p:sp>
+    </p:spTree>
+  </p:cSld>
+  <p:clrMapOvr>
+    <a:masterClrMapping/>
+  </p:clrMapOvr>
+</p:sld>
+</file>
+
+<file path=ppt/slides/slide13.xml><?xml version="1.0" encoding="utf-8"?>
+<p:sld xmlns:a="http://schemas.openxmlformats.org/drawingml/2006/main" xmlns:r="http://schemas.openxmlformats.org/officeDocument/2006/relationships" xmlns:mc="http://schemas.openxmlformats.org/markup-compatibility/2006" xmlns:mv="urn:schemas-microsoft-com:mac:vml" xmlns:p="http://schemas.openxmlformats.org/presentationml/2006/main" xmlns:c="http://schemas.openxmlformats.org/drawingml/2006/chart" xmlns:dgm="http://schemas.openxmlformats.org/drawingml/2006/diagram" xmlns:o="urn:schemas-microsoft-com:office:office" xmlns:v="urn:schemas-microsoft-com:vml" xmlns:pvml="urn:schemas-microsoft-com:office:powerpoint" xmlns:com="http://schemas.openxmlformats.org/drawingml/2006/compatibility" xmlns:p14="http://schemas.microsoft.com/office/powerpoint/2010/main" xmlns:p15="http://schemas.microsoft.com/office/powerpoint/2012/main" xmlns:ahyp="http://schemas.microsoft.com/office/drawing/2018/hyperlinkcolor">
+  <p:cSld>
+    <p:spTree>
+      <p:nvGrpSpPr>
+        <p:cNvPr id="140" name="Shape 140"/>
+        <p:cNvGrpSpPr/>
+        <p:nvPr/>
+      </p:nvGrpSpPr>
+      <p:grpSpPr>
+        <a:xfrm>
+          <a:off x="0" y="0"/>
+          <a:ext cx="0" cy="0"/>
+          <a:chOff x="0" y="0"/>
+          <a:chExt cx="0" cy="0"/>
+        </a:xfrm>
+      </p:grpSpPr>
+      <p:sp>
+        <p:nvSpPr>
+          <p:cNvPr id="141" name="Google Shape;141;p25"/>
+          <p:cNvSpPr txBox="1"/>
+          <p:nvPr>
+            <p:ph type="title"/>
+          </p:nvPr>
+        </p:nvSpPr>
+        <p:spPr>
+          <a:xfrm>
+            <a:off x="311700" y="391350"/>
+            <a:ext cx="8520600" cy="626100"/>
+          </a:xfrm>
+          <a:prstGeom prst="rect">
+            <a:avLst/>
+          </a:prstGeom>
+        </p:spPr>
+        <p:txBody>
+          <a:bodyPr anchorCtr="0" anchor="t" bIns="91425" lIns="91425" spcFirstLastPara="1" rIns="91425" wrap="square" tIns="91425">
+            <a:normAutofit fontScale="90000"/>
+          </a:bodyPr>
+          <a:lstStyle/>
+          <a:p>
+            <a:pPr indent="0" lvl="0" marL="0" rtl="0" algn="l">
+              <a:spcBef>
+                <a:spcPts val="0"/>
+              </a:spcBef>
+              <a:spcAft>
+                <a:spcPts val="0"/>
+              </a:spcAft>
+              <a:buNone/>
+            </a:pPr>
+            <a:r>
+              <a:rPr lang="en"/>
+              <a:t>AWS NVIDIA GPU</a:t>
+            </a:r>
+            <a:endParaRPr/>
+          </a:p>
+        </p:txBody>
+      </p:sp>
+      <p:sp>
+        <p:nvSpPr>
+          <p:cNvPr id="142" name="Google Shape;142;p25"/>
           <p:cNvSpPr txBox="1"/>
           <p:nvPr>
             <p:ph idx="1" type="body"/>
@@ -8309,6 +10135,796 @@
                 <a:spcPts val="0"/>
               </a:spcBef>
               <a:spcAft>
+                <a:spcPts val="0"/>
+              </a:spcAft>
+              <a:buNone/>
+            </a:pPr>
+            <a:r>
+              <a:rPr lang="en"/>
+              <a:t>Amazon EC2 P3  - 8 GPU, Tesla V100</a:t>
+            </a:r>
+            <a:endParaRPr/>
+          </a:p>
+          <a:p>
+            <a:pPr indent="0" lvl="0" marL="0" rtl="0" algn="l">
+              <a:spcBef>
+                <a:spcPts val="1200"/>
+              </a:spcBef>
+              <a:spcAft>
+                <a:spcPts val="0"/>
+              </a:spcAft>
+              <a:buNone/>
+            </a:pPr>
+            <a:r>
+              <a:rPr lang="en"/>
+              <a:t>Amazon EC2 P4 - 40 GPU, Tesla A100</a:t>
+            </a:r>
+            <a:endParaRPr/>
+          </a:p>
+          <a:p>
+            <a:pPr indent="0" lvl="0" marL="0" rtl="0" algn="l">
+              <a:spcBef>
+                <a:spcPts val="1200"/>
+              </a:spcBef>
+              <a:spcAft>
+                <a:spcPts val="0"/>
+              </a:spcAft>
+              <a:buNone/>
+            </a:pPr>
+            <a:r>
+              <a:rPr lang="en"/>
+              <a:t>Amazon EC2 G3 - 4 GPU, M60</a:t>
+            </a:r>
+            <a:endParaRPr/>
+          </a:p>
+          <a:p>
+            <a:pPr indent="0" lvl="0" marL="0" rtl="0" algn="l">
+              <a:spcBef>
+                <a:spcPts val="1200"/>
+              </a:spcBef>
+              <a:spcAft>
+                <a:spcPts val="0"/>
+              </a:spcAft>
+              <a:buNone/>
+            </a:pPr>
+            <a:r>
+              <a:rPr lang="en"/>
+              <a:t>Amazon EC2 G4 - 4 GPU, T4</a:t>
+            </a:r>
+            <a:endParaRPr/>
+          </a:p>
+          <a:p>
+            <a:pPr indent="0" lvl="0" marL="0" rtl="0" algn="l">
+              <a:spcBef>
+                <a:spcPts val="1200"/>
+              </a:spcBef>
+              <a:spcAft>
+                <a:spcPts val="0"/>
+              </a:spcAft>
+              <a:buNone/>
+            </a:pPr>
+            <a:r>
+              <a:rPr lang="en"/>
+              <a:t>Amazon EC2 G5 - 8 GPU, A10G</a:t>
+            </a:r>
+            <a:endParaRPr/>
+          </a:p>
+          <a:p>
+            <a:pPr indent="0" lvl="0" marL="0" rtl="0" algn="l">
+              <a:spcBef>
+                <a:spcPts val="1200"/>
+              </a:spcBef>
+              <a:spcAft>
+                <a:spcPts val="1200"/>
+              </a:spcAft>
+              <a:buNone/>
+            </a:pPr>
+            <a:r>
+              <a:t/>
+            </a:r>
+            <a:endParaRPr/>
+          </a:p>
+        </p:txBody>
+      </p:sp>
+    </p:spTree>
+  </p:cSld>
+  <p:clrMapOvr>
+    <a:masterClrMapping/>
+  </p:clrMapOvr>
+</p:sld>
+</file>
+
+<file path=ppt/slides/slide14.xml><?xml version="1.0" encoding="utf-8"?>
+<p:sld xmlns:a="http://schemas.openxmlformats.org/drawingml/2006/main" xmlns:r="http://schemas.openxmlformats.org/officeDocument/2006/relationships" xmlns:mc="http://schemas.openxmlformats.org/markup-compatibility/2006" xmlns:mv="urn:schemas-microsoft-com:mac:vml" xmlns:p="http://schemas.openxmlformats.org/presentationml/2006/main" xmlns:c="http://schemas.openxmlformats.org/drawingml/2006/chart" xmlns:dgm="http://schemas.openxmlformats.org/drawingml/2006/diagram" xmlns:o="urn:schemas-microsoft-com:office:office" xmlns:v="urn:schemas-microsoft-com:vml" xmlns:pvml="urn:schemas-microsoft-com:office:powerpoint" xmlns:com="http://schemas.openxmlformats.org/drawingml/2006/compatibility" xmlns:p14="http://schemas.microsoft.com/office/powerpoint/2010/main" xmlns:p15="http://schemas.microsoft.com/office/powerpoint/2012/main" xmlns:ahyp="http://schemas.microsoft.com/office/drawing/2018/hyperlinkcolor">
+  <p:cSld>
+    <p:spTree>
+      <p:nvGrpSpPr>
+        <p:cNvPr id="146" name="Shape 146"/>
+        <p:cNvGrpSpPr/>
+        <p:nvPr/>
+      </p:nvGrpSpPr>
+      <p:grpSpPr>
+        <a:xfrm>
+          <a:off x="0" y="0"/>
+          <a:ext cx="0" cy="0"/>
+          <a:chOff x="0" y="0"/>
+          <a:chExt cx="0" cy="0"/>
+        </a:xfrm>
+      </p:grpSpPr>
+      <p:sp>
+        <p:nvSpPr>
+          <p:cNvPr id="147" name="Google Shape;147;p26"/>
+          <p:cNvSpPr txBox="1"/>
+          <p:nvPr>
+            <p:ph type="title"/>
+          </p:nvPr>
+        </p:nvSpPr>
+        <p:spPr>
+          <a:xfrm>
+            <a:off x="311700" y="391350"/>
+            <a:ext cx="8520600" cy="626100"/>
+          </a:xfrm>
+          <a:prstGeom prst="rect">
+            <a:avLst/>
+          </a:prstGeom>
+        </p:spPr>
+        <p:txBody>
+          <a:bodyPr anchorCtr="0" anchor="t" bIns="91425" lIns="91425" spcFirstLastPara="1" rIns="91425" wrap="square" tIns="91425">
+            <a:normAutofit fontScale="90000"/>
+          </a:bodyPr>
+          <a:lstStyle/>
+          <a:p>
+            <a:pPr indent="0" lvl="0" marL="0" rtl="0" algn="l">
+              <a:spcBef>
+                <a:spcPts val="0"/>
+              </a:spcBef>
+              <a:spcAft>
+                <a:spcPts val="0"/>
+              </a:spcAft>
+              <a:buNone/>
+            </a:pPr>
+            <a:r>
+              <a:rPr lang="en"/>
+              <a:t>AWS GPU Powered Services</a:t>
+            </a:r>
+            <a:endParaRPr/>
+          </a:p>
+        </p:txBody>
+      </p:sp>
+      <p:sp>
+        <p:nvSpPr>
+          <p:cNvPr id="148" name="Google Shape;148;p26"/>
+          <p:cNvSpPr txBox="1"/>
+          <p:nvPr>
+            <p:ph idx="1" type="body"/>
+          </p:nvPr>
+        </p:nvSpPr>
+        <p:spPr>
+          <a:xfrm>
+            <a:off x="311700" y="1152475"/>
+            <a:ext cx="8520600" cy="3416400"/>
+          </a:xfrm>
+          <a:prstGeom prst="rect">
+            <a:avLst/>
+          </a:prstGeom>
+        </p:spPr>
+        <p:txBody>
+          <a:bodyPr anchorCtr="0" anchor="t" bIns="91425" lIns="91425" spcFirstLastPara="1" rIns="91425" wrap="square" tIns="91425">
+            <a:normAutofit/>
+          </a:bodyPr>
+          <a:lstStyle/>
+          <a:p>
+            <a:pPr indent="0" lvl="0" marL="0" rtl="0" algn="l">
+              <a:spcBef>
+                <a:spcPts val="0"/>
+              </a:spcBef>
+              <a:spcAft>
+                <a:spcPts val="0"/>
+              </a:spcAft>
+              <a:buNone/>
+            </a:pPr>
+            <a:r>
+              <a:rPr lang="en"/>
+              <a:t>Amazon SageMaker</a:t>
+            </a:r>
+            <a:endParaRPr/>
+          </a:p>
+          <a:p>
+            <a:pPr indent="0" lvl="0" marL="0" rtl="0" algn="l">
+              <a:spcBef>
+                <a:spcPts val="1200"/>
+              </a:spcBef>
+              <a:spcAft>
+                <a:spcPts val="0"/>
+              </a:spcAft>
+              <a:buNone/>
+            </a:pPr>
+            <a:r>
+              <a:rPr lang="en"/>
+              <a:t>AWS Elastic Graphic Service</a:t>
+            </a:r>
+            <a:endParaRPr/>
+          </a:p>
+          <a:p>
+            <a:pPr indent="0" lvl="0" marL="0" rtl="0" algn="l">
+              <a:spcBef>
+                <a:spcPts val="1200"/>
+              </a:spcBef>
+              <a:spcAft>
+                <a:spcPts val="1200"/>
+              </a:spcAft>
+              <a:buNone/>
+            </a:pPr>
+            <a:r>
+              <a:rPr lang="en"/>
+              <a:t>AWS DeepRacer  - Use RL </a:t>
+            </a:r>
+            <a:endParaRPr/>
+          </a:p>
+        </p:txBody>
+      </p:sp>
+    </p:spTree>
+  </p:cSld>
+  <p:clrMapOvr>
+    <a:masterClrMapping/>
+  </p:clrMapOvr>
+</p:sld>
+</file>
+
+<file path=ppt/slides/slide15.xml><?xml version="1.0" encoding="utf-8"?>
+<p:sld xmlns:a="http://schemas.openxmlformats.org/drawingml/2006/main" xmlns:r="http://schemas.openxmlformats.org/officeDocument/2006/relationships" xmlns:mc="http://schemas.openxmlformats.org/markup-compatibility/2006" xmlns:mv="urn:schemas-microsoft-com:mac:vml" xmlns:p="http://schemas.openxmlformats.org/presentationml/2006/main" xmlns:c="http://schemas.openxmlformats.org/drawingml/2006/chart" xmlns:dgm="http://schemas.openxmlformats.org/drawingml/2006/diagram" xmlns:o="urn:schemas-microsoft-com:office:office" xmlns:v="urn:schemas-microsoft-com:vml" xmlns:pvml="urn:schemas-microsoft-com:office:powerpoint" xmlns:com="http://schemas.openxmlformats.org/drawingml/2006/compatibility" xmlns:p14="http://schemas.microsoft.com/office/powerpoint/2010/main" xmlns:p15="http://schemas.microsoft.com/office/powerpoint/2012/main" xmlns:ahyp="http://schemas.microsoft.com/office/drawing/2018/hyperlinkcolor">
+  <p:cSld>
+    <p:spTree>
+      <p:nvGrpSpPr>
+        <p:cNvPr id="152" name="Shape 152"/>
+        <p:cNvGrpSpPr/>
+        <p:nvPr/>
+      </p:nvGrpSpPr>
+      <p:grpSpPr>
+        <a:xfrm>
+          <a:off x="0" y="0"/>
+          <a:ext cx="0" cy="0"/>
+          <a:chOff x="0" y="0"/>
+          <a:chExt cx="0" cy="0"/>
+        </a:xfrm>
+      </p:grpSpPr>
+      <p:sp>
+        <p:nvSpPr>
+          <p:cNvPr id="153" name="Google Shape;153;p27"/>
+          <p:cNvSpPr txBox="1"/>
+          <p:nvPr>
+            <p:ph type="title"/>
+          </p:nvPr>
+        </p:nvSpPr>
+        <p:spPr>
+          <a:xfrm>
+            <a:off x="311700" y="391350"/>
+            <a:ext cx="8520600" cy="626100"/>
+          </a:xfrm>
+          <a:prstGeom prst="rect">
+            <a:avLst/>
+          </a:prstGeom>
+        </p:spPr>
+        <p:txBody>
+          <a:bodyPr anchorCtr="0" anchor="t" bIns="91425" lIns="91425" spcFirstLastPara="1" rIns="91425" wrap="square" tIns="91425">
+            <a:normAutofit fontScale="90000"/>
+          </a:bodyPr>
+          <a:lstStyle/>
+          <a:p>
+            <a:pPr indent="0" lvl="0" marL="0" rtl="0" algn="l">
+              <a:spcBef>
+                <a:spcPts val="0"/>
+              </a:spcBef>
+              <a:spcAft>
+                <a:spcPts val="0"/>
+              </a:spcAft>
+              <a:buNone/>
+            </a:pPr>
+            <a:r>
+              <a:rPr lang="en"/>
+              <a:t>Azure NVIDIA GPU</a:t>
+            </a:r>
+            <a:endParaRPr/>
+          </a:p>
+        </p:txBody>
+      </p:sp>
+      <p:sp>
+        <p:nvSpPr>
+          <p:cNvPr id="154" name="Google Shape;154;p27"/>
+          <p:cNvSpPr txBox="1"/>
+          <p:nvPr>
+            <p:ph idx="1" type="body"/>
+          </p:nvPr>
+        </p:nvSpPr>
+        <p:spPr>
+          <a:xfrm>
+            <a:off x="311700" y="1152475"/>
+            <a:ext cx="8520600" cy="3416400"/>
+          </a:xfrm>
+          <a:prstGeom prst="rect">
+            <a:avLst/>
+          </a:prstGeom>
+        </p:spPr>
+        <p:txBody>
+          <a:bodyPr anchorCtr="0" anchor="t" bIns="91425" lIns="91425" spcFirstLastPara="1" rIns="91425" wrap="square" tIns="91425">
+            <a:normAutofit/>
+          </a:bodyPr>
+          <a:lstStyle/>
+          <a:p>
+            <a:pPr indent="0" lvl="0" marL="0" rtl="0" algn="l">
+              <a:spcBef>
+                <a:spcPts val="0"/>
+              </a:spcBef>
+              <a:spcAft>
+                <a:spcPts val="0"/>
+              </a:spcAft>
+              <a:buNone/>
+            </a:pPr>
+            <a:r>
+              <a:rPr lang="en"/>
+              <a:t>NV Series VM</a:t>
+            </a:r>
+            <a:r>
+              <a:rPr lang="en"/>
+              <a:t>  - Tesla M60</a:t>
+            </a:r>
+            <a:endParaRPr/>
+          </a:p>
+          <a:p>
+            <a:pPr indent="0" lvl="0" marL="0" rtl="0" algn="l">
+              <a:spcBef>
+                <a:spcPts val="1200"/>
+              </a:spcBef>
+              <a:spcAft>
+                <a:spcPts val="0"/>
+              </a:spcAft>
+              <a:buNone/>
+            </a:pPr>
+            <a:r>
+              <a:rPr lang="en"/>
+              <a:t>NVv3 Series - T4 GPU</a:t>
+            </a:r>
+            <a:endParaRPr/>
+          </a:p>
+          <a:p>
+            <a:pPr indent="0" lvl="0" marL="0" rtl="0" algn="l">
+              <a:spcBef>
+                <a:spcPts val="1200"/>
+              </a:spcBef>
+              <a:spcAft>
+                <a:spcPts val="0"/>
+              </a:spcAft>
+              <a:buNone/>
+            </a:pPr>
+            <a:r>
+              <a:rPr lang="en"/>
+              <a:t>NCasT4_v3-series - A10 Tesnor</a:t>
+            </a:r>
+            <a:endParaRPr/>
+          </a:p>
+          <a:p>
+            <a:pPr indent="0" lvl="0" marL="0" rtl="0" algn="l">
+              <a:spcBef>
+                <a:spcPts val="1200"/>
+              </a:spcBef>
+              <a:spcAft>
+                <a:spcPts val="0"/>
+              </a:spcAft>
+              <a:buNone/>
+            </a:pPr>
+            <a:r>
+              <a:rPr lang="en"/>
+              <a:t>NVadsA10 v5Series - AMD Radeon PRO V620, AMD EPYC 7763</a:t>
+            </a:r>
+            <a:endParaRPr/>
+          </a:p>
+          <a:p>
+            <a:pPr indent="0" lvl="0" marL="0" rtl="0" algn="l">
+              <a:spcBef>
+                <a:spcPts val="1200"/>
+              </a:spcBef>
+              <a:spcAft>
+                <a:spcPts val="0"/>
+              </a:spcAft>
+              <a:buNone/>
+            </a:pPr>
+            <a:r>
+              <a:t/>
+            </a:r>
+            <a:endParaRPr/>
+          </a:p>
+          <a:p>
+            <a:pPr indent="0" lvl="0" marL="0" rtl="0" algn="l">
+              <a:spcBef>
+                <a:spcPts val="1200"/>
+              </a:spcBef>
+              <a:spcAft>
+                <a:spcPts val="1200"/>
+              </a:spcAft>
+              <a:buNone/>
+            </a:pPr>
+            <a:r>
+              <a:t/>
+            </a:r>
+            <a:endParaRPr/>
+          </a:p>
+        </p:txBody>
+      </p:sp>
+    </p:spTree>
+  </p:cSld>
+  <p:clrMapOvr>
+    <a:masterClrMapping/>
+  </p:clrMapOvr>
+</p:sld>
+</file>
+
+<file path=ppt/slides/slide16.xml><?xml version="1.0" encoding="utf-8"?>
+<p:sld xmlns:a="http://schemas.openxmlformats.org/drawingml/2006/main" xmlns:r="http://schemas.openxmlformats.org/officeDocument/2006/relationships" xmlns:mc="http://schemas.openxmlformats.org/markup-compatibility/2006" xmlns:mv="urn:schemas-microsoft-com:mac:vml" xmlns:p="http://schemas.openxmlformats.org/presentationml/2006/main" xmlns:c="http://schemas.openxmlformats.org/drawingml/2006/chart" xmlns:dgm="http://schemas.openxmlformats.org/drawingml/2006/diagram" xmlns:o="urn:schemas-microsoft-com:office:office" xmlns:v="urn:schemas-microsoft-com:vml" xmlns:pvml="urn:schemas-microsoft-com:office:powerpoint" xmlns:com="http://schemas.openxmlformats.org/drawingml/2006/compatibility" xmlns:p14="http://schemas.microsoft.com/office/powerpoint/2010/main" xmlns:p15="http://schemas.microsoft.com/office/powerpoint/2012/main" xmlns:ahyp="http://schemas.microsoft.com/office/drawing/2018/hyperlinkcolor">
+  <p:cSld>
+    <p:spTree>
+      <p:nvGrpSpPr>
+        <p:cNvPr id="158" name="Shape 158"/>
+        <p:cNvGrpSpPr/>
+        <p:nvPr/>
+      </p:nvGrpSpPr>
+      <p:grpSpPr>
+        <a:xfrm>
+          <a:off x="0" y="0"/>
+          <a:ext cx="0" cy="0"/>
+          <a:chOff x="0" y="0"/>
+          <a:chExt cx="0" cy="0"/>
+        </a:xfrm>
+      </p:grpSpPr>
+      <p:sp>
+        <p:nvSpPr>
+          <p:cNvPr id="159" name="Google Shape;159;p28"/>
+          <p:cNvSpPr txBox="1"/>
+          <p:nvPr>
+            <p:ph type="title"/>
+          </p:nvPr>
+        </p:nvSpPr>
+        <p:spPr>
+          <a:xfrm>
+            <a:off x="311700" y="391350"/>
+            <a:ext cx="8520600" cy="626100"/>
+          </a:xfrm>
+          <a:prstGeom prst="rect">
+            <a:avLst/>
+          </a:prstGeom>
+        </p:spPr>
+        <p:txBody>
+          <a:bodyPr anchorCtr="0" anchor="t" bIns="91425" lIns="91425" spcFirstLastPara="1" rIns="91425" wrap="square" tIns="91425">
+            <a:normAutofit fontScale="90000"/>
+          </a:bodyPr>
+          <a:lstStyle/>
+          <a:p>
+            <a:pPr indent="0" lvl="0" marL="0" rtl="0" algn="l">
+              <a:spcBef>
+                <a:spcPts val="0"/>
+              </a:spcBef>
+              <a:spcAft>
+                <a:spcPts val="0"/>
+              </a:spcAft>
+              <a:buNone/>
+            </a:pPr>
+            <a:r>
+              <a:rPr lang="en"/>
+              <a:t>Azure Nvidia GPU </a:t>
+            </a:r>
+            <a:r>
+              <a:rPr lang="en"/>
+              <a:t>accelerate</a:t>
+            </a:r>
+            <a:r>
+              <a:rPr lang="en"/>
+              <a:t> service</a:t>
+            </a:r>
+            <a:endParaRPr/>
+          </a:p>
+        </p:txBody>
+      </p:sp>
+      <p:sp>
+        <p:nvSpPr>
+          <p:cNvPr id="160" name="Google Shape;160;p28"/>
+          <p:cNvSpPr txBox="1"/>
+          <p:nvPr>
+            <p:ph idx="1" type="body"/>
+          </p:nvPr>
+        </p:nvSpPr>
+        <p:spPr>
+          <a:xfrm>
+            <a:off x="311700" y="1152475"/>
+            <a:ext cx="8520600" cy="3416400"/>
+          </a:xfrm>
+          <a:prstGeom prst="rect">
+            <a:avLst/>
+          </a:prstGeom>
+        </p:spPr>
+        <p:txBody>
+          <a:bodyPr anchorCtr="0" anchor="t" bIns="91425" lIns="91425" spcFirstLastPara="1" rIns="91425" wrap="square" tIns="91425">
+            <a:normAutofit/>
+          </a:bodyPr>
+          <a:lstStyle/>
+          <a:p>
+            <a:pPr indent="0" lvl="0" marL="0" rtl="0" algn="l">
+              <a:spcBef>
+                <a:spcPts val="0"/>
+              </a:spcBef>
+              <a:spcAft>
+                <a:spcPts val="0"/>
+              </a:spcAft>
+              <a:buNone/>
+            </a:pPr>
+            <a:r>
+              <a:rPr lang="en"/>
+              <a:t>Azure Machine Learning</a:t>
+            </a:r>
+            <a:endParaRPr/>
+          </a:p>
+          <a:p>
+            <a:pPr indent="0" lvl="0" marL="0" rtl="0" algn="l">
+              <a:spcBef>
+                <a:spcPts val="1200"/>
+              </a:spcBef>
+              <a:spcAft>
+                <a:spcPts val="0"/>
+              </a:spcAft>
+              <a:buNone/>
+            </a:pPr>
+            <a:r>
+              <a:rPr lang="en"/>
+              <a:t>Azure Data Bricks</a:t>
+            </a:r>
+            <a:endParaRPr/>
+          </a:p>
+          <a:p>
+            <a:pPr indent="0" lvl="0" marL="0" rtl="0" algn="l">
+              <a:spcBef>
+                <a:spcPts val="1200"/>
+              </a:spcBef>
+              <a:spcAft>
+                <a:spcPts val="1200"/>
+              </a:spcAft>
+              <a:buNone/>
+            </a:pPr>
+            <a:r>
+              <a:rPr lang="en"/>
+              <a:t>Azure Streaming Analytics</a:t>
+            </a:r>
+            <a:endParaRPr/>
+          </a:p>
+        </p:txBody>
+      </p:sp>
+    </p:spTree>
+  </p:cSld>
+  <p:clrMapOvr>
+    <a:masterClrMapping/>
+  </p:clrMapOvr>
+</p:sld>
+</file>
+
+<file path=ppt/slides/slide17.xml><?xml version="1.0" encoding="utf-8"?>
+<p:sld xmlns:a="http://schemas.openxmlformats.org/drawingml/2006/main" xmlns:r="http://schemas.openxmlformats.org/officeDocument/2006/relationships" xmlns:mc="http://schemas.openxmlformats.org/markup-compatibility/2006" xmlns:mv="urn:schemas-microsoft-com:mac:vml" xmlns:p="http://schemas.openxmlformats.org/presentationml/2006/main" xmlns:c="http://schemas.openxmlformats.org/drawingml/2006/chart" xmlns:dgm="http://schemas.openxmlformats.org/drawingml/2006/diagram" xmlns:o="urn:schemas-microsoft-com:office:office" xmlns:v="urn:schemas-microsoft-com:vml" xmlns:pvml="urn:schemas-microsoft-com:office:powerpoint" xmlns:com="http://schemas.openxmlformats.org/drawingml/2006/compatibility" xmlns:p14="http://schemas.microsoft.com/office/powerpoint/2010/main" xmlns:p15="http://schemas.microsoft.com/office/powerpoint/2012/main" xmlns:ahyp="http://schemas.microsoft.com/office/drawing/2018/hyperlinkcolor">
+  <p:cSld>
+    <p:spTree>
+      <p:nvGrpSpPr>
+        <p:cNvPr id="164" name="Shape 164"/>
+        <p:cNvGrpSpPr/>
+        <p:nvPr/>
+      </p:nvGrpSpPr>
+      <p:grpSpPr>
+        <a:xfrm>
+          <a:off x="0" y="0"/>
+          <a:ext cx="0" cy="0"/>
+          <a:chOff x="0" y="0"/>
+          <a:chExt cx="0" cy="0"/>
+        </a:xfrm>
+      </p:grpSpPr>
+      <p:sp>
+        <p:nvSpPr>
+          <p:cNvPr id="165" name="Google Shape;165;p29"/>
+          <p:cNvSpPr txBox="1"/>
+          <p:nvPr>
+            <p:ph type="title"/>
+          </p:nvPr>
+        </p:nvSpPr>
+        <p:spPr>
+          <a:xfrm>
+            <a:off x="311700" y="391350"/>
+            <a:ext cx="8520600" cy="626100"/>
+          </a:xfrm>
+          <a:prstGeom prst="rect">
+            <a:avLst/>
+          </a:prstGeom>
+        </p:spPr>
+        <p:txBody>
+          <a:bodyPr anchorCtr="0" anchor="t" bIns="91425" lIns="91425" spcFirstLastPara="1" rIns="91425" wrap="square" tIns="91425">
+            <a:normAutofit fontScale="90000"/>
+          </a:bodyPr>
+          <a:lstStyle/>
+          <a:p>
+            <a:pPr indent="0" lvl="0" marL="0" rtl="0" algn="l">
+              <a:spcBef>
+                <a:spcPts val="0"/>
+              </a:spcBef>
+              <a:spcAft>
+                <a:spcPts val="0"/>
+              </a:spcAft>
+              <a:buNone/>
+            </a:pPr>
+            <a:r>
+              <a:rPr lang="en"/>
+              <a:t>GCP NVIDIA GPU</a:t>
+            </a:r>
+            <a:endParaRPr/>
+          </a:p>
+        </p:txBody>
+      </p:sp>
+      <p:sp>
+        <p:nvSpPr>
+          <p:cNvPr id="166" name="Google Shape;166;p29"/>
+          <p:cNvSpPr txBox="1"/>
+          <p:nvPr>
+            <p:ph idx="1" type="body"/>
+          </p:nvPr>
+        </p:nvSpPr>
+        <p:spPr>
+          <a:xfrm>
+            <a:off x="311700" y="1152475"/>
+            <a:ext cx="8520600" cy="3416400"/>
+          </a:xfrm>
+          <a:prstGeom prst="rect">
+            <a:avLst/>
+          </a:prstGeom>
+        </p:spPr>
+        <p:txBody>
+          <a:bodyPr anchorCtr="0" anchor="t" bIns="91425" lIns="91425" spcFirstLastPara="1" rIns="91425" wrap="square" tIns="91425">
+            <a:normAutofit/>
+          </a:bodyPr>
+          <a:lstStyle/>
+          <a:p>
+            <a:pPr indent="0" lvl="0" marL="0" rtl="0" algn="l">
+              <a:spcBef>
+                <a:spcPts val="0"/>
+              </a:spcBef>
+              <a:spcAft>
+                <a:spcPts val="0"/>
+              </a:spcAft>
+              <a:buNone/>
+            </a:pPr>
+            <a:r>
+              <a:rPr lang="en"/>
+              <a:t>N1 Standard NV - Tesla K80 GPU</a:t>
+            </a:r>
+            <a:endParaRPr/>
+          </a:p>
+          <a:p>
+            <a:pPr indent="0" lvl="0" marL="0" rtl="0" algn="l">
+              <a:spcBef>
+                <a:spcPts val="1200"/>
+              </a:spcBef>
+              <a:spcAft>
+                <a:spcPts val="0"/>
+              </a:spcAft>
+              <a:buNone/>
+            </a:pPr>
+            <a:r>
+              <a:rPr lang="en"/>
+              <a:t>A2 Standard NV - A100 Tensor Core GPU</a:t>
+            </a:r>
+            <a:endParaRPr/>
+          </a:p>
+          <a:p>
+            <a:pPr indent="0" lvl="0" marL="0" rtl="0" algn="l">
+              <a:spcBef>
+                <a:spcPts val="1200"/>
+              </a:spcBef>
+              <a:spcAft>
+                <a:spcPts val="1200"/>
+              </a:spcAft>
+              <a:buNone/>
+            </a:pPr>
+            <a:r>
+              <a:rPr lang="en"/>
+              <a:t>G2-standard-NV   - T4 GPU</a:t>
+            </a:r>
+            <a:endParaRPr/>
+          </a:p>
+        </p:txBody>
+      </p:sp>
+    </p:spTree>
+  </p:cSld>
+  <p:clrMapOvr>
+    <a:masterClrMapping/>
+  </p:clrMapOvr>
+</p:sld>
+</file>
+
+<file path=ppt/slides/slide18.xml><?xml version="1.0" encoding="utf-8"?>
+<p:sld xmlns:a="http://schemas.openxmlformats.org/drawingml/2006/main" xmlns:r="http://schemas.openxmlformats.org/officeDocument/2006/relationships" xmlns:mc="http://schemas.openxmlformats.org/markup-compatibility/2006" xmlns:mv="urn:schemas-microsoft-com:mac:vml" xmlns:p="http://schemas.openxmlformats.org/presentationml/2006/main" xmlns:c="http://schemas.openxmlformats.org/drawingml/2006/chart" xmlns:dgm="http://schemas.openxmlformats.org/drawingml/2006/diagram" xmlns:o="urn:schemas-microsoft-com:office:office" xmlns:v="urn:schemas-microsoft-com:vml" xmlns:pvml="urn:schemas-microsoft-com:office:powerpoint" xmlns:com="http://schemas.openxmlformats.org/drawingml/2006/compatibility" xmlns:p14="http://schemas.microsoft.com/office/powerpoint/2010/main" xmlns:p15="http://schemas.microsoft.com/office/powerpoint/2012/main" xmlns:ahyp="http://schemas.microsoft.com/office/drawing/2018/hyperlinkcolor">
+  <p:cSld>
+    <p:spTree>
+      <p:nvGrpSpPr>
+        <p:cNvPr id="170" name="Shape 170"/>
+        <p:cNvGrpSpPr/>
+        <p:nvPr/>
+      </p:nvGrpSpPr>
+      <p:grpSpPr>
+        <a:xfrm>
+          <a:off x="0" y="0"/>
+          <a:ext cx="0" cy="0"/>
+          <a:chOff x="0" y="0"/>
+          <a:chExt cx="0" cy="0"/>
+        </a:xfrm>
+      </p:grpSpPr>
+      <p:sp>
+        <p:nvSpPr>
+          <p:cNvPr id="171" name="Google Shape;171;p30"/>
+          <p:cNvSpPr txBox="1"/>
+          <p:nvPr>
+            <p:ph type="title"/>
+          </p:nvPr>
+        </p:nvSpPr>
+        <p:spPr>
+          <a:xfrm>
+            <a:off x="311700" y="391350"/>
+            <a:ext cx="8520600" cy="626100"/>
+          </a:xfrm>
+          <a:prstGeom prst="rect">
+            <a:avLst/>
+          </a:prstGeom>
+        </p:spPr>
+        <p:txBody>
+          <a:bodyPr anchorCtr="0" anchor="t" bIns="91425" lIns="91425" spcFirstLastPara="1" rIns="91425" wrap="square" tIns="91425">
+            <a:normAutofit fontScale="90000"/>
+          </a:bodyPr>
+          <a:lstStyle/>
+          <a:p>
+            <a:pPr indent="0" lvl="0" marL="0" rtl="0" algn="l">
+              <a:spcBef>
+                <a:spcPts val="0"/>
+              </a:spcBef>
+              <a:spcAft>
+                <a:spcPts val="0"/>
+              </a:spcAft>
+              <a:buNone/>
+            </a:pPr>
+            <a:r>
+              <a:rPr lang="en"/>
+              <a:t>Snowflake LLM container Service</a:t>
+            </a:r>
+            <a:endParaRPr/>
+          </a:p>
+        </p:txBody>
+      </p:sp>
+      <p:sp>
+        <p:nvSpPr>
+          <p:cNvPr id="172" name="Google Shape;172;p30"/>
+          <p:cNvSpPr txBox="1"/>
+          <p:nvPr>
+            <p:ph idx="1" type="body"/>
+          </p:nvPr>
+        </p:nvSpPr>
+        <p:spPr>
+          <a:xfrm>
+            <a:off x="311700" y="1152475"/>
+            <a:ext cx="8520600" cy="3416400"/>
+          </a:xfrm>
+          <a:prstGeom prst="rect">
+            <a:avLst/>
+          </a:prstGeom>
+        </p:spPr>
+        <p:txBody>
+          <a:bodyPr anchorCtr="0" anchor="t" bIns="91425" lIns="91425" spcFirstLastPara="1" rIns="91425" wrap="square" tIns="91425">
+            <a:normAutofit/>
+          </a:bodyPr>
+          <a:lstStyle/>
+          <a:p>
+            <a:pPr indent="0" lvl="0" marL="0" rtl="0" algn="l">
+              <a:spcBef>
+                <a:spcPts val="0"/>
+              </a:spcBef>
+              <a:spcAft>
                 <a:spcPts val="1200"/>
               </a:spcAft>
               <a:buNone/>
@@ -8445,12 +11061,12 @@
 </p:sld>
 </file>
 
-<file path=ppt/slides/slide12.xml><?xml version="1.0" encoding="utf-8"?>
+<file path=ppt/slides/slide19.xml><?xml version="1.0" encoding="utf-8"?>
 <p:sld xmlns:a="http://schemas.openxmlformats.org/drawingml/2006/main" xmlns:r="http://schemas.openxmlformats.org/officeDocument/2006/relationships" xmlns:mc="http://schemas.openxmlformats.org/markup-compatibility/2006" xmlns:mv="urn:schemas-microsoft-com:mac:vml" xmlns:p="http://schemas.openxmlformats.org/presentationml/2006/main" xmlns:c="http://schemas.openxmlformats.org/drawingml/2006/chart" xmlns:dgm="http://schemas.openxmlformats.org/drawingml/2006/diagram" xmlns:o="urn:schemas-microsoft-com:office:office" xmlns:v="urn:schemas-microsoft-com:vml" xmlns:pvml="urn:schemas-microsoft-com:office:powerpoint" xmlns:com="http://schemas.openxmlformats.org/drawingml/2006/compatibility" xmlns:p14="http://schemas.microsoft.com/office/powerpoint/2010/main" xmlns:p15="http://schemas.microsoft.com/office/powerpoint/2012/main" xmlns:ahyp="http://schemas.microsoft.com/office/drawing/2018/hyperlinkcolor">
   <p:cSld>
     <p:spTree>
       <p:nvGrpSpPr>
-        <p:cNvPr id="127" name="Shape 127"/>
+        <p:cNvPr id="176" name="Shape 176"/>
         <p:cNvGrpSpPr/>
         <p:nvPr/>
       </p:nvGrpSpPr>
@@ -8464,7 +11080,7 @@
       </p:grpSpPr>
       <p:sp>
         <p:nvSpPr>
-          <p:cNvPr id="128" name="Google Shape;128;p24"/>
+          <p:cNvPr id="177" name="Google Shape;177;p31"/>
           <p:cNvSpPr txBox="1"/>
           <p:nvPr>
             <p:ph type="title"/>
@@ -8504,7 +11120,7 @@
       </p:sp>
       <p:sp>
         <p:nvSpPr>
-          <p:cNvPr id="129" name="Google Shape;129;p24"/>
+          <p:cNvPr id="178" name="Google Shape;178;p31"/>
           <p:cNvSpPr txBox="1"/>
           <p:nvPr>
             <p:ph idx="1" type="body"/>
@@ -8569,936 +11185,6 @@
             <a:r>
               <a:rPr lang="en"/>
               <a:t>Tesla V100 GPU - 32 GB of memory, 5120 cores</a:t>
-            </a:r>
-            <a:endParaRPr/>
-          </a:p>
-        </p:txBody>
-      </p:sp>
-    </p:spTree>
-  </p:cSld>
-  <p:clrMapOvr>
-    <a:masterClrMapping/>
-  </p:clrMapOvr>
-</p:sld>
-</file>
-
-<file path=ppt/slides/slide13.xml><?xml version="1.0" encoding="utf-8"?>
-<p:sld xmlns:a="http://schemas.openxmlformats.org/drawingml/2006/main" xmlns:r="http://schemas.openxmlformats.org/officeDocument/2006/relationships" xmlns:mc="http://schemas.openxmlformats.org/markup-compatibility/2006" xmlns:mv="urn:schemas-microsoft-com:mac:vml" xmlns:p="http://schemas.openxmlformats.org/presentationml/2006/main" xmlns:c="http://schemas.openxmlformats.org/drawingml/2006/chart" xmlns:dgm="http://schemas.openxmlformats.org/drawingml/2006/diagram" xmlns:o="urn:schemas-microsoft-com:office:office" xmlns:v="urn:schemas-microsoft-com:vml" xmlns:pvml="urn:schemas-microsoft-com:office:powerpoint" xmlns:com="http://schemas.openxmlformats.org/drawingml/2006/compatibility" xmlns:p14="http://schemas.microsoft.com/office/powerpoint/2010/main" xmlns:p15="http://schemas.microsoft.com/office/powerpoint/2012/main" xmlns:ahyp="http://schemas.microsoft.com/office/drawing/2018/hyperlinkcolor">
-  <p:cSld>
-    <p:spTree>
-      <p:nvGrpSpPr>
-        <p:cNvPr id="133" name="Shape 133"/>
-        <p:cNvGrpSpPr/>
-        <p:nvPr/>
-      </p:nvGrpSpPr>
-      <p:grpSpPr>
-        <a:xfrm>
-          <a:off x="0" y="0"/>
-          <a:ext cx="0" cy="0"/>
-          <a:chOff x="0" y="0"/>
-          <a:chExt cx="0" cy="0"/>
-        </a:xfrm>
-      </p:grpSpPr>
-      <p:sp>
-        <p:nvSpPr>
-          <p:cNvPr id="134" name="Google Shape;134;p25"/>
-          <p:cNvSpPr txBox="1"/>
-          <p:nvPr>
-            <p:ph type="title"/>
-          </p:nvPr>
-        </p:nvSpPr>
-        <p:spPr>
-          <a:xfrm>
-            <a:off x="311700" y="216425"/>
-            <a:ext cx="8520600" cy="572700"/>
-          </a:xfrm>
-          <a:prstGeom prst="rect">
-            <a:avLst/>
-          </a:prstGeom>
-        </p:spPr>
-        <p:txBody>
-          <a:bodyPr anchorCtr="0" anchor="t" bIns="91425" lIns="91425" spcFirstLastPara="1" rIns="91425" wrap="square" tIns="91425">
-            <a:normAutofit fontScale="90000"/>
-          </a:bodyPr>
-          <a:lstStyle/>
-          <a:p>
-            <a:pPr indent="0" lvl="0" marL="0" rtl="0" algn="l">
-              <a:spcBef>
-                <a:spcPts val="0"/>
-              </a:spcBef>
-              <a:spcAft>
-                <a:spcPts val="0"/>
-              </a:spcAft>
-              <a:buNone/>
-            </a:pPr>
-            <a:r>
-              <a:rPr lang="en"/>
-              <a:t>GPU vs TPU</a:t>
-            </a:r>
-            <a:endParaRPr/>
-          </a:p>
-        </p:txBody>
-      </p:sp>
-      <p:sp>
-        <p:nvSpPr>
-          <p:cNvPr id="135" name="Google Shape;135;p25"/>
-          <p:cNvSpPr txBox="1"/>
-          <p:nvPr>
-            <p:ph idx="1" type="body"/>
-          </p:nvPr>
-        </p:nvSpPr>
-        <p:spPr>
-          <a:xfrm>
-            <a:off x="311700" y="1152475"/>
-            <a:ext cx="3999900" cy="2260800"/>
-          </a:xfrm>
-          <a:prstGeom prst="rect">
-            <a:avLst/>
-          </a:prstGeom>
-        </p:spPr>
-        <p:txBody>
-          <a:bodyPr anchorCtr="0" anchor="t" bIns="91425" lIns="91425" spcFirstLastPara="1" rIns="91425" wrap="square" tIns="91425">
-            <a:normAutofit lnSpcReduction="20000"/>
-          </a:bodyPr>
-          <a:lstStyle/>
-          <a:p>
-            <a:pPr indent="0" lvl="0" marL="0" rtl="0" algn="l">
-              <a:spcBef>
-                <a:spcPts val="0"/>
-              </a:spcBef>
-              <a:spcAft>
-                <a:spcPts val="0"/>
-              </a:spcAft>
-              <a:buNone/>
-            </a:pPr>
-            <a:r>
-              <a:rPr lang="en" sz="1400">
-                <a:solidFill>
-                  <a:srgbClr val="000000"/>
-                </a:solidFill>
-                <a:highlight>
-                  <a:srgbClr val="FFFFFF"/>
-                </a:highlight>
-                <a:latin typeface="Open Sans"/>
-                <a:ea typeface="Open Sans"/>
-                <a:cs typeface="Open Sans"/>
-                <a:sym typeface="Open Sans"/>
-              </a:rPr>
-              <a:t>GPUs:</a:t>
-            </a:r>
-            <a:endParaRPr sz="1400">
-              <a:solidFill>
-                <a:srgbClr val="000000"/>
-              </a:solidFill>
-              <a:highlight>
-                <a:srgbClr val="FFFFFF"/>
-              </a:highlight>
-              <a:latin typeface="Open Sans"/>
-              <a:ea typeface="Open Sans"/>
-              <a:cs typeface="Open Sans"/>
-              <a:sym typeface="Open Sans"/>
-            </a:endParaRPr>
-          </a:p>
-          <a:p>
-            <a:pPr indent="0" lvl="0" marL="0" rtl="0" algn="l">
-              <a:spcBef>
-                <a:spcPts val="1200"/>
-              </a:spcBef>
-              <a:spcAft>
-                <a:spcPts val="1200"/>
-              </a:spcAft>
-              <a:buNone/>
-            </a:pPr>
-            <a:r>
-              <a:rPr lang="en">
-                <a:solidFill>
-                  <a:srgbClr val="000000"/>
-                </a:solidFill>
-                <a:highlight>
-                  <a:srgbClr val="FFFFFF"/>
-                </a:highlight>
-                <a:latin typeface="Open Sans"/>
-                <a:ea typeface="Open Sans"/>
-                <a:cs typeface="Open Sans"/>
-                <a:sym typeface="Open Sans"/>
-              </a:rPr>
-              <a:t>GPU</a:t>
-            </a:r>
-            <a:r>
-              <a:rPr lang="en" sz="1400">
-                <a:solidFill>
-                  <a:srgbClr val="000000"/>
-                </a:solidFill>
-                <a:highlight>
-                  <a:srgbClr val="FFFFFF"/>
-                </a:highlight>
-                <a:latin typeface="Open Sans"/>
-                <a:ea typeface="Open Sans"/>
-                <a:cs typeface="Open Sans"/>
-                <a:sym typeface="Open Sans"/>
-              </a:rPr>
-              <a:t> like the NVIDIA V100 have maximum single-precision (FP32) performance of over 100 teraflops, compared to about 30-60 teraflops for current-gen TPUs. This means GPUs can train single-precision models faster, especially those with a lot of tensor operations that don't quantize well to lower precisions</a:t>
-            </a:r>
-            <a:endParaRPr>
-              <a:solidFill>
-                <a:srgbClr val="000000"/>
-              </a:solidFill>
-            </a:endParaRPr>
-          </a:p>
-        </p:txBody>
-      </p:sp>
-      <p:sp>
-        <p:nvSpPr>
-          <p:cNvPr id="136" name="Google Shape;136;p25"/>
-          <p:cNvSpPr txBox="1"/>
-          <p:nvPr>
-            <p:ph idx="2" type="body"/>
-          </p:nvPr>
-        </p:nvSpPr>
-        <p:spPr>
-          <a:xfrm>
-            <a:off x="4832400" y="1152475"/>
-            <a:ext cx="3999900" cy="2260800"/>
-          </a:xfrm>
-          <a:prstGeom prst="rect">
-            <a:avLst/>
-          </a:prstGeom>
-        </p:spPr>
-        <p:txBody>
-          <a:bodyPr anchorCtr="0" anchor="t" bIns="91425" lIns="91425" spcFirstLastPara="1" rIns="91425" wrap="square" tIns="91425">
-            <a:normAutofit fontScale="92500" lnSpcReduction="20000"/>
-          </a:bodyPr>
-          <a:lstStyle/>
-          <a:p>
-            <a:pPr indent="0" lvl="0" marL="0" rtl="0" algn="l">
-              <a:spcBef>
-                <a:spcPts val="0"/>
-              </a:spcBef>
-              <a:spcAft>
-                <a:spcPts val="0"/>
-              </a:spcAft>
-              <a:buClr>
-                <a:schemeClr val="dk1"/>
-              </a:buClr>
-              <a:buSzPct val="78571"/>
-              <a:buFont typeface="Arial"/>
-              <a:buNone/>
-            </a:pPr>
-            <a:r>
-              <a:rPr lang="en">
-                <a:solidFill>
-                  <a:srgbClr val="000000"/>
-                </a:solidFill>
-                <a:highlight>
-                  <a:srgbClr val="FFFFFF"/>
-                </a:highlight>
-                <a:latin typeface="Open Sans"/>
-                <a:ea typeface="Open Sans"/>
-                <a:cs typeface="Open Sans"/>
-                <a:sym typeface="Open Sans"/>
-              </a:rPr>
-              <a:t>TPU : </a:t>
-            </a:r>
-            <a:r>
-              <a:rPr lang="en">
-                <a:solidFill>
-                  <a:srgbClr val="000000"/>
-                </a:solidFill>
-                <a:highlight>
-                  <a:srgbClr val="FFFFFF"/>
-                </a:highlight>
-                <a:latin typeface="Open Sans"/>
-                <a:ea typeface="Open Sans"/>
-                <a:cs typeface="Open Sans"/>
-                <a:sym typeface="Open Sans"/>
-              </a:rPr>
-              <a:t>Higher low-precision performance: </a:t>
-            </a:r>
-            <a:endParaRPr>
-              <a:solidFill>
-                <a:srgbClr val="000000"/>
-              </a:solidFill>
-              <a:highlight>
-                <a:srgbClr val="FFFFFF"/>
-              </a:highlight>
-              <a:latin typeface="Open Sans"/>
-              <a:ea typeface="Open Sans"/>
-              <a:cs typeface="Open Sans"/>
-              <a:sym typeface="Open Sans"/>
-            </a:endParaRPr>
-          </a:p>
-          <a:p>
-            <a:pPr indent="0" lvl="0" marL="0" rtl="0" algn="l">
-              <a:spcBef>
-                <a:spcPts val="1200"/>
-              </a:spcBef>
-              <a:spcAft>
-                <a:spcPts val="0"/>
-              </a:spcAft>
-              <a:buNone/>
-            </a:pPr>
-            <a:r>
-              <a:rPr lang="en">
-                <a:solidFill>
-                  <a:srgbClr val="000000"/>
-                </a:solidFill>
-                <a:highlight>
-                  <a:srgbClr val="FFFFFF"/>
-                </a:highlight>
-                <a:latin typeface="Open Sans"/>
-                <a:ea typeface="Open Sans"/>
-                <a:cs typeface="Open Sans"/>
-                <a:sym typeface="Open Sans"/>
-              </a:rPr>
-              <a:t>TPUs outperform GPUs for 8-bit integer ops and other lower-precision math, with up to 500-1000 teraflops on newer TPU models. This enables faster training of highly quantized models like large language models</a:t>
-            </a:r>
-            <a:endParaRPr>
-              <a:solidFill>
-                <a:srgbClr val="000000"/>
-              </a:solidFill>
-              <a:highlight>
-                <a:srgbClr val="FFFFFF"/>
-              </a:highlight>
-              <a:latin typeface="Open Sans"/>
-              <a:ea typeface="Open Sans"/>
-              <a:cs typeface="Open Sans"/>
-              <a:sym typeface="Open Sans"/>
-            </a:endParaRPr>
-          </a:p>
-          <a:p>
-            <a:pPr indent="0" lvl="0" marL="0" rtl="0" algn="l">
-              <a:spcBef>
-                <a:spcPts val="1200"/>
-              </a:spcBef>
-              <a:spcAft>
-                <a:spcPts val="0"/>
-              </a:spcAft>
-              <a:buNone/>
-            </a:pPr>
-            <a:r>
-              <a:t/>
-            </a:r>
-            <a:endParaRPr>
-              <a:solidFill>
-                <a:schemeClr val="dk1"/>
-              </a:solidFill>
-              <a:highlight>
-                <a:srgbClr val="FFFFFF"/>
-              </a:highlight>
-              <a:latin typeface="Open Sans"/>
-              <a:ea typeface="Open Sans"/>
-              <a:cs typeface="Open Sans"/>
-              <a:sym typeface="Open Sans"/>
-            </a:endParaRPr>
-          </a:p>
-          <a:p>
-            <a:pPr indent="0" lvl="0" marL="0" rtl="0" algn="l">
-              <a:spcBef>
-                <a:spcPts val="1200"/>
-              </a:spcBef>
-              <a:spcAft>
-                <a:spcPts val="1200"/>
-              </a:spcAft>
-              <a:buNone/>
-            </a:pPr>
-            <a:r>
-              <a:t/>
-            </a:r>
-            <a:endParaRPr>
-              <a:solidFill>
-                <a:schemeClr val="dk1"/>
-              </a:solidFill>
-              <a:highlight>
-                <a:srgbClr val="FFFFFF"/>
-              </a:highlight>
-              <a:latin typeface="Open Sans"/>
-              <a:ea typeface="Open Sans"/>
-              <a:cs typeface="Open Sans"/>
-              <a:sym typeface="Open Sans"/>
-            </a:endParaRPr>
-          </a:p>
-        </p:txBody>
-      </p:sp>
-      <p:sp>
-        <p:nvSpPr>
-          <p:cNvPr id="137" name="Google Shape;137;p25"/>
-          <p:cNvSpPr txBox="1"/>
-          <p:nvPr/>
-        </p:nvSpPr>
-        <p:spPr>
-          <a:xfrm>
-            <a:off x="564475" y="3946000"/>
-            <a:ext cx="7907700" cy="831300"/>
-          </a:xfrm>
-          <a:prstGeom prst="rect">
-            <a:avLst/>
-          </a:prstGeom>
-          <a:noFill/>
-          <a:ln>
-            <a:noFill/>
-          </a:ln>
-        </p:spPr>
-        <p:txBody>
-          <a:bodyPr anchorCtr="0" anchor="t" bIns="91425" lIns="91425" spcFirstLastPara="1" rIns="91425" wrap="square" tIns="91425">
-            <a:spAutoFit/>
-          </a:bodyPr>
-          <a:lstStyle/>
-          <a:p>
-            <a:pPr indent="0" lvl="0" marL="0" rtl="0" algn="l">
-              <a:spcBef>
-                <a:spcPts val="0"/>
-              </a:spcBef>
-              <a:spcAft>
-                <a:spcPts val="0"/>
-              </a:spcAft>
-              <a:buNone/>
-            </a:pPr>
-            <a:r>
-              <a:rPr lang="en">
-                <a:highlight>
-                  <a:srgbClr val="FFFFFF"/>
-                </a:highlight>
-                <a:latin typeface="Open Sans"/>
-                <a:ea typeface="Open Sans"/>
-                <a:cs typeface="Open Sans"/>
-                <a:sym typeface="Open Sans"/>
-              </a:rPr>
-              <a:t>GPUs currently have some maximum performance benefits, TPUs are far superior for high-throughput low-precision computation and also have advantages for extremely large scale.</a:t>
-            </a:r>
-            <a:endParaRPr/>
-          </a:p>
-        </p:txBody>
-      </p:sp>
-    </p:spTree>
-  </p:cSld>
-  <p:clrMapOvr>
-    <a:masterClrMapping/>
-  </p:clrMapOvr>
-</p:sld>
-</file>
-
-<file path=ppt/slides/slide14.xml><?xml version="1.0" encoding="utf-8"?>
-<p:sld xmlns:a="http://schemas.openxmlformats.org/drawingml/2006/main" xmlns:r="http://schemas.openxmlformats.org/officeDocument/2006/relationships" xmlns:mc="http://schemas.openxmlformats.org/markup-compatibility/2006" xmlns:mv="urn:schemas-microsoft-com:mac:vml" xmlns:p="http://schemas.openxmlformats.org/presentationml/2006/main" xmlns:c="http://schemas.openxmlformats.org/drawingml/2006/chart" xmlns:dgm="http://schemas.openxmlformats.org/drawingml/2006/diagram" xmlns:o="urn:schemas-microsoft-com:office:office" xmlns:v="urn:schemas-microsoft-com:vml" xmlns:pvml="urn:schemas-microsoft-com:office:powerpoint" xmlns:com="http://schemas.openxmlformats.org/drawingml/2006/compatibility" xmlns:p14="http://schemas.microsoft.com/office/powerpoint/2010/main" xmlns:p15="http://schemas.microsoft.com/office/powerpoint/2012/main" xmlns:ahyp="http://schemas.microsoft.com/office/drawing/2018/hyperlinkcolor">
-  <p:cSld>
-    <p:spTree>
-      <p:nvGrpSpPr>
-        <p:cNvPr id="141" name="Shape 141"/>
-        <p:cNvGrpSpPr/>
-        <p:nvPr/>
-      </p:nvGrpSpPr>
-      <p:grpSpPr>
-        <a:xfrm>
-          <a:off x="0" y="0"/>
-          <a:ext cx="0" cy="0"/>
-          <a:chOff x="0" y="0"/>
-          <a:chExt cx="0" cy="0"/>
-        </a:xfrm>
-      </p:grpSpPr>
-      <p:sp>
-        <p:nvSpPr>
-          <p:cNvPr id="142" name="Google Shape;142;p26"/>
-          <p:cNvSpPr txBox="1"/>
-          <p:nvPr>
-            <p:ph type="title"/>
-          </p:nvPr>
-        </p:nvSpPr>
-        <p:spPr>
-          <a:xfrm>
-            <a:off x="311700" y="216425"/>
-            <a:ext cx="8520600" cy="572700"/>
-          </a:xfrm>
-          <a:prstGeom prst="rect">
-            <a:avLst/>
-          </a:prstGeom>
-        </p:spPr>
-        <p:txBody>
-          <a:bodyPr anchorCtr="0" anchor="t" bIns="91425" lIns="91425" spcFirstLastPara="1" rIns="91425" wrap="square" tIns="91425">
-            <a:normAutofit fontScale="90000"/>
-          </a:bodyPr>
-          <a:lstStyle/>
-          <a:p>
-            <a:pPr indent="0" lvl="0" marL="0" rtl="0" algn="l">
-              <a:spcBef>
-                <a:spcPts val="0"/>
-              </a:spcBef>
-              <a:spcAft>
-                <a:spcPts val="0"/>
-              </a:spcAft>
-              <a:buNone/>
-            </a:pPr>
-            <a:r>
-              <a:rPr lang="en"/>
-              <a:t>GPU vs TPU</a:t>
-            </a:r>
-            <a:endParaRPr/>
-          </a:p>
-        </p:txBody>
-      </p:sp>
-      <p:sp>
-        <p:nvSpPr>
-          <p:cNvPr id="143" name="Google Shape;143;p26"/>
-          <p:cNvSpPr txBox="1"/>
-          <p:nvPr>
-            <p:ph idx="1" type="body"/>
-          </p:nvPr>
-        </p:nvSpPr>
-        <p:spPr>
-          <a:xfrm>
-            <a:off x="311700" y="1152475"/>
-            <a:ext cx="3999900" cy="2260800"/>
-          </a:xfrm>
-          <a:prstGeom prst="rect">
-            <a:avLst/>
-          </a:prstGeom>
-        </p:spPr>
-        <p:txBody>
-          <a:bodyPr anchorCtr="0" anchor="t" bIns="91425" lIns="91425" spcFirstLastPara="1" rIns="91425" wrap="square" tIns="91425">
-            <a:normAutofit/>
-          </a:bodyPr>
-          <a:lstStyle/>
-          <a:p>
-            <a:pPr indent="0" lvl="0" marL="0" rtl="0" algn="l">
-              <a:spcBef>
-                <a:spcPts val="0"/>
-              </a:spcBef>
-              <a:spcAft>
-                <a:spcPts val="0"/>
-              </a:spcAft>
-              <a:buNone/>
-            </a:pPr>
-            <a:r>
-              <a:rPr lang="en" sz="1400">
-                <a:solidFill>
-                  <a:srgbClr val="000000"/>
-                </a:solidFill>
-                <a:highlight>
-                  <a:srgbClr val="FFFFFF"/>
-                </a:highlight>
-                <a:latin typeface="Open Sans"/>
-                <a:ea typeface="Open Sans"/>
-                <a:cs typeface="Open Sans"/>
-                <a:sym typeface="Open Sans"/>
-              </a:rPr>
-              <a:t>GPUs</a:t>
-            </a:r>
-            <a:r>
-              <a:rPr lang="en">
-                <a:solidFill>
-                  <a:srgbClr val="000000"/>
-                </a:solidFill>
-                <a:highlight>
-                  <a:srgbClr val="FFFFFF"/>
-                </a:highlight>
-                <a:latin typeface="Open Sans"/>
-                <a:ea typeface="Open Sans"/>
-                <a:cs typeface="Open Sans"/>
-                <a:sym typeface="Open Sans"/>
-              </a:rPr>
-              <a:t> has Larger memory capacity: </a:t>
-            </a:r>
-            <a:endParaRPr>
-              <a:solidFill>
-                <a:srgbClr val="000000"/>
-              </a:solidFill>
-              <a:highlight>
-                <a:srgbClr val="FFFFFF"/>
-              </a:highlight>
-              <a:latin typeface="Open Sans"/>
-              <a:ea typeface="Open Sans"/>
-              <a:cs typeface="Open Sans"/>
-              <a:sym typeface="Open Sans"/>
-            </a:endParaRPr>
-          </a:p>
-          <a:p>
-            <a:pPr indent="0" lvl="0" marL="0" rtl="0" algn="l">
-              <a:spcBef>
-                <a:spcPts val="1200"/>
-              </a:spcBef>
-              <a:spcAft>
-                <a:spcPts val="1200"/>
-              </a:spcAft>
-              <a:buNone/>
-            </a:pPr>
-            <a:r>
-              <a:rPr lang="en" sz="1200">
-                <a:solidFill>
-                  <a:srgbClr val="000000"/>
-                </a:solidFill>
-                <a:highlight>
-                  <a:srgbClr val="FFFFFF"/>
-                </a:highlight>
-                <a:latin typeface="Open Sans"/>
-                <a:ea typeface="Open Sans"/>
-                <a:cs typeface="Open Sans"/>
-                <a:sym typeface="Open Sans"/>
-              </a:rPr>
-              <a:t>High-end GPUs typically have 16-32 gigabytes of onboard memory, compared to about 8-16 gigabytes for TPUs. This larger memory allows GPUs to train models with huge numbers of high-dimensional tensors in FP32 precision without swapping to host memory. </a:t>
-            </a:r>
-            <a:endParaRPr sz="1200">
-              <a:solidFill>
-                <a:srgbClr val="000000"/>
-              </a:solidFill>
-            </a:endParaRPr>
-          </a:p>
-        </p:txBody>
-      </p:sp>
-      <p:sp>
-        <p:nvSpPr>
-          <p:cNvPr id="144" name="Google Shape;144;p26"/>
-          <p:cNvSpPr txBox="1"/>
-          <p:nvPr>
-            <p:ph idx="2" type="body"/>
-          </p:nvPr>
-        </p:nvSpPr>
-        <p:spPr>
-          <a:xfrm>
-            <a:off x="4832400" y="1152475"/>
-            <a:ext cx="3999900" cy="2260800"/>
-          </a:xfrm>
-          <a:prstGeom prst="rect">
-            <a:avLst/>
-          </a:prstGeom>
-        </p:spPr>
-        <p:txBody>
-          <a:bodyPr anchorCtr="0" anchor="t" bIns="91425" lIns="91425" spcFirstLastPara="1" rIns="91425" wrap="square" tIns="91425">
-            <a:normAutofit fontScale="85000" lnSpcReduction="20000"/>
-          </a:bodyPr>
-          <a:lstStyle/>
-          <a:p>
-            <a:pPr indent="0" lvl="0" marL="0" rtl="0" algn="l">
-              <a:spcBef>
-                <a:spcPts val="0"/>
-              </a:spcBef>
-              <a:spcAft>
-                <a:spcPts val="0"/>
-              </a:spcAft>
-              <a:buNone/>
-            </a:pPr>
-            <a:r>
-              <a:rPr lang="en" sz="1600">
-                <a:solidFill>
-                  <a:srgbClr val="000000"/>
-                </a:solidFill>
-                <a:latin typeface="Open Sans"/>
-                <a:ea typeface="Open Sans"/>
-                <a:cs typeface="Open Sans"/>
-                <a:sym typeface="Open Sans"/>
-              </a:rPr>
-              <a:t>TensorStream architecture: </a:t>
-            </a:r>
-            <a:endParaRPr sz="1600">
-              <a:solidFill>
-                <a:srgbClr val="000000"/>
-              </a:solidFill>
-              <a:latin typeface="Open Sans"/>
-              <a:ea typeface="Open Sans"/>
-              <a:cs typeface="Open Sans"/>
-              <a:sym typeface="Open Sans"/>
-            </a:endParaRPr>
-          </a:p>
-          <a:p>
-            <a:pPr indent="0" lvl="0" marL="0" rtl="0" algn="l">
-              <a:spcBef>
-                <a:spcPts val="1200"/>
-              </a:spcBef>
-              <a:spcAft>
-                <a:spcPts val="0"/>
-              </a:spcAft>
-              <a:buNone/>
-            </a:pPr>
-            <a:r>
-              <a:rPr lang="en">
-                <a:solidFill>
-                  <a:srgbClr val="000000"/>
-                </a:solidFill>
-                <a:latin typeface="Open Sans"/>
-                <a:ea typeface="Open Sans"/>
-                <a:cs typeface="Open Sans"/>
-                <a:sym typeface="Open Sans"/>
-              </a:rPr>
-              <a:t>TPUs have a customized data-parallel architecture called TensorStream that is optimized specifically for ML. It minimizes the performance hit from communication between cores, enabling almost linear performance scaling across thousands of cores. Scaling GPUs to that size requires more complex model parallelism due to limitations of data parallelism.</a:t>
-            </a:r>
-            <a:endParaRPr>
-              <a:solidFill>
-                <a:srgbClr val="000000"/>
-              </a:solidFill>
-              <a:latin typeface="Open Sans"/>
-              <a:ea typeface="Open Sans"/>
-              <a:cs typeface="Open Sans"/>
-              <a:sym typeface="Open Sans"/>
-            </a:endParaRPr>
-          </a:p>
-          <a:p>
-            <a:pPr indent="0" lvl="0" marL="0" rtl="0" algn="l">
-              <a:spcBef>
-                <a:spcPts val="1200"/>
-              </a:spcBef>
-              <a:spcAft>
-                <a:spcPts val="1200"/>
-              </a:spcAft>
-              <a:buNone/>
-            </a:pPr>
-            <a:r>
-              <a:t/>
-            </a:r>
-            <a:endParaRPr>
-              <a:solidFill>
-                <a:schemeClr val="dk1"/>
-              </a:solidFill>
-              <a:latin typeface="Open Sans"/>
-              <a:ea typeface="Open Sans"/>
-              <a:cs typeface="Open Sans"/>
-              <a:sym typeface="Open Sans"/>
-            </a:endParaRPr>
-          </a:p>
-        </p:txBody>
-      </p:sp>
-      <p:sp>
-        <p:nvSpPr>
-          <p:cNvPr id="145" name="Google Shape;145;p26"/>
-          <p:cNvSpPr txBox="1"/>
-          <p:nvPr/>
-        </p:nvSpPr>
-        <p:spPr>
-          <a:xfrm>
-            <a:off x="564475" y="3946000"/>
-            <a:ext cx="7907700" cy="400200"/>
-          </a:xfrm>
-          <a:prstGeom prst="rect">
-            <a:avLst/>
-          </a:prstGeom>
-          <a:noFill/>
-          <a:ln>
-            <a:noFill/>
-          </a:ln>
-        </p:spPr>
-        <p:txBody>
-          <a:bodyPr anchorCtr="0" anchor="t" bIns="91425" lIns="91425" spcFirstLastPara="1" rIns="91425" wrap="square" tIns="91425">
-            <a:spAutoFit/>
-          </a:bodyPr>
-          <a:lstStyle/>
-          <a:p>
-            <a:pPr indent="0" lvl="0" marL="0" rtl="0" algn="l">
-              <a:spcBef>
-                <a:spcPts val="0"/>
-              </a:spcBef>
-              <a:spcAft>
-                <a:spcPts val="0"/>
-              </a:spcAft>
-              <a:buNone/>
-            </a:pPr>
-            <a:r>
-              <a:t/>
-            </a:r>
-            <a:endParaRPr/>
-          </a:p>
-        </p:txBody>
-      </p:sp>
-    </p:spTree>
-  </p:cSld>
-  <p:clrMapOvr>
-    <a:masterClrMapping/>
-  </p:clrMapOvr>
-</p:sld>
-</file>
-
-<file path=ppt/slides/slide15.xml><?xml version="1.0" encoding="utf-8"?>
-<p:sld xmlns:a="http://schemas.openxmlformats.org/drawingml/2006/main" xmlns:r="http://schemas.openxmlformats.org/officeDocument/2006/relationships" xmlns:mc="http://schemas.openxmlformats.org/markup-compatibility/2006" xmlns:mv="urn:schemas-microsoft-com:mac:vml" xmlns:p="http://schemas.openxmlformats.org/presentationml/2006/main" xmlns:c="http://schemas.openxmlformats.org/drawingml/2006/chart" xmlns:dgm="http://schemas.openxmlformats.org/drawingml/2006/diagram" xmlns:o="urn:schemas-microsoft-com:office:office" xmlns:v="urn:schemas-microsoft-com:vml" xmlns:pvml="urn:schemas-microsoft-com:office:powerpoint" xmlns:com="http://schemas.openxmlformats.org/drawingml/2006/compatibility" xmlns:p14="http://schemas.microsoft.com/office/powerpoint/2010/main" xmlns:p15="http://schemas.microsoft.com/office/powerpoint/2012/main" xmlns:ahyp="http://schemas.microsoft.com/office/drawing/2018/hyperlinkcolor">
-  <p:cSld>
-    <p:spTree>
-      <p:nvGrpSpPr>
-        <p:cNvPr id="149" name="Shape 149"/>
-        <p:cNvGrpSpPr/>
-        <p:nvPr/>
-      </p:nvGrpSpPr>
-      <p:grpSpPr>
-        <a:xfrm>
-          <a:off x="0" y="0"/>
-          <a:ext cx="0" cy="0"/>
-          <a:chOff x="0" y="0"/>
-          <a:chExt cx="0" cy="0"/>
-        </a:xfrm>
-      </p:grpSpPr>
-      <p:sp>
-        <p:nvSpPr>
-          <p:cNvPr id="150" name="Google Shape;150;p27"/>
-          <p:cNvSpPr txBox="1"/>
-          <p:nvPr>
-            <p:ph type="title"/>
-          </p:nvPr>
-        </p:nvSpPr>
-        <p:spPr>
-          <a:xfrm>
-            <a:off x="311700" y="391350"/>
-            <a:ext cx="8520600" cy="626100"/>
-          </a:xfrm>
-          <a:prstGeom prst="rect">
-            <a:avLst/>
-          </a:prstGeom>
-        </p:spPr>
-        <p:txBody>
-          <a:bodyPr anchorCtr="0" anchor="t" bIns="91425" lIns="91425" spcFirstLastPara="1" rIns="91425" wrap="square" tIns="91425">
-            <a:normAutofit fontScale="90000"/>
-          </a:bodyPr>
-          <a:lstStyle/>
-          <a:p>
-            <a:pPr indent="0" lvl="0" marL="0" rtl="0" algn="l">
-              <a:spcBef>
-                <a:spcPts val="0"/>
-              </a:spcBef>
-              <a:spcAft>
-                <a:spcPts val="0"/>
-              </a:spcAft>
-              <a:buNone/>
-            </a:pPr>
-            <a:r>
-              <a:rPr lang="en"/>
-              <a:t>Software Stack</a:t>
-            </a:r>
-            <a:endParaRPr/>
-          </a:p>
-        </p:txBody>
-      </p:sp>
-      <p:sp>
-        <p:nvSpPr>
-          <p:cNvPr id="151" name="Google Shape;151;p27"/>
-          <p:cNvSpPr txBox="1"/>
-          <p:nvPr>
-            <p:ph idx="1" type="body"/>
-          </p:nvPr>
-        </p:nvSpPr>
-        <p:spPr>
-          <a:xfrm>
-            <a:off x="311700" y="1152475"/>
-            <a:ext cx="3999900" cy="3416400"/>
-          </a:xfrm>
-          <a:prstGeom prst="rect">
-            <a:avLst/>
-          </a:prstGeom>
-        </p:spPr>
-        <p:txBody>
-          <a:bodyPr anchorCtr="0" anchor="t" bIns="91425" lIns="91425" spcFirstLastPara="1" rIns="91425" wrap="square" tIns="91425">
-            <a:normAutofit/>
-          </a:bodyPr>
-          <a:lstStyle/>
-          <a:p>
-            <a:pPr indent="0" lvl="0" marL="0" rtl="0" algn="l">
-              <a:spcBef>
-                <a:spcPts val="0"/>
-              </a:spcBef>
-              <a:spcAft>
-                <a:spcPts val="1200"/>
-              </a:spcAft>
-              <a:buNone/>
-            </a:pPr>
-            <a:r>
-              <a:rPr lang="en" sz="1400">
-                <a:solidFill>
-                  <a:srgbClr val="000000"/>
-                </a:solidFill>
-                <a:highlight>
-                  <a:srgbClr val="FFFFFF"/>
-                </a:highlight>
-                <a:latin typeface="Open Sans"/>
-                <a:ea typeface="Open Sans"/>
-                <a:cs typeface="Open Sans"/>
-                <a:sym typeface="Open Sans"/>
-              </a:rPr>
-              <a:t>Mature software stack: Frameworks like TensorFlow, PyTorch and MXNet all have GPU support and provide tools to facilitate multi-GPU and distributed training. </a:t>
-            </a:r>
-            <a:endParaRPr>
-              <a:solidFill>
-                <a:srgbClr val="000000"/>
-              </a:solidFill>
-            </a:endParaRPr>
-          </a:p>
-        </p:txBody>
-      </p:sp>
-      <p:sp>
-        <p:nvSpPr>
-          <p:cNvPr id="152" name="Google Shape;152;p27"/>
-          <p:cNvSpPr txBox="1"/>
-          <p:nvPr>
-            <p:ph idx="2" type="body"/>
-          </p:nvPr>
-        </p:nvSpPr>
-        <p:spPr>
-          <a:xfrm>
-            <a:off x="4832400" y="1152475"/>
-            <a:ext cx="3999900" cy="3416400"/>
-          </a:xfrm>
-          <a:prstGeom prst="rect">
-            <a:avLst/>
-          </a:prstGeom>
-        </p:spPr>
-        <p:txBody>
-          <a:bodyPr anchorCtr="0" anchor="t" bIns="91425" lIns="91425" spcFirstLastPara="1" rIns="91425" wrap="square" tIns="91425">
-            <a:normAutofit/>
-          </a:bodyPr>
-          <a:lstStyle/>
-          <a:p>
-            <a:pPr indent="0" lvl="0" marL="0" rtl="0" algn="l">
-              <a:spcBef>
-                <a:spcPts val="0"/>
-              </a:spcBef>
-              <a:spcAft>
-                <a:spcPts val="0"/>
-              </a:spcAft>
-              <a:buClr>
-                <a:schemeClr val="dk1"/>
-              </a:buClr>
-              <a:buSzPts val="1100"/>
-              <a:buFont typeface="Arial"/>
-              <a:buNone/>
-            </a:pPr>
-            <a:r>
-              <a:rPr lang="en">
-                <a:solidFill>
-                  <a:srgbClr val="000000"/>
-                </a:solidFill>
-                <a:highlight>
-                  <a:srgbClr val="FFFFFF"/>
-                </a:highlight>
-                <a:latin typeface="Open Sans"/>
-                <a:ea typeface="Open Sans"/>
-                <a:cs typeface="Open Sans"/>
-                <a:sym typeface="Open Sans"/>
-              </a:rPr>
-              <a:t>T</a:t>
-            </a:r>
-            <a:r>
-              <a:rPr lang="en">
-                <a:solidFill>
-                  <a:srgbClr val="000000"/>
-                </a:solidFill>
-                <a:highlight>
-                  <a:srgbClr val="FFFFFF"/>
-                </a:highlight>
-                <a:latin typeface="Open Sans"/>
-                <a:ea typeface="Open Sans"/>
-                <a:cs typeface="Open Sans"/>
-                <a:sym typeface="Open Sans"/>
-              </a:rPr>
-              <a:t>he software tooling to leverage TPUs, especially for non-TensorFlow frameworks, is not as mature which can impact performance.</a:t>
-            </a:r>
-            <a:endParaRPr>
-              <a:solidFill>
-                <a:srgbClr val="000000"/>
-              </a:solidFill>
-            </a:endParaRPr>
-          </a:p>
-          <a:p>
-            <a:pPr indent="0" lvl="0" marL="0" rtl="0" algn="l">
-              <a:spcBef>
-                <a:spcPts val="1200"/>
-              </a:spcBef>
-              <a:spcAft>
-                <a:spcPts val="1200"/>
-              </a:spcAft>
-              <a:buNone/>
-            </a:pPr>
-            <a:r>
-              <a:t/>
             </a:r>
             <a:endParaRPr/>
           </a:p>
@@ -9760,6 +11446,1618 @@
 </p:sld>
 </file>
 
+<file path=ppt/slides/slide20.xml><?xml version="1.0" encoding="utf-8"?>
+<p:sld xmlns:a="http://schemas.openxmlformats.org/drawingml/2006/main" xmlns:r="http://schemas.openxmlformats.org/officeDocument/2006/relationships" xmlns:mc="http://schemas.openxmlformats.org/markup-compatibility/2006" xmlns:mv="urn:schemas-microsoft-com:mac:vml" xmlns:p="http://schemas.openxmlformats.org/presentationml/2006/main" xmlns:c="http://schemas.openxmlformats.org/drawingml/2006/chart" xmlns:dgm="http://schemas.openxmlformats.org/drawingml/2006/diagram" xmlns:o="urn:schemas-microsoft-com:office:office" xmlns:v="urn:schemas-microsoft-com:vml" xmlns:pvml="urn:schemas-microsoft-com:office:powerpoint" xmlns:com="http://schemas.openxmlformats.org/drawingml/2006/compatibility" xmlns:p14="http://schemas.microsoft.com/office/powerpoint/2010/main" xmlns:p15="http://schemas.microsoft.com/office/powerpoint/2012/main" xmlns:ahyp="http://schemas.microsoft.com/office/drawing/2018/hyperlinkcolor">
+  <p:cSld>
+    <p:spTree>
+      <p:nvGrpSpPr>
+        <p:cNvPr id="182" name="Shape 182"/>
+        <p:cNvGrpSpPr/>
+        <p:nvPr/>
+      </p:nvGrpSpPr>
+      <p:grpSpPr>
+        <a:xfrm>
+          <a:off x="0" y="0"/>
+          <a:ext cx="0" cy="0"/>
+          <a:chOff x="0" y="0"/>
+          <a:chExt cx="0" cy="0"/>
+        </a:xfrm>
+      </p:grpSpPr>
+      <p:sp>
+        <p:nvSpPr>
+          <p:cNvPr id="183" name="Google Shape;183;p32"/>
+          <p:cNvSpPr txBox="1"/>
+          <p:nvPr>
+            <p:ph type="title"/>
+          </p:nvPr>
+        </p:nvSpPr>
+        <p:spPr>
+          <a:xfrm>
+            <a:off x="311700" y="391350"/>
+            <a:ext cx="8520600" cy="626100"/>
+          </a:xfrm>
+          <a:prstGeom prst="rect">
+            <a:avLst/>
+          </a:prstGeom>
+        </p:spPr>
+        <p:txBody>
+          <a:bodyPr anchorCtr="0" anchor="t" bIns="91425" lIns="91425" spcFirstLastPara="1" rIns="91425" wrap="square" tIns="91425">
+            <a:normAutofit fontScale="90000"/>
+          </a:bodyPr>
+          <a:lstStyle/>
+          <a:p>
+            <a:pPr indent="0" lvl="0" marL="0" rtl="0" algn="l">
+              <a:spcBef>
+                <a:spcPts val="0"/>
+              </a:spcBef>
+              <a:spcAft>
+                <a:spcPts val="0"/>
+              </a:spcAft>
+              <a:buNone/>
+            </a:pPr>
+            <a:r>
+              <a:rPr lang="en"/>
+              <a:t>TFLOP</a:t>
+            </a:r>
+            <a:endParaRPr/>
+          </a:p>
+        </p:txBody>
+      </p:sp>
+      <p:sp>
+        <p:nvSpPr>
+          <p:cNvPr id="184" name="Google Shape;184;p32"/>
+          <p:cNvSpPr txBox="1"/>
+          <p:nvPr>
+            <p:ph idx="1" type="body"/>
+          </p:nvPr>
+        </p:nvSpPr>
+        <p:spPr>
+          <a:xfrm>
+            <a:off x="311700" y="1152475"/>
+            <a:ext cx="8520600" cy="3416400"/>
+          </a:xfrm>
+          <a:prstGeom prst="rect">
+            <a:avLst/>
+          </a:prstGeom>
+        </p:spPr>
+        <p:txBody>
+          <a:bodyPr anchorCtr="0" anchor="t" bIns="91425" lIns="91425" spcFirstLastPara="1" rIns="91425" wrap="square" tIns="91425">
+            <a:normAutofit/>
+          </a:bodyPr>
+          <a:lstStyle/>
+          <a:p>
+            <a:pPr indent="0" lvl="0" marL="0" rtl="0" algn="l">
+              <a:spcBef>
+                <a:spcPts val="0"/>
+              </a:spcBef>
+              <a:spcAft>
+                <a:spcPts val="0"/>
+              </a:spcAft>
+              <a:buNone/>
+            </a:pPr>
+            <a:r>
+              <a:rPr lang="en" sz="1200">
+                <a:solidFill>
+                  <a:srgbClr val="1F1F1F"/>
+                </a:solidFill>
+                <a:highlight>
+                  <a:srgbClr val="FFFFFF"/>
+                </a:highlight>
+                <a:latin typeface="Arial"/>
+                <a:ea typeface="Arial"/>
+                <a:cs typeface="Arial"/>
+                <a:sym typeface="Arial"/>
+              </a:rPr>
+              <a:t>A teraflop (TFLOP) is a measure of computing performance equal to one trillion floating-point operations per second. Floating-point operations are a type of calculation that is commonly used in scientific and technical computing, including machine learning.</a:t>
+            </a:r>
+            <a:endParaRPr sz="1200">
+              <a:solidFill>
+                <a:srgbClr val="1F1F1F"/>
+              </a:solidFill>
+              <a:highlight>
+                <a:srgbClr val="FFFFFF"/>
+              </a:highlight>
+              <a:latin typeface="Arial"/>
+              <a:ea typeface="Arial"/>
+              <a:cs typeface="Arial"/>
+              <a:sym typeface="Arial"/>
+            </a:endParaRPr>
+          </a:p>
+          <a:p>
+            <a:pPr indent="0" lvl="0" marL="0" rtl="0" algn="l">
+              <a:spcBef>
+                <a:spcPts val="1200"/>
+              </a:spcBef>
+              <a:spcAft>
+                <a:spcPts val="1200"/>
+              </a:spcAft>
+              <a:buNone/>
+            </a:pPr>
+            <a:r>
+              <a:rPr lang="en" sz="1200">
+                <a:solidFill>
+                  <a:srgbClr val="1F1F1F"/>
+                </a:solidFill>
+                <a:highlight>
+                  <a:srgbClr val="FFFFFF"/>
+                </a:highlight>
+                <a:latin typeface="Arial"/>
+                <a:ea typeface="Arial"/>
+                <a:cs typeface="Arial"/>
+                <a:sym typeface="Arial"/>
+              </a:rPr>
+              <a:t>The teraflops rating of a GPU or TPU is a measure of its theoretical peak performance. The actual performance of a GPU or TPU will depend on the specific workload and the hardware configuration.</a:t>
+            </a:r>
+            <a:endParaRPr sz="1200">
+              <a:solidFill>
+                <a:srgbClr val="1F1F1F"/>
+              </a:solidFill>
+              <a:highlight>
+                <a:srgbClr val="FFFFFF"/>
+              </a:highlight>
+              <a:latin typeface="Arial"/>
+              <a:ea typeface="Arial"/>
+              <a:cs typeface="Arial"/>
+              <a:sym typeface="Arial"/>
+            </a:endParaRPr>
+          </a:p>
+        </p:txBody>
+      </p:sp>
+    </p:spTree>
+  </p:cSld>
+  <p:clrMapOvr>
+    <a:masterClrMapping/>
+  </p:clrMapOvr>
+</p:sld>
+</file>
+
+<file path=ppt/slides/slide21.xml><?xml version="1.0" encoding="utf-8"?>
+<p:sld xmlns:a="http://schemas.openxmlformats.org/drawingml/2006/main" xmlns:r="http://schemas.openxmlformats.org/officeDocument/2006/relationships" xmlns:mc="http://schemas.openxmlformats.org/markup-compatibility/2006" xmlns:mv="urn:schemas-microsoft-com:mac:vml" xmlns:p="http://schemas.openxmlformats.org/presentationml/2006/main" xmlns:c="http://schemas.openxmlformats.org/drawingml/2006/chart" xmlns:dgm="http://schemas.openxmlformats.org/drawingml/2006/diagram" xmlns:o="urn:schemas-microsoft-com:office:office" xmlns:v="urn:schemas-microsoft-com:vml" xmlns:pvml="urn:schemas-microsoft-com:office:powerpoint" xmlns:com="http://schemas.openxmlformats.org/drawingml/2006/compatibility" xmlns:p14="http://schemas.microsoft.com/office/powerpoint/2010/main" xmlns:p15="http://schemas.microsoft.com/office/powerpoint/2012/main" xmlns:ahyp="http://schemas.microsoft.com/office/drawing/2018/hyperlinkcolor">
+  <p:cSld>
+    <p:spTree>
+      <p:nvGrpSpPr>
+        <p:cNvPr id="188" name="Shape 188"/>
+        <p:cNvGrpSpPr/>
+        <p:nvPr/>
+      </p:nvGrpSpPr>
+      <p:grpSpPr>
+        <a:xfrm>
+          <a:off x="0" y="0"/>
+          <a:ext cx="0" cy="0"/>
+          <a:chOff x="0" y="0"/>
+          <a:chExt cx="0" cy="0"/>
+        </a:xfrm>
+      </p:grpSpPr>
+      <p:sp>
+        <p:nvSpPr>
+          <p:cNvPr id="189" name="Google Shape;189;p33"/>
+          <p:cNvSpPr txBox="1"/>
+          <p:nvPr>
+            <p:ph type="ctrTitle"/>
+          </p:nvPr>
+        </p:nvSpPr>
+        <p:spPr>
+          <a:xfrm>
+            <a:off x="3096250" y="1627200"/>
+            <a:ext cx="2951400" cy="1584300"/>
+          </a:xfrm>
+          <a:prstGeom prst="rect">
+            <a:avLst/>
+          </a:prstGeom>
+        </p:spPr>
+        <p:txBody>
+          <a:bodyPr anchorCtr="0" anchor="ctr" bIns="91425" lIns="91425" spcFirstLastPara="1" rIns="91425" wrap="square" tIns="91425">
+            <a:normAutofit/>
+          </a:bodyPr>
+          <a:lstStyle/>
+          <a:p>
+            <a:pPr indent="0" lvl="0" marL="0" rtl="0" algn="ctr">
+              <a:spcBef>
+                <a:spcPts val="0"/>
+              </a:spcBef>
+              <a:spcAft>
+                <a:spcPts val="0"/>
+              </a:spcAft>
+              <a:buNone/>
+            </a:pPr>
+            <a:r>
+              <a:rPr lang="en"/>
+              <a:t>GPU in Advertising</a:t>
+            </a:r>
+            <a:endParaRPr/>
+          </a:p>
+        </p:txBody>
+      </p:sp>
+      <p:sp>
+        <p:nvSpPr>
+          <p:cNvPr id="190" name="Google Shape;190;p33"/>
+          <p:cNvSpPr txBox="1"/>
+          <p:nvPr>
+            <p:ph idx="1" type="subTitle"/>
+          </p:nvPr>
+        </p:nvSpPr>
+        <p:spPr>
+          <a:xfrm>
+            <a:off x="3096363" y="3266930"/>
+            <a:ext cx="2951400" cy="701400"/>
+          </a:xfrm>
+          <a:prstGeom prst="rect">
+            <a:avLst/>
+          </a:prstGeom>
+        </p:spPr>
+        <p:txBody>
+          <a:bodyPr anchorCtr="0" anchor="b" bIns="91425" lIns="91425" spcFirstLastPara="1" rIns="91425" wrap="square" tIns="91425">
+            <a:normAutofit lnSpcReduction="10000"/>
+          </a:bodyPr>
+          <a:lstStyle/>
+          <a:p>
+            <a:pPr indent="0" lvl="0" marL="0" rtl="0" algn="ctr">
+              <a:spcBef>
+                <a:spcPts val="0"/>
+              </a:spcBef>
+              <a:spcAft>
+                <a:spcPts val="0"/>
+              </a:spcAft>
+              <a:buNone/>
+            </a:pPr>
+            <a:r>
+              <a:rPr lang="en"/>
+              <a:t>How GPU is replacing CPU</a:t>
+            </a:r>
+            <a:endParaRPr/>
+          </a:p>
+        </p:txBody>
+      </p:sp>
+    </p:spTree>
+  </p:cSld>
+  <p:clrMapOvr>
+    <a:masterClrMapping/>
+  </p:clrMapOvr>
+</p:sld>
+</file>
+
+<file path=ppt/slides/slide22.xml><?xml version="1.0" encoding="utf-8"?>
+<p:sld xmlns:a="http://schemas.openxmlformats.org/drawingml/2006/main" xmlns:r="http://schemas.openxmlformats.org/officeDocument/2006/relationships" xmlns:mc="http://schemas.openxmlformats.org/markup-compatibility/2006" xmlns:mv="urn:schemas-microsoft-com:mac:vml" xmlns:p="http://schemas.openxmlformats.org/presentationml/2006/main" xmlns:c="http://schemas.openxmlformats.org/drawingml/2006/chart" xmlns:dgm="http://schemas.openxmlformats.org/drawingml/2006/diagram" xmlns:o="urn:schemas-microsoft-com:office:office" xmlns:v="urn:schemas-microsoft-com:vml" xmlns:pvml="urn:schemas-microsoft-com:office:powerpoint" xmlns:com="http://schemas.openxmlformats.org/drawingml/2006/compatibility" xmlns:p14="http://schemas.microsoft.com/office/powerpoint/2010/main" xmlns:p15="http://schemas.microsoft.com/office/powerpoint/2012/main" xmlns:ahyp="http://schemas.microsoft.com/office/drawing/2018/hyperlinkcolor">
+  <p:cSld>
+    <p:spTree>
+      <p:nvGrpSpPr>
+        <p:cNvPr id="194" name="Shape 194"/>
+        <p:cNvGrpSpPr/>
+        <p:nvPr/>
+      </p:nvGrpSpPr>
+      <p:grpSpPr>
+        <a:xfrm>
+          <a:off x="0" y="0"/>
+          <a:ext cx="0" cy="0"/>
+          <a:chOff x="0" y="0"/>
+          <a:chExt cx="0" cy="0"/>
+        </a:xfrm>
+      </p:grpSpPr>
+      <p:sp>
+        <p:nvSpPr>
+          <p:cNvPr id="195" name="Google Shape;195;p34"/>
+          <p:cNvSpPr txBox="1"/>
+          <p:nvPr>
+            <p:ph type="title"/>
+          </p:nvPr>
+        </p:nvSpPr>
+        <p:spPr>
+          <a:xfrm>
+            <a:off x="311700" y="391350"/>
+            <a:ext cx="8520600" cy="626100"/>
+          </a:xfrm>
+          <a:prstGeom prst="rect">
+            <a:avLst/>
+          </a:prstGeom>
+        </p:spPr>
+        <p:txBody>
+          <a:bodyPr anchorCtr="0" anchor="t" bIns="91425" lIns="91425" spcFirstLastPara="1" rIns="91425" wrap="square" tIns="91425">
+            <a:normAutofit fontScale="90000"/>
+          </a:bodyPr>
+          <a:lstStyle/>
+          <a:p>
+            <a:pPr indent="0" lvl="0" marL="0" rtl="0" algn="l">
+              <a:spcBef>
+                <a:spcPts val="0"/>
+              </a:spcBef>
+              <a:spcAft>
+                <a:spcPts val="0"/>
+              </a:spcAft>
+              <a:buNone/>
+            </a:pPr>
+            <a:r>
+              <a:rPr lang="en"/>
+              <a:t>GPU usage for advertising</a:t>
+            </a:r>
+            <a:endParaRPr/>
+          </a:p>
+        </p:txBody>
+      </p:sp>
+      <p:sp>
+        <p:nvSpPr>
+          <p:cNvPr id="196" name="Google Shape;196;p34"/>
+          <p:cNvSpPr txBox="1"/>
+          <p:nvPr>
+            <p:ph idx="1" type="body"/>
+          </p:nvPr>
+        </p:nvSpPr>
+        <p:spPr>
+          <a:xfrm>
+            <a:off x="311700" y="1152475"/>
+            <a:ext cx="8520600" cy="3416400"/>
+          </a:xfrm>
+          <a:prstGeom prst="rect">
+            <a:avLst/>
+          </a:prstGeom>
+        </p:spPr>
+        <p:txBody>
+          <a:bodyPr anchorCtr="0" anchor="t" bIns="91425" lIns="91425" spcFirstLastPara="1" rIns="91425" wrap="square" tIns="91425">
+            <a:normAutofit/>
+          </a:bodyPr>
+          <a:lstStyle/>
+          <a:p>
+            <a:pPr indent="0" lvl="0" marL="0" rtl="0" algn="l">
+              <a:spcBef>
+                <a:spcPts val="1800"/>
+              </a:spcBef>
+              <a:spcAft>
+                <a:spcPts val="0"/>
+              </a:spcAft>
+              <a:buNone/>
+            </a:pPr>
+            <a:r>
+              <a:rPr lang="en" sz="1200">
+                <a:solidFill>
+                  <a:srgbClr val="1F1F1F"/>
+                </a:solidFill>
+                <a:highlight>
+                  <a:srgbClr val="FFFFFF"/>
+                </a:highlight>
+                <a:latin typeface="Arial"/>
+                <a:ea typeface="Arial"/>
+                <a:cs typeface="Arial"/>
+                <a:sym typeface="Arial"/>
+              </a:rPr>
+              <a:t>GPUs are used in targeted advertising:</a:t>
+            </a:r>
+            <a:endParaRPr sz="1200">
+              <a:solidFill>
+                <a:srgbClr val="1F1F1F"/>
+              </a:solidFill>
+              <a:highlight>
+                <a:srgbClr val="FFFFFF"/>
+              </a:highlight>
+              <a:latin typeface="Arial"/>
+              <a:ea typeface="Arial"/>
+              <a:cs typeface="Arial"/>
+              <a:sym typeface="Arial"/>
+            </a:endParaRPr>
+          </a:p>
+          <a:p>
+            <a:pPr indent="-304800" lvl="0" marL="457200" rtl="0" algn="l">
+              <a:spcBef>
+                <a:spcPts val="1800"/>
+              </a:spcBef>
+              <a:spcAft>
+                <a:spcPts val="0"/>
+              </a:spcAft>
+              <a:buClr>
+                <a:srgbClr val="1F1F1F"/>
+              </a:buClr>
+              <a:buSzPts val="1200"/>
+              <a:buFont typeface="Arial"/>
+              <a:buChar char="●"/>
+            </a:pPr>
+            <a:r>
+              <a:rPr b="1" lang="en" sz="1200">
+                <a:solidFill>
+                  <a:srgbClr val="1F1F1F"/>
+                </a:solidFill>
+                <a:highlight>
+                  <a:srgbClr val="FFFFFF"/>
+                </a:highlight>
+                <a:latin typeface="Arial"/>
+                <a:ea typeface="Arial"/>
+                <a:cs typeface="Arial"/>
+                <a:sym typeface="Arial"/>
+              </a:rPr>
+              <a:t>Real-time bidding: </a:t>
+            </a:r>
+            <a:r>
+              <a:rPr lang="en" sz="1200">
+                <a:solidFill>
+                  <a:srgbClr val="1F1F1F"/>
+                </a:solidFill>
+                <a:highlight>
+                  <a:srgbClr val="FFFFFF"/>
+                </a:highlight>
+                <a:latin typeface="Arial"/>
+                <a:ea typeface="Arial"/>
+                <a:cs typeface="Arial"/>
+                <a:sym typeface="Arial"/>
+              </a:rPr>
+              <a:t>GPUs are used in real-time bidding (RTB) systems to quickly process bids from advertisers and allocate ad space to the highest bidder. This ensures that ads are delivered to the most relevant users in real time.</a:t>
+            </a:r>
+            <a:endParaRPr sz="1200">
+              <a:solidFill>
+                <a:srgbClr val="1F1F1F"/>
+              </a:solidFill>
+              <a:highlight>
+                <a:srgbClr val="FFFFFF"/>
+              </a:highlight>
+              <a:latin typeface="Arial"/>
+              <a:ea typeface="Arial"/>
+              <a:cs typeface="Arial"/>
+              <a:sym typeface="Arial"/>
+            </a:endParaRPr>
+          </a:p>
+          <a:p>
+            <a:pPr indent="-304800" lvl="0" marL="457200" rtl="0" algn="l">
+              <a:spcBef>
+                <a:spcPts val="0"/>
+              </a:spcBef>
+              <a:spcAft>
+                <a:spcPts val="0"/>
+              </a:spcAft>
+              <a:buClr>
+                <a:srgbClr val="1F1F1F"/>
+              </a:buClr>
+              <a:buSzPts val="1200"/>
+              <a:buFont typeface="Arial"/>
+              <a:buChar char="●"/>
+            </a:pPr>
+            <a:r>
+              <a:rPr lang="en" sz="1200">
+                <a:solidFill>
+                  <a:srgbClr val="1F1F1F"/>
+                </a:solidFill>
+                <a:highlight>
+                  <a:srgbClr val="FFFFFF"/>
+                </a:highlight>
+                <a:latin typeface="Arial"/>
+                <a:ea typeface="Arial"/>
+                <a:cs typeface="Arial"/>
+                <a:sym typeface="Arial"/>
+              </a:rPr>
+              <a:t>Personalized recommendations: GPUs are used to personalize recommendations for users based on their browsing history, clickstream data, and other factors. This can help businesses to increase engagement and sales.</a:t>
+            </a:r>
+            <a:endParaRPr sz="1200">
+              <a:solidFill>
+                <a:srgbClr val="1F1F1F"/>
+              </a:solidFill>
+              <a:highlight>
+                <a:srgbClr val="FFFFFF"/>
+              </a:highlight>
+              <a:latin typeface="Arial"/>
+              <a:ea typeface="Arial"/>
+              <a:cs typeface="Arial"/>
+              <a:sym typeface="Arial"/>
+            </a:endParaRPr>
+          </a:p>
+          <a:p>
+            <a:pPr indent="-304800" lvl="0" marL="457200" rtl="0" algn="l">
+              <a:spcBef>
+                <a:spcPts val="0"/>
+              </a:spcBef>
+              <a:spcAft>
+                <a:spcPts val="0"/>
+              </a:spcAft>
+              <a:buClr>
+                <a:srgbClr val="1F1F1F"/>
+              </a:buClr>
+              <a:buSzPts val="1200"/>
+              <a:buFont typeface="Arial"/>
+              <a:buChar char="●"/>
+            </a:pPr>
+            <a:r>
+              <a:rPr lang="en" sz="1200">
+                <a:solidFill>
+                  <a:srgbClr val="1F1F1F"/>
+                </a:solidFill>
+                <a:highlight>
+                  <a:srgbClr val="FFFFFF"/>
+                </a:highlight>
+                <a:latin typeface="Arial"/>
+                <a:ea typeface="Arial"/>
+                <a:cs typeface="Arial"/>
+                <a:sym typeface="Arial"/>
+              </a:rPr>
+              <a:t>Fraud detection: GPUs are used to detect fraudulent ad clicks and impressions. This helps to protect businesses from financial losses.</a:t>
+            </a:r>
+            <a:endParaRPr sz="1200">
+              <a:solidFill>
+                <a:srgbClr val="1F1F1F"/>
+              </a:solidFill>
+              <a:highlight>
+                <a:srgbClr val="FFFFFF"/>
+              </a:highlight>
+              <a:latin typeface="Arial"/>
+              <a:ea typeface="Arial"/>
+              <a:cs typeface="Arial"/>
+              <a:sym typeface="Arial"/>
+            </a:endParaRPr>
+          </a:p>
+          <a:p>
+            <a:pPr indent="0" lvl="0" marL="0" rtl="0" algn="l">
+              <a:spcBef>
+                <a:spcPts val="1100"/>
+              </a:spcBef>
+              <a:spcAft>
+                <a:spcPts val="1200"/>
+              </a:spcAft>
+              <a:buNone/>
+            </a:pPr>
+            <a:r>
+              <a:t/>
+            </a:r>
+            <a:endParaRPr/>
+          </a:p>
+        </p:txBody>
+      </p:sp>
+    </p:spTree>
+  </p:cSld>
+  <p:clrMapOvr>
+    <a:masterClrMapping/>
+  </p:clrMapOvr>
+</p:sld>
+</file>
+
+<file path=ppt/slides/slide23.xml><?xml version="1.0" encoding="utf-8"?>
+<p:sld xmlns:a="http://schemas.openxmlformats.org/drawingml/2006/main" xmlns:r="http://schemas.openxmlformats.org/officeDocument/2006/relationships" xmlns:mc="http://schemas.openxmlformats.org/markup-compatibility/2006" xmlns:mv="urn:schemas-microsoft-com:mac:vml" xmlns:p="http://schemas.openxmlformats.org/presentationml/2006/main" xmlns:c="http://schemas.openxmlformats.org/drawingml/2006/chart" xmlns:dgm="http://schemas.openxmlformats.org/drawingml/2006/diagram" xmlns:o="urn:schemas-microsoft-com:office:office" xmlns:v="urn:schemas-microsoft-com:vml" xmlns:pvml="urn:schemas-microsoft-com:office:powerpoint" xmlns:com="http://schemas.openxmlformats.org/drawingml/2006/compatibility" xmlns:p14="http://schemas.microsoft.com/office/powerpoint/2010/main" xmlns:p15="http://schemas.microsoft.com/office/powerpoint/2012/main" xmlns:ahyp="http://schemas.microsoft.com/office/drawing/2018/hyperlinkcolor">
+  <p:cSld>
+    <p:spTree>
+      <p:nvGrpSpPr>
+        <p:cNvPr id="200" name="Shape 200"/>
+        <p:cNvGrpSpPr/>
+        <p:nvPr/>
+      </p:nvGrpSpPr>
+      <p:grpSpPr>
+        <a:xfrm>
+          <a:off x="0" y="0"/>
+          <a:ext cx="0" cy="0"/>
+          <a:chOff x="0" y="0"/>
+          <a:chExt cx="0" cy="0"/>
+        </a:xfrm>
+      </p:grpSpPr>
+      <p:sp>
+        <p:nvSpPr>
+          <p:cNvPr id="201" name="Google Shape;201;p35"/>
+          <p:cNvSpPr txBox="1"/>
+          <p:nvPr>
+            <p:ph type="ctrTitle"/>
+          </p:nvPr>
+        </p:nvSpPr>
+        <p:spPr>
+          <a:xfrm>
+            <a:off x="3096250" y="1627200"/>
+            <a:ext cx="2951400" cy="1584300"/>
+          </a:xfrm>
+          <a:prstGeom prst="rect">
+            <a:avLst/>
+          </a:prstGeom>
+        </p:spPr>
+        <p:txBody>
+          <a:bodyPr anchorCtr="0" anchor="ctr" bIns="91425" lIns="91425" spcFirstLastPara="1" rIns="91425" wrap="square" tIns="91425">
+            <a:normAutofit/>
+          </a:bodyPr>
+          <a:lstStyle/>
+          <a:p>
+            <a:pPr indent="0" lvl="0" marL="0" rtl="0" algn="ctr">
+              <a:spcBef>
+                <a:spcPts val="0"/>
+              </a:spcBef>
+              <a:spcAft>
+                <a:spcPts val="0"/>
+              </a:spcAft>
+              <a:buNone/>
+            </a:pPr>
+            <a:r>
+              <a:rPr lang="en"/>
+              <a:t>Other options</a:t>
+            </a:r>
+            <a:endParaRPr/>
+          </a:p>
+        </p:txBody>
+      </p:sp>
+      <p:sp>
+        <p:nvSpPr>
+          <p:cNvPr id="202" name="Google Shape;202;p35"/>
+          <p:cNvSpPr txBox="1"/>
+          <p:nvPr>
+            <p:ph idx="1" type="subTitle"/>
+          </p:nvPr>
+        </p:nvSpPr>
+        <p:spPr>
+          <a:xfrm>
+            <a:off x="3096363" y="3266930"/>
+            <a:ext cx="2951400" cy="701400"/>
+          </a:xfrm>
+          <a:prstGeom prst="rect">
+            <a:avLst/>
+          </a:prstGeom>
+        </p:spPr>
+        <p:txBody>
+          <a:bodyPr anchorCtr="0" anchor="b" bIns="91425" lIns="91425" spcFirstLastPara="1" rIns="91425" wrap="square" tIns="91425">
+            <a:normAutofit/>
+          </a:bodyPr>
+          <a:lstStyle/>
+          <a:p>
+            <a:pPr indent="0" lvl="0" marL="0" rtl="0" algn="ctr">
+              <a:spcBef>
+                <a:spcPts val="0"/>
+              </a:spcBef>
+              <a:spcAft>
+                <a:spcPts val="0"/>
+              </a:spcAft>
+              <a:buNone/>
+            </a:pPr>
+            <a:r>
+              <a:rPr lang="en"/>
+              <a:t>GPU</a:t>
+            </a:r>
+            <a:endParaRPr/>
+          </a:p>
+        </p:txBody>
+      </p:sp>
+    </p:spTree>
+  </p:cSld>
+  <p:clrMapOvr>
+    <a:masterClrMapping/>
+  </p:clrMapOvr>
+</p:sld>
+</file>
+
+<file path=ppt/slides/slide24.xml><?xml version="1.0" encoding="utf-8"?>
+<p:sld xmlns:a="http://schemas.openxmlformats.org/drawingml/2006/main" xmlns:r="http://schemas.openxmlformats.org/officeDocument/2006/relationships" xmlns:mc="http://schemas.openxmlformats.org/markup-compatibility/2006" xmlns:mv="urn:schemas-microsoft-com:mac:vml" xmlns:p="http://schemas.openxmlformats.org/presentationml/2006/main" xmlns:c="http://schemas.openxmlformats.org/drawingml/2006/chart" xmlns:dgm="http://schemas.openxmlformats.org/drawingml/2006/diagram" xmlns:o="urn:schemas-microsoft-com:office:office" xmlns:v="urn:schemas-microsoft-com:vml" xmlns:pvml="urn:schemas-microsoft-com:office:powerpoint" xmlns:com="http://schemas.openxmlformats.org/drawingml/2006/compatibility" xmlns:p14="http://schemas.microsoft.com/office/powerpoint/2010/main" xmlns:p15="http://schemas.microsoft.com/office/powerpoint/2012/main" xmlns:ahyp="http://schemas.microsoft.com/office/drawing/2018/hyperlinkcolor">
+  <p:cSld>
+    <p:spTree>
+      <p:nvGrpSpPr>
+        <p:cNvPr id="206" name="Shape 206"/>
+        <p:cNvGrpSpPr/>
+        <p:nvPr/>
+      </p:nvGrpSpPr>
+      <p:grpSpPr>
+        <a:xfrm>
+          <a:off x="0" y="0"/>
+          <a:ext cx="0" cy="0"/>
+          <a:chOff x="0" y="0"/>
+          <a:chExt cx="0" cy="0"/>
+        </a:xfrm>
+      </p:grpSpPr>
+      <p:sp>
+        <p:nvSpPr>
+          <p:cNvPr id="207" name="Google Shape;207;p36"/>
+          <p:cNvSpPr txBox="1"/>
+          <p:nvPr>
+            <p:ph type="title"/>
+          </p:nvPr>
+        </p:nvSpPr>
+        <p:spPr>
+          <a:xfrm>
+            <a:off x="311700" y="391350"/>
+            <a:ext cx="8520600" cy="626100"/>
+          </a:xfrm>
+          <a:prstGeom prst="rect">
+            <a:avLst/>
+          </a:prstGeom>
+        </p:spPr>
+        <p:txBody>
+          <a:bodyPr anchorCtr="0" anchor="t" bIns="91425" lIns="91425" spcFirstLastPara="1" rIns="91425" wrap="square" tIns="91425">
+            <a:normAutofit fontScale="90000"/>
+          </a:bodyPr>
+          <a:lstStyle/>
+          <a:p>
+            <a:pPr indent="0" lvl="0" marL="0" rtl="0" algn="l">
+              <a:spcBef>
+                <a:spcPts val="0"/>
+              </a:spcBef>
+              <a:spcAft>
+                <a:spcPts val="0"/>
+              </a:spcAft>
+              <a:buNone/>
+            </a:pPr>
+            <a:r>
+              <a:rPr lang="en"/>
+              <a:t>ASIC</a:t>
+            </a:r>
+            <a:endParaRPr/>
+          </a:p>
+        </p:txBody>
+      </p:sp>
+      <p:sp>
+        <p:nvSpPr>
+          <p:cNvPr id="208" name="Google Shape;208;p36"/>
+          <p:cNvSpPr txBox="1"/>
+          <p:nvPr>
+            <p:ph idx="1" type="body"/>
+          </p:nvPr>
+        </p:nvSpPr>
+        <p:spPr>
+          <a:xfrm>
+            <a:off x="311700" y="1152475"/>
+            <a:ext cx="8520600" cy="3416400"/>
+          </a:xfrm>
+          <a:prstGeom prst="rect">
+            <a:avLst/>
+          </a:prstGeom>
+        </p:spPr>
+        <p:txBody>
+          <a:bodyPr anchorCtr="0" anchor="t" bIns="91425" lIns="91425" spcFirstLastPara="1" rIns="91425" wrap="square" tIns="91425">
+            <a:normAutofit/>
+          </a:bodyPr>
+          <a:lstStyle/>
+          <a:p>
+            <a:pPr indent="0" lvl="0" marL="0" rtl="0" algn="l">
+              <a:spcBef>
+                <a:spcPts val="0"/>
+              </a:spcBef>
+              <a:spcAft>
+                <a:spcPts val="0"/>
+              </a:spcAft>
+              <a:buNone/>
+            </a:pPr>
+            <a:r>
+              <a:rPr lang="en" sz="1200">
+                <a:solidFill>
+                  <a:srgbClr val="1F1F1F"/>
+                </a:solidFill>
+                <a:highlight>
+                  <a:srgbClr val="FFFFFF"/>
+                </a:highlight>
+                <a:latin typeface="Arial"/>
+                <a:ea typeface="Arial"/>
+                <a:cs typeface="Arial"/>
+                <a:sym typeface="Arial"/>
+              </a:rPr>
+              <a:t>ASIC stands for Application-Specific Integrated Circuit. It is a chip that is specifically designed for a particular task, such as mining cryptocurrency or processing video. GPUs, on the other hand, are more general-purpose chips that can be used for a variety of tasks, such as gaming, video editing, and machine learning.</a:t>
+            </a:r>
+            <a:endParaRPr sz="1200">
+              <a:solidFill>
+                <a:srgbClr val="1F1F1F"/>
+              </a:solidFill>
+              <a:highlight>
+                <a:srgbClr val="FFFFFF"/>
+              </a:highlight>
+              <a:latin typeface="Arial"/>
+              <a:ea typeface="Arial"/>
+              <a:cs typeface="Arial"/>
+              <a:sym typeface="Arial"/>
+            </a:endParaRPr>
+          </a:p>
+          <a:p>
+            <a:pPr indent="0" lvl="0" marL="0" rtl="0" algn="l">
+              <a:spcBef>
+                <a:spcPts val="1200"/>
+              </a:spcBef>
+              <a:spcAft>
+                <a:spcPts val="0"/>
+              </a:spcAft>
+              <a:buNone/>
+            </a:pPr>
+            <a:r>
+              <a:t/>
+            </a:r>
+            <a:endParaRPr sz="1200">
+              <a:solidFill>
+                <a:srgbClr val="1F1F1F"/>
+              </a:solidFill>
+              <a:highlight>
+                <a:srgbClr val="FFFFFF"/>
+              </a:highlight>
+              <a:latin typeface="Arial"/>
+              <a:ea typeface="Arial"/>
+              <a:cs typeface="Arial"/>
+              <a:sym typeface="Arial"/>
+            </a:endParaRPr>
+          </a:p>
+          <a:p>
+            <a:pPr indent="-304800" lvl="0" marL="457200" rtl="0" algn="l">
+              <a:spcBef>
+                <a:spcPts val="1200"/>
+              </a:spcBef>
+              <a:spcAft>
+                <a:spcPts val="0"/>
+              </a:spcAft>
+              <a:buClr>
+                <a:srgbClr val="1F1F1F"/>
+              </a:buClr>
+              <a:buSzPts val="1200"/>
+              <a:buFont typeface="Arial"/>
+              <a:buChar char="●"/>
+            </a:pPr>
+            <a:r>
+              <a:rPr lang="en" sz="1200">
+                <a:solidFill>
+                  <a:srgbClr val="1F1F1F"/>
+                </a:solidFill>
+                <a:highlight>
+                  <a:srgbClr val="FFFFFF"/>
+                </a:highlight>
+                <a:latin typeface="Arial"/>
+                <a:ea typeface="Arial"/>
+                <a:cs typeface="Arial"/>
+                <a:sym typeface="Arial"/>
+              </a:rPr>
+              <a:t>ASICs are typically more expensive than GPUs. This is because ASICs are custom-designed for a specific task, while GPUs are mass-produced for general use.</a:t>
+            </a:r>
+            <a:endParaRPr sz="1200">
+              <a:solidFill>
+                <a:srgbClr val="1F1F1F"/>
+              </a:solidFill>
+              <a:highlight>
+                <a:srgbClr val="FFFFFF"/>
+              </a:highlight>
+              <a:latin typeface="Arial"/>
+              <a:ea typeface="Arial"/>
+              <a:cs typeface="Arial"/>
+              <a:sym typeface="Arial"/>
+            </a:endParaRPr>
+          </a:p>
+          <a:p>
+            <a:pPr indent="-304800" lvl="0" marL="457200" rtl="0" algn="l">
+              <a:spcBef>
+                <a:spcPts val="0"/>
+              </a:spcBef>
+              <a:spcAft>
+                <a:spcPts val="0"/>
+              </a:spcAft>
+              <a:buClr>
+                <a:srgbClr val="1F1F1F"/>
+              </a:buClr>
+              <a:buSzPts val="1200"/>
+              <a:buFont typeface="Arial"/>
+              <a:buChar char="●"/>
+            </a:pPr>
+            <a:r>
+              <a:rPr lang="en" sz="1200">
+                <a:solidFill>
+                  <a:srgbClr val="1F1F1F"/>
+                </a:solidFill>
+                <a:highlight>
+                  <a:srgbClr val="FFFFFF"/>
+                </a:highlight>
+                <a:latin typeface="Arial"/>
+                <a:ea typeface="Arial"/>
+                <a:cs typeface="Arial"/>
+                <a:sym typeface="Arial"/>
+              </a:rPr>
+              <a:t>ASICs require less power than GPUs. This is because ASICs are designed to perform a specific task very efficiently, while GPUs are designed to be more flexible.</a:t>
+            </a:r>
+            <a:endParaRPr sz="1200">
+              <a:solidFill>
+                <a:srgbClr val="1F1F1F"/>
+              </a:solidFill>
+              <a:highlight>
+                <a:srgbClr val="FFFFFF"/>
+              </a:highlight>
+              <a:latin typeface="Arial"/>
+              <a:ea typeface="Arial"/>
+              <a:cs typeface="Arial"/>
+              <a:sym typeface="Arial"/>
+            </a:endParaRPr>
+          </a:p>
+          <a:p>
+            <a:pPr indent="0" lvl="0" marL="457200" rtl="0" algn="l">
+              <a:spcBef>
+                <a:spcPts val="1100"/>
+              </a:spcBef>
+              <a:spcAft>
+                <a:spcPts val="0"/>
+              </a:spcAft>
+              <a:buNone/>
+            </a:pPr>
+            <a:r>
+              <a:t/>
+            </a:r>
+            <a:endParaRPr sz="1200">
+              <a:solidFill>
+                <a:srgbClr val="1F1F1F"/>
+              </a:solidFill>
+              <a:highlight>
+                <a:srgbClr val="FFFFFF"/>
+              </a:highlight>
+              <a:latin typeface="Arial"/>
+              <a:ea typeface="Arial"/>
+              <a:cs typeface="Arial"/>
+              <a:sym typeface="Arial"/>
+            </a:endParaRPr>
+          </a:p>
+          <a:p>
+            <a:pPr indent="0" lvl="0" marL="0" rtl="0" algn="l">
+              <a:spcBef>
+                <a:spcPts val="300"/>
+              </a:spcBef>
+              <a:spcAft>
+                <a:spcPts val="0"/>
+              </a:spcAft>
+              <a:buNone/>
+            </a:pPr>
+            <a:r>
+              <a:t/>
+            </a:r>
+            <a:endParaRPr sz="1200">
+              <a:solidFill>
+                <a:srgbClr val="1F1F1F"/>
+              </a:solidFill>
+              <a:highlight>
+                <a:srgbClr val="FFFFFF"/>
+              </a:highlight>
+              <a:latin typeface="Arial"/>
+              <a:ea typeface="Arial"/>
+              <a:cs typeface="Arial"/>
+              <a:sym typeface="Arial"/>
+            </a:endParaRPr>
+          </a:p>
+          <a:p>
+            <a:pPr indent="0" lvl="0" marL="0" rtl="0" algn="l">
+              <a:spcBef>
+                <a:spcPts val="1200"/>
+              </a:spcBef>
+              <a:spcAft>
+                <a:spcPts val="1200"/>
+              </a:spcAft>
+              <a:buNone/>
+            </a:pPr>
+            <a:r>
+              <a:t/>
+            </a:r>
+            <a:endParaRPr sz="1200">
+              <a:solidFill>
+                <a:srgbClr val="1F1F1F"/>
+              </a:solidFill>
+              <a:highlight>
+                <a:srgbClr val="FFFFFF"/>
+              </a:highlight>
+              <a:latin typeface="Arial"/>
+              <a:ea typeface="Arial"/>
+              <a:cs typeface="Arial"/>
+              <a:sym typeface="Arial"/>
+            </a:endParaRPr>
+          </a:p>
+        </p:txBody>
+      </p:sp>
+    </p:spTree>
+  </p:cSld>
+  <p:clrMapOvr>
+    <a:masterClrMapping/>
+  </p:clrMapOvr>
+</p:sld>
+</file>
+
+<file path=ppt/slides/slide25.xml><?xml version="1.0" encoding="utf-8"?>
+<p:sld xmlns:a="http://schemas.openxmlformats.org/drawingml/2006/main" xmlns:r="http://schemas.openxmlformats.org/officeDocument/2006/relationships" xmlns:mc="http://schemas.openxmlformats.org/markup-compatibility/2006" xmlns:mv="urn:schemas-microsoft-com:mac:vml" xmlns:p="http://schemas.openxmlformats.org/presentationml/2006/main" xmlns:c="http://schemas.openxmlformats.org/drawingml/2006/chart" xmlns:dgm="http://schemas.openxmlformats.org/drawingml/2006/diagram" xmlns:o="urn:schemas-microsoft-com:office:office" xmlns:v="urn:schemas-microsoft-com:vml" xmlns:pvml="urn:schemas-microsoft-com:office:powerpoint" xmlns:com="http://schemas.openxmlformats.org/drawingml/2006/compatibility" xmlns:p14="http://schemas.microsoft.com/office/powerpoint/2010/main" xmlns:p15="http://schemas.microsoft.com/office/powerpoint/2012/main" xmlns:ahyp="http://schemas.microsoft.com/office/drawing/2018/hyperlinkcolor">
+  <p:cSld>
+    <p:spTree>
+      <p:nvGrpSpPr>
+        <p:cNvPr id="212" name="Shape 212"/>
+        <p:cNvGrpSpPr/>
+        <p:nvPr/>
+      </p:nvGrpSpPr>
+      <p:grpSpPr>
+        <a:xfrm>
+          <a:off x="0" y="0"/>
+          <a:ext cx="0" cy="0"/>
+          <a:chOff x="0" y="0"/>
+          <a:chExt cx="0" cy="0"/>
+        </a:xfrm>
+      </p:grpSpPr>
+      <p:sp>
+        <p:nvSpPr>
+          <p:cNvPr id="213" name="Google Shape;213;p37"/>
+          <p:cNvSpPr txBox="1"/>
+          <p:nvPr>
+            <p:ph type="title"/>
+          </p:nvPr>
+        </p:nvSpPr>
+        <p:spPr>
+          <a:xfrm>
+            <a:off x="311700" y="391350"/>
+            <a:ext cx="8520600" cy="626100"/>
+          </a:xfrm>
+          <a:prstGeom prst="rect">
+            <a:avLst/>
+          </a:prstGeom>
+        </p:spPr>
+        <p:txBody>
+          <a:bodyPr anchorCtr="0" anchor="t" bIns="91425" lIns="91425" spcFirstLastPara="1" rIns="91425" wrap="square" tIns="91425">
+            <a:normAutofit fontScale="90000"/>
+          </a:bodyPr>
+          <a:lstStyle/>
+          <a:p>
+            <a:pPr indent="0" lvl="0" marL="0" rtl="0" algn="l">
+              <a:spcBef>
+                <a:spcPts val="0"/>
+              </a:spcBef>
+              <a:spcAft>
+                <a:spcPts val="0"/>
+              </a:spcAft>
+              <a:buNone/>
+            </a:pPr>
+            <a:r>
+              <a:rPr lang="en"/>
+              <a:t>Future - FPGA</a:t>
+            </a:r>
+            <a:endParaRPr/>
+          </a:p>
+        </p:txBody>
+      </p:sp>
+      <p:sp>
+        <p:nvSpPr>
+          <p:cNvPr id="214" name="Google Shape;214;p37"/>
+          <p:cNvSpPr txBox="1"/>
+          <p:nvPr>
+            <p:ph idx="1" type="body"/>
+          </p:nvPr>
+        </p:nvSpPr>
+        <p:spPr>
+          <a:xfrm>
+            <a:off x="311700" y="1152475"/>
+            <a:ext cx="8520600" cy="3416400"/>
+          </a:xfrm>
+          <a:prstGeom prst="rect">
+            <a:avLst/>
+          </a:prstGeom>
+        </p:spPr>
+        <p:txBody>
+          <a:bodyPr anchorCtr="0" anchor="t" bIns="91425" lIns="91425" spcFirstLastPara="1" rIns="91425" wrap="square" tIns="91425">
+            <a:normAutofit fontScale="92500" lnSpcReduction="10000"/>
+          </a:bodyPr>
+          <a:lstStyle/>
+          <a:p>
+            <a:pPr indent="0" lvl="0" marL="0" rtl="0" algn="l">
+              <a:spcBef>
+                <a:spcPts val="0"/>
+              </a:spcBef>
+              <a:spcAft>
+                <a:spcPts val="0"/>
+              </a:spcAft>
+              <a:buNone/>
+            </a:pPr>
+            <a:r>
+              <a:rPr lang="en" sz="1200">
+                <a:solidFill>
+                  <a:srgbClr val="1F1F1F"/>
+                </a:solidFill>
+                <a:highlight>
+                  <a:srgbClr val="FFFFFF"/>
+                </a:highlight>
+                <a:latin typeface="Arial"/>
+                <a:ea typeface="Arial"/>
+                <a:cs typeface="Arial"/>
+                <a:sym typeface="Arial"/>
+              </a:rPr>
+              <a:t>One of the most promising technologies is the field-programmable gate array (FPGA). FPGAs are reconfigurable chips that can be programmed to perform specific tasks. This makes them well-suited for machine learning and other applications that require a lot of flexibility.</a:t>
+            </a:r>
+            <a:endParaRPr sz="1200">
+              <a:solidFill>
+                <a:srgbClr val="1F1F1F"/>
+              </a:solidFill>
+              <a:highlight>
+                <a:srgbClr val="FFFFFF"/>
+              </a:highlight>
+              <a:latin typeface="Arial"/>
+              <a:ea typeface="Arial"/>
+              <a:cs typeface="Arial"/>
+              <a:sym typeface="Arial"/>
+            </a:endParaRPr>
+          </a:p>
+          <a:p>
+            <a:pPr indent="0" lvl="0" marL="0" rtl="0" algn="l">
+              <a:spcBef>
+                <a:spcPts val="1800"/>
+              </a:spcBef>
+              <a:spcAft>
+                <a:spcPts val="0"/>
+              </a:spcAft>
+              <a:buNone/>
+            </a:pPr>
+            <a:r>
+              <a:rPr lang="en" sz="1200">
+                <a:solidFill>
+                  <a:srgbClr val="1F1F1F"/>
+                </a:solidFill>
+                <a:highlight>
+                  <a:srgbClr val="FFFFFF"/>
+                </a:highlight>
+                <a:latin typeface="Arial"/>
+                <a:ea typeface="Arial"/>
+                <a:cs typeface="Arial"/>
+                <a:sym typeface="Arial"/>
+              </a:rPr>
+              <a:t>Another promising technology is the neuromorphic chip. Neuromorphic chips are designed to mimic the way that neurons in the human brain work. This makes them well-suited for machine learning tasks that require a lot of parallel processing.</a:t>
+            </a:r>
+            <a:endParaRPr sz="1200">
+              <a:solidFill>
+                <a:srgbClr val="1F1F1F"/>
+              </a:solidFill>
+              <a:highlight>
+                <a:srgbClr val="FFFFFF"/>
+              </a:highlight>
+              <a:latin typeface="Arial"/>
+              <a:ea typeface="Arial"/>
+              <a:cs typeface="Arial"/>
+              <a:sym typeface="Arial"/>
+            </a:endParaRPr>
+          </a:p>
+          <a:p>
+            <a:pPr indent="0" lvl="0" marL="0" rtl="0" algn="l">
+              <a:spcBef>
+                <a:spcPts val="1800"/>
+              </a:spcBef>
+              <a:spcAft>
+                <a:spcPts val="0"/>
+              </a:spcAft>
+              <a:buNone/>
+            </a:pPr>
+            <a:r>
+              <a:rPr lang="en" sz="1200">
+                <a:solidFill>
+                  <a:srgbClr val="1F1F1F"/>
+                </a:solidFill>
+                <a:highlight>
+                  <a:srgbClr val="FFFFFF"/>
+                </a:highlight>
+                <a:latin typeface="Arial"/>
+                <a:ea typeface="Arial"/>
+                <a:cs typeface="Arial"/>
+                <a:sym typeface="Arial"/>
+              </a:rPr>
+              <a:t>In addition to FPGAs and neuromorphic chips, there are a number of other emerging technologies that have the potential to impact the future of GPUs. These include:</a:t>
+            </a:r>
+            <a:endParaRPr sz="1200">
+              <a:solidFill>
+                <a:srgbClr val="1F1F1F"/>
+              </a:solidFill>
+              <a:highlight>
+                <a:srgbClr val="FFFFFF"/>
+              </a:highlight>
+              <a:latin typeface="Arial"/>
+              <a:ea typeface="Arial"/>
+              <a:cs typeface="Arial"/>
+              <a:sym typeface="Arial"/>
+            </a:endParaRPr>
+          </a:p>
+          <a:p>
+            <a:pPr indent="-299085" lvl="0" marL="457200" rtl="0" algn="l">
+              <a:spcBef>
+                <a:spcPts val="1800"/>
+              </a:spcBef>
+              <a:spcAft>
+                <a:spcPts val="0"/>
+              </a:spcAft>
+              <a:buClr>
+                <a:srgbClr val="1F1F1F"/>
+              </a:buClr>
+              <a:buSzPct val="100000"/>
+              <a:buFont typeface="Arial"/>
+              <a:buChar char="●"/>
+            </a:pPr>
+            <a:r>
+              <a:rPr lang="en" sz="1200">
+                <a:solidFill>
+                  <a:srgbClr val="1F1F1F"/>
+                </a:solidFill>
+                <a:highlight>
+                  <a:srgbClr val="FFFFFF"/>
+                </a:highlight>
+                <a:latin typeface="Arial"/>
+                <a:ea typeface="Arial"/>
+                <a:cs typeface="Arial"/>
+                <a:sym typeface="Arial"/>
+              </a:rPr>
+              <a:t>Optical chips. Optical chips use light to perform computations, which can be much faster than traditional electronic chips.</a:t>
+            </a:r>
+            <a:endParaRPr sz="1200">
+              <a:solidFill>
+                <a:srgbClr val="1F1F1F"/>
+              </a:solidFill>
+              <a:highlight>
+                <a:srgbClr val="FFFFFF"/>
+              </a:highlight>
+              <a:latin typeface="Arial"/>
+              <a:ea typeface="Arial"/>
+              <a:cs typeface="Arial"/>
+              <a:sym typeface="Arial"/>
+            </a:endParaRPr>
+          </a:p>
+          <a:p>
+            <a:pPr indent="-299085" lvl="0" marL="457200" rtl="0" algn="l">
+              <a:spcBef>
+                <a:spcPts val="0"/>
+              </a:spcBef>
+              <a:spcAft>
+                <a:spcPts val="0"/>
+              </a:spcAft>
+              <a:buClr>
+                <a:srgbClr val="1F1F1F"/>
+              </a:buClr>
+              <a:buSzPct val="100000"/>
+              <a:buFont typeface="Arial"/>
+              <a:buChar char="●"/>
+            </a:pPr>
+            <a:r>
+              <a:rPr lang="en" sz="1200">
+                <a:solidFill>
+                  <a:srgbClr val="1F1F1F"/>
+                </a:solidFill>
+                <a:highlight>
+                  <a:srgbClr val="FFFFFF"/>
+                </a:highlight>
+                <a:latin typeface="Arial"/>
+                <a:ea typeface="Arial"/>
+                <a:cs typeface="Arial"/>
+                <a:sym typeface="Arial"/>
+              </a:rPr>
+              <a:t>Quantum chips. Quantum chips use quantum mechanics to perform computations, which can be even faster than optical chips.</a:t>
+            </a:r>
+            <a:endParaRPr sz="1200">
+              <a:solidFill>
+                <a:srgbClr val="1F1F1F"/>
+              </a:solidFill>
+              <a:highlight>
+                <a:srgbClr val="FFFFFF"/>
+              </a:highlight>
+              <a:latin typeface="Arial"/>
+              <a:ea typeface="Arial"/>
+              <a:cs typeface="Arial"/>
+              <a:sym typeface="Arial"/>
+            </a:endParaRPr>
+          </a:p>
+          <a:p>
+            <a:pPr indent="-299085" lvl="0" marL="457200" rtl="0" algn="l">
+              <a:spcBef>
+                <a:spcPts val="0"/>
+              </a:spcBef>
+              <a:spcAft>
+                <a:spcPts val="0"/>
+              </a:spcAft>
+              <a:buClr>
+                <a:srgbClr val="1F1F1F"/>
+              </a:buClr>
+              <a:buSzPct val="100000"/>
+              <a:buFont typeface="Arial"/>
+              <a:buChar char="●"/>
+            </a:pPr>
+            <a:r>
+              <a:rPr lang="en" sz="1200">
+                <a:solidFill>
+                  <a:srgbClr val="1F1F1F"/>
+                </a:solidFill>
+                <a:highlight>
+                  <a:srgbClr val="FFFFFF"/>
+                </a:highlight>
+                <a:latin typeface="Arial"/>
+                <a:ea typeface="Arial"/>
+                <a:cs typeface="Arial"/>
+                <a:sym typeface="Arial"/>
+              </a:rPr>
+              <a:t>Memristors. Memristors are memory devices that can also be used to perform computations. This makes them a promising technology for hybrid CPU/GPU architectures.</a:t>
+            </a:r>
+            <a:endParaRPr sz="1200">
+              <a:solidFill>
+                <a:srgbClr val="1F1F1F"/>
+              </a:solidFill>
+              <a:highlight>
+                <a:srgbClr val="FFFFFF"/>
+              </a:highlight>
+              <a:latin typeface="Arial"/>
+              <a:ea typeface="Arial"/>
+              <a:cs typeface="Arial"/>
+              <a:sym typeface="Arial"/>
+            </a:endParaRPr>
+          </a:p>
+          <a:p>
+            <a:pPr indent="0" lvl="0" marL="0" rtl="0" algn="l">
+              <a:spcBef>
+                <a:spcPts val="1100"/>
+              </a:spcBef>
+              <a:spcAft>
+                <a:spcPts val="1200"/>
+              </a:spcAft>
+              <a:buNone/>
+            </a:pPr>
+            <a:r>
+              <a:t/>
+            </a:r>
+            <a:endParaRPr sz="1200">
+              <a:solidFill>
+                <a:srgbClr val="1F1F1F"/>
+              </a:solidFill>
+              <a:highlight>
+                <a:srgbClr val="FFFFFF"/>
+              </a:highlight>
+              <a:latin typeface="Arial"/>
+              <a:ea typeface="Arial"/>
+              <a:cs typeface="Arial"/>
+              <a:sym typeface="Arial"/>
+            </a:endParaRPr>
+          </a:p>
+        </p:txBody>
+      </p:sp>
+    </p:spTree>
+  </p:cSld>
+  <p:clrMapOvr>
+    <a:masterClrMapping/>
+  </p:clrMapOvr>
+</p:sld>
+</file>
+
+<file path=ppt/slides/slide26.xml><?xml version="1.0" encoding="utf-8"?>
+<p:sld xmlns:a="http://schemas.openxmlformats.org/drawingml/2006/main" xmlns:r="http://schemas.openxmlformats.org/officeDocument/2006/relationships" xmlns:mc="http://schemas.openxmlformats.org/markup-compatibility/2006" xmlns:mv="urn:schemas-microsoft-com:mac:vml" xmlns:p="http://schemas.openxmlformats.org/presentationml/2006/main" xmlns:c="http://schemas.openxmlformats.org/drawingml/2006/chart" xmlns:dgm="http://schemas.openxmlformats.org/drawingml/2006/diagram" xmlns:o="urn:schemas-microsoft-com:office:office" xmlns:v="urn:schemas-microsoft-com:vml" xmlns:pvml="urn:schemas-microsoft-com:office:powerpoint" xmlns:com="http://schemas.openxmlformats.org/drawingml/2006/compatibility" xmlns:p14="http://schemas.microsoft.com/office/powerpoint/2010/main" xmlns:p15="http://schemas.microsoft.com/office/powerpoint/2012/main" xmlns:ahyp="http://schemas.microsoft.com/office/drawing/2018/hyperlinkcolor">
+  <p:cSld>
+    <p:spTree>
+      <p:nvGrpSpPr>
+        <p:cNvPr id="218" name="Shape 218"/>
+        <p:cNvGrpSpPr/>
+        <p:nvPr/>
+      </p:nvGrpSpPr>
+      <p:grpSpPr>
+        <a:xfrm>
+          <a:off x="0" y="0"/>
+          <a:ext cx="0" cy="0"/>
+          <a:chOff x="0" y="0"/>
+          <a:chExt cx="0" cy="0"/>
+        </a:xfrm>
+      </p:grpSpPr>
+      <p:sp>
+        <p:nvSpPr>
+          <p:cNvPr id="219" name="Google Shape;219;p38"/>
+          <p:cNvSpPr txBox="1"/>
+          <p:nvPr>
+            <p:ph type="title"/>
+          </p:nvPr>
+        </p:nvSpPr>
+        <p:spPr>
+          <a:xfrm>
+            <a:off x="311700" y="391350"/>
+            <a:ext cx="8520600" cy="626100"/>
+          </a:xfrm>
+          <a:prstGeom prst="rect">
+            <a:avLst/>
+          </a:prstGeom>
+        </p:spPr>
+        <p:txBody>
+          <a:bodyPr anchorCtr="0" anchor="t" bIns="91425" lIns="91425" spcFirstLastPara="1" rIns="91425" wrap="square" tIns="91425">
+            <a:normAutofit fontScale="90000"/>
+          </a:bodyPr>
+          <a:lstStyle/>
+          <a:p>
+            <a:pPr indent="0" lvl="0" marL="0" rtl="0" algn="l">
+              <a:spcBef>
+                <a:spcPts val="0"/>
+              </a:spcBef>
+              <a:spcAft>
+                <a:spcPts val="0"/>
+              </a:spcAft>
+              <a:buNone/>
+            </a:pPr>
+            <a:r>
+              <a:rPr lang="en"/>
+              <a:t>Future chips</a:t>
+            </a:r>
+            <a:endParaRPr/>
+          </a:p>
+        </p:txBody>
+      </p:sp>
+      <p:sp>
+        <p:nvSpPr>
+          <p:cNvPr id="220" name="Google Shape;220;p38"/>
+          <p:cNvSpPr txBox="1"/>
+          <p:nvPr>
+            <p:ph idx="1" type="body"/>
+          </p:nvPr>
+        </p:nvSpPr>
+        <p:spPr>
+          <a:xfrm>
+            <a:off x="311700" y="1152475"/>
+            <a:ext cx="8520600" cy="3416400"/>
+          </a:xfrm>
+          <a:prstGeom prst="rect">
+            <a:avLst/>
+          </a:prstGeom>
+        </p:spPr>
+        <p:txBody>
+          <a:bodyPr anchorCtr="0" anchor="t" bIns="91425" lIns="91425" spcFirstLastPara="1" rIns="91425" wrap="square" tIns="91425">
+            <a:normAutofit/>
+          </a:bodyPr>
+          <a:lstStyle/>
+          <a:p>
+            <a:pPr indent="-304800" lvl="0" marL="457200" rtl="0" algn="l">
+              <a:spcBef>
+                <a:spcPts val="300"/>
+              </a:spcBef>
+              <a:spcAft>
+                <a:spcPts val="0"/>
+              </a:spcAft>
+              <a:buClr>
+                <a:srgbClr val="1F1F1F"/>
+              </a:buClr>
+              <a:buSzPts val="1200"/>
+              <a:buFont typeface="Arial"/>
+              <a:buChar char="●"/>
+            </a:pPr>
+            <a:r>
+              <a:rPr lang="en" sz="1200">
+                <a:solidFill>
+                  <a:srgbClr val="1F1F1F"/>
+                </a:solidFill>
+                <a:highlight>
+                  <a:srgbClr val="FFFFFF"/>
+                </a:highlight>
+                <a:latin typeface="Arial"/>
+                <a:ea typeface="Arial"/>
+                <a:cs typeface="Arial"/>
+                <a:sym typeface="Arial"/>
+              </a:rPr>
+              <a:t>FPGAs could be used to create custom accelerators for specific machine learning tasks. This would allow for even faster performance than is currently possible with GPUs.</a:t>
+            </a:r>
+            <a:endParaRPr sz="1200">
+              <a:solidFill>
+                <a:srgbClr val="1F1F1F"/>
+              </a:solidFill>
+              <a:highlight>
+                <a:srgbClr val="FFFFFF"/>
+              </a:highlight>
+              <a:latin typeface="Arial"/>
+              <a:ea typeface="Arial"/>
+              <a:cs typeface="Arial"/>
+              <a:sym typeface="Arial"/>
+            </a:endParaRPr>
+          </a:p>
+          <a:p>
+            <a:pPr indent="-304800" lvl="0" marL="457200" rtl="0" algn="l">
+              <a:spcBef>
+                <a:spcPts val="0"/>
+              </a:spcBef>
+              <a:spcAft>
+                <a:spcPts val="0"/>
+              </a:spcAft>
+              <a:buClr>
+                <a:srgbClr val="1F1F1F"/>
+              </a:buClr>
+              <a:buSzPts val="1200"/>
+              <a:buFont typeface="Arial"/>
+              <a:buChar char="●"/>
+            </a:pPr>
+            <a:r>
+              <a:rPr lang="en" sz="1200">
+                <a:solidFill>
+                  <a:srgbClr val="1F1F1F"/>
+                </a:solidFill>
+                <a:highlight>
+                  <a:srgbClr val="FFFFFF"/>
+                </a:highlight>
+                <a:latin typeface="Arial"/>
+                <a:ea typeface="Arial"/>
+                <a:cs typeface="Arial"/>
+                <a:sym typeface="Arial"/>
+              </a:rPr>
+              <a:t>Neuromorphic chips could be used to create brain-inspired AI systems that are more efficient and powerful than current AI systems. This could lead to major advances in areas such as healthcare, transportation, and security.</a:t>
+            </a:r>
+            <a:endParaRPr sz="1200">
+              <a:solidFill>
+                <a:srgbClr val="1F1F1F"/>
+              </a:solidFill>
+              <a:highlight>
+                <a:srgbClr val="FFFFFF"/>
+              </a:highlight>
+              <a:latin typeface="Arial"/>
+              <a:ea typeface="Arial"/>
+              <a:cs typeface="Arial"/>
+              <a:sym typeface="Arial"/>
+            </a:endParaRPr>
+          </a:p>
+          <a:p>
+            <a:pPr indent="-304800" lvl="0" marL="457200" rtl="0" algn="l">
+              <a:spcBef>
+                <a:spcPts val="0"/>
+              </a:spcBef>
+              <a:spcAft>
+                <a:spcPts val="0"/>
+              </a:spcAft>
+              <a:buClr>
+                <a:srgbClr val="1F1F1F"/>
+              </a:buClr>
+              <a:buSzPts val="1200"/>
+              <a:buFont typeface="Arial"/>
+              <a:buChar char="●"/>
+            </a:pPr>
+            <a:r>
+              <a:rPr lang="en" sz="1200">
+                <a:solidFill>
+                  <a:srgbClr val="1F1F1F"/>
+                </a:solidFill>
+                <a:highlight>
+                  <a:srgbClr val="FFFFFF"/>
+                </a:highlight>
+                <a:latin typeface="Arial"/>
+                <a:ea typeface="Arial"/>
+                <a:cs typeface="Arial"/>
+                <a:sym typeface="Arial"/>
+              </a:rPr>
+              <a:t>Optical chips could be used to create data centers that are much faster and more energy-efficient than current data centers. This could help to reduce the environmental impact of computing.</a:t>
+            </a:r>
+            <a:endParaRPr sz="1200">
+              <a:solidFill>
+                <a:srgbClr val="1F1F1F"/>
+              </a:solidFill>
+              <a:highlight>
+                <a:srgbClr val="FFFFFF"/>
+              </a:highlight>
+              <a:latin typeface="Arial"/>
+              <a:ea typeface="Arial"/>
+              <a:cs typeface="Arial"/>
+              <a:sym typeface="Arial"/>
+            </a:endParaRPr>
+          </a:p>
+          <a:p>
+            <a:pPr indent="-304800" lvl="0" marL="457200" rtl="0" algn="l">
+              <a:spcBef>
+                <a:spcPts val="0"/>
+              </a:spcBef>
+              <a:spcAft>
+                <a:spcPts val="0"/>
+              </a:spcAft>
+              <a:buClr>
+                <a:srgbClr val="1F1F1F"/>
+              </a:buClr>
+              <a:buSzPts val="1200"/>
+              <a:buFont typeface="Arial"/>
+              <a:buChar char="●"/>
+            </a:pPr>
+            <a:r>
+              <a:rPr lang="en" sz="1200">
+                <a:solidFill>
+                  <a:srgbClr val="1F1F1F"/>
+                </a:solidFill>
+                <a:highlight>
+                  <a:srgbClr val="FFFFFF"/>
+                </a:highlight>
+                <a:latin typeface="Arial"/>
+                <a:ea typeface="Arial"/>
+                <a:cs typeface="Arial"/>
+                <a:sym typeface="Arial"/>
+              </a:rPr>
+              <a:t>Quantum chips could be used to create quantum computers that are capable of solving problems that are currently impossible for classical computers. This could lead to major advances in areas such as cryptography, drug discovery, and materials science.</a:t>
+            </a:r>
+            <a:endParaRPr sz="1200">
+              <a:solidFill>
+                <a:srgbClr val="1F1F1F"/>
+              </a:solidFill>
+              <a:highlight>
+                <a:srgbClr val="FFFFFF"/>
+              </a:highlight>
+              <a:latin typeface="Arial"/>
+              <a:ea typeface="Arial"/>
+              <a:cs typeface="Arial"/>
+              <a:sym typeface="Arial"/>
+            </a:endParaRPr>
+          </a:p>
+          <a:p>
+            <a:pPr indent="0" lvl="0" marL="0" rtl="0" algn="l">
+              <a:spcBef>
+                <a:spcPts val="1100"/>
+              </a:spcBef>
+              <a:spcAft>
+                <a:spcPts val="1200"/>
+              </a:spcAft>
+              <a:buNone/>
+            </a:pPr>
+            <a:r>
+              <a:t/>
+            </a:r>
+            <a:endParaRPr/>
+          </a:p>
+        </p:txBody>
+      </p:sp>
+    </p:spTree>
+  </p:cSld>
+  <p:clrMapOvr>
+    <a:masterClrMapping/>
+  </p:clrMapOvr>
+</p:sld>
+</file>
+
 <file path=ppt/slides/slide3.xml><?xml version="1.0" encoding="utf-8"?>
 <p:sld xmlns:a="http://schemas.openxmlformats.org/drawingml/2006/main" xmlns:r="http://schemas.openxmlformats.org/officeDocument/2006/relationships" xmlns:mc="http://schemas.openxmlformats.org/markup-compatibility/2006" xmlns:mv="urn:schemas-microsoft-com:mac:vml" xmlns:p="http://schemas.openxmlformats.org/presentationml/2006/main" xmlns:c="http://schemas.openxmlformats.org/drawingml/2006/chart" xmlns:dgm="http://schemas.openxmlformats.org/drawingml/2006/diagram" xmlns:o="urn:schemas-microsoft-com:office:office" xmlns:v="urn:schemas-microsoft-com:vml" xmlns:pvml="urn:schemas-microsoft-com:office:powerpoint" xmlns:com="http://schemas.openxmlformats.org/drawingml/2006/compatibility" xmlns:p14="http://schemas.microsoft.com/office/powerpoint/2010/main" xmlns:p15="http://schemas.microsoft.com/office/powerpoint/2012/main" xmlns:ahyp="http://schemas.microsoft.com/office/drawing/2018/hyperlinkcolor">
   <p:cSld>
@@ -9811,7 +13109,7 @@
             </a:pPr>
             <a:r>
               <a:rPr lang="en"/>
-              <a:t>Large Language Models and GPU/TPU</a:t>
+              <a:t>Why CPUs are unsuitable</a:t>
             </a:r>
             <a:endParaRPr/>
           </a:p>
@@ -9840,69 +13138,146 @@
           </a:bodyPr>
           <a:lstStyle/>
           <a:p>
+            <a:pPr indent="-304800" lvl="0" marL="457200" rtl="0" algn="l">
+              <a:spcBef>
+                <a:spcPts val="300"/>
+              </a:spcBef>
+              <a:spcAft>
+                <a:spcPts val="0"/>
+              </a:spcAft>
+              <a:buClr>
+                <a:srgbClr val="1F1F1F"/>
+              </a:buClr>
+              <a:buSzPts val="1200"/>
+              <a:buFont typeface="Arial"/>
+              <a:buChar char="●"/>
+            </a:pPr>
+            <a:r>
+              <a:rPr lang="en" sz="1200">
+                <a:solidFill>
+                  <a:srgbClr val="1F1F1F"/>
+                </a:solidFill>
+                <a:highlight>
+                  <a:srgbClr val="FFFFFF"/>
+                </a:highlight>
+                <a:latin typeface="Arial"/>
+                <a:ea typeface="Arial"/>
+                <a:cs typeface="Arial"/>
+                <a:sym typeface="Arial"/>
+              </a:rPr>
+              <a:t>CPUs are designed for serial processing. This means that they can only process one task at a time. In contrast, GPUs are designed for parallel processing, which means that they can process multiple tasks at the same time. This makes GPUs much faster for tasks that can be broken down into smaller parallel tasks, such as training neural networks.</a:t>
+            </a:r>
+            <a:endParaRPr sz="1200">
+              <a:solidFill>
+                <a:srgbClr val="1F1F1F"/>
+              </a:solidFill>
+              <a:highlight>
+                <a:srgbClr val="FFFFFF"/>
+              </a:highlight>
+              <a:latin typeface="Arial"/>
+              <a:ea typeface="Arial"/>
+              <a:cs typeface="Arial"/>
+              <a:sym typeface="Arial"/>
+            </a:endParaRPr>
+          </a:p>
+          <a:p>
+            <a:pPr indent="-304800" lvl="0" marL="457200" rtl="0" algn="l">
+              <a:spcBef>
+                <a:spcPts val="0"/>
+              </a:spcBef>
+              <a:spcAft>
+                <a:spcPts val="0"/>
+              </a:spcAft>
+              <a:buClr>
+                <a:srgbClr val="1F1F1F"/>
+              </a:buClr>
+              <a:buSzPts val="1200"/>
+              <a:buFont typeface="Arial"/>
+              <a:buChar char="●"/>
+            </a:pPr>
+            <a:r>
+              <a:rPr lang="en" sz="1200">
+                <a:solidFill>
+                  <a:srgbClr val="1F1F1F"/>
+                </a:solidFill>
+                <a:highlight>
+                  <a:srgbClr val="FFFFFF"/>
+                </a:highlight>
+                <a:latin typeface="Arial"/>
+                <a:ea typeface="Arial"/>
+                <a:cs typeface="Arial"/>
+                <a:sym typeface="Arial"/>
+              </a:rPr>
+              <a:t>CPUs have fewer cores than GPUs. The number of cores in a processor determines how many tasks it can process simultaneously. GPUs typically have many more cores than CPUs, which makes them even faster for parallel processing tasks.</a:t>
+            </a:r>
+            <a:endParaRPr sz="1200">
+              <a:solidFill>
+                <a:srgbClr val="1F1F1F"/>
+              </a:solidFill>
+              <a:highlight>
+                <a:srgbClr val="FFFFFF"/>
+              </a:highlight>
+              <a:latin typeface="Arial"/>
+              <a:ea typeface="Arial"/>
+              <a:cs typeface="Arial"/>
+              <a:sym typeface="Arial"/>
+            </a:endParaRPr>
+          </a:p>
+          <a:p>
+            <a:pPr indent="-304800" lvl="0" marL="457200" rtl="0" algn="l">
+              <a:spcBef>
+                <a:spcPts val="0"/>
+              </a:spcBef>
+              <a:spcAft>
+                <a:spcPts val="0"/>
+              </a:spcAft>
+              <a:buClr>
+                <a:srgbClr val="1F1F1F"/>
+              </a:buClr>
+              <a:buSzPts val="1200"/>
+              <a:buFont typeface="Arial"/>
+              <a:buChar char="●"/>
+            </a:pPr>
+            <a:r>
+              <a:rPr lang="en" sz="1200">
+                <a:solidFill>
+                  <a:srgbClr val="1F1F1F"/>
+                </a:solidFill>
+                <a:highlight>
+                  <a:srgbClr val="FFFFFF"/>
+                </a:highlight>
+                <a:latin typeface="Arial"/>
+                <a:ea typeface="Arial"/>
+                <a:cs typeface="Arial"/>
+                <a:sym typeface="Arial"/>
+              </a:rPr>
+              <a:t>CPUs have less memory bandwidth than GPUs. Memory bandwidth is the rate at which data can be transferred between the processor and memory. GPUs typically have much more memory bandwidth than CPUs, which is important for machine learning tasks that require a lot of data to be processed.</a:t>
+            </a:r>
+            <a:endParaRPr sz="1200">
+              <a:solidFill>
+                <a:srgbClr val="1F1F1F"/>
+              </a:solidFill>
+              <a:highlight>
+                <a:srgbClr val="FFFFFF"/>
+              </a:highlight>
+              <a:latin typeface="Arial"/>
+              <a:ea typeface="Arial"/>
+              <a:cs typeface="Arial"/>
+              <a:sym typeface="Arial"/>
+            </a:endParaRPr>
+          </a:p>
+          <a:p>
             <a:pPr indent="0" lvl="0" marL="0" rtl="0" algn="l">
               <a:spcBef>
-                <a:spcPts val="0"/>
-              </a:spcBef>
-              <a:spcAft>
-                <a:spcPts val="0"/>
-              </a:spcAft>
-              <a:buNone/>
-            </a:pPr>
-            <a:r>
-              <a:rPr lang="en"/>
-              <a:t>Machine Learning workload especially large language model, generative AI require GPU or TPU</a:t>
-            </a:r>
-            <a:endParaRPr/>
-          </a:p>
-          <a:p>
-            <a:pPr indent="-342900" lvl="0" marL="457200" rtl="0" algn="l">
-              <a:spcBef>
+                <a:spcPts val="1100"/>
+              </a:spcBef>
+              <a:spcAft>
                 <a:spcPts val="1200"/>
-              </a:spcBef>
-              <a:spcAft>
-                <a:spcPts val="0"/>
-              </a:spcAft>
-              <a:buSzPts val="1800"/>
-              <a:buChar char="●"/>
-            </a:pPr>
-            <a:r>
-              <a:rPr lang="en"/>
-              <a:t>Training</a:t>
-            </a:r>
-            <a:endParaRPr/>
-          </a:p>
-          <a:p>
-            <a:pPr indent="-342900" lvl="0" marL="457200" rtl="0" algn="l">
-              <a:spcBef>
-                <a:spcPts val="0"/>
-              </a:spcBef>
-              <a:spcAft>
-                <a:spcPts val="0"/>
-              </a:spcAft>
-              <a:buSzPts val="1800"/>
-              <a:buChar char="●"/>
-            </a:pPr>
-            <a:r>
-              <a:rPr lang="en"/>
-              <a:t>Inference</a:t>
-            </a:r>
-            <a:endParaRPr/>
-          </a:p>
-          <a:p>
-            <a:pPr indent="-342900" lvl="0" marL="457200" rtl="0" algn="l">
-              <a:spcBef>
-                <a:spcPts val="0"/>
-              </a:spcBef>
-              <a:spcAft>
-                <a:spcPts val="0"/>
-              </a:spcAft>
-              <a:buSzPts val="1800"/>
-              <a:buChar char="●"/>
-            </a:pPr>
-            <a:r>
-              <a:rPr lang="en"/>
-              <a:t>Development</a:t>
+              </a:spcAft>
+              <a:buNone/>
+            </a:pPr>
+            <a:r>
+              <a:t/>
             </a:r>
             <a:endParaRPr/>
           </a:p>
@@ -9967,7 +13342,7 @@
             </a:pPr>
             <a:r>
               <a:rPr lang="en"/>
-              <a:t>GPUs for LLM Inference</a:t>
+              <a:t>Large Language Models and GPU/TPU</a:t>
             </a:r>
             <a:endParaRPr/>
           </a:p>
@@ -9992,7 +13367,7 @@
         </p:spPr>
         <p:txBody>
           <a:bodyPr anchorCtr="0" anchor="t" bIns="91425" lIns="91425" spcFirstLastPara="1" rIns="91425" wrap="square" tIns="91425">
-            <a:normAutofit lnSpcReduction="10000"/>
+            <a:normAutofit/>
           </a:bodyPr>
           <a:lstStyle/>
           <a:p>
@@ -10006,341 +13381,59 @@
               <a:buNone/>
             </a:pPr>
             <a:r>
-              <a:rPr lang="en" sz="1100">
-                <a:solidFill>
-                  <a:srgbClr val="1C1917"/>
-                </a:solidFill>
-                <a:highlight>
-                  <a:srgbClr val="FFFFFF"/>
-                </a:highlight>
-                <a:latin typeface="Roboto"/>
-                <a:ea typeface="Roboto"/>
-                <a:cs typeface="Roboto"/>
-                <a:sym typeface="Roboto"/>
-              </a:rPr>
-              <a:t>Here are a few factors to consider when determining how much GPU you need for inference on a large language model:</a:t>
-            </a:r>
-            <a:endParaRPr sz="1100">
-              <a:solidFill>
-                <a:srgbClr val="1C1917"/>
-              </a:solidFill>
-              <a:highlight>
-                <a:srgbClr val="FFFFFF"/>
-              </a:highlight>
-              <a:latin typeface="Roboto"/>
-              <a:ea typeface="Roboto"/>
-              <a:cs typeface="Roboto"/>
-              <a:sym typeface="Roboto"/>
-            </a:endParaRPr>
-          </a:p>
-          <a:p>
-            <a:pPr indent="-298450" lvl="0" marL="457200" rtl="0" algn="l">
-              <a:spcBef>
-                <a:spcPts val="0"/>
-              </a:spcBef>
-              <a:spcAft>
-                <a:spcPts val="0"/>
-              </a:spcAft>
-              <a:buClr>
-                <a:srgbClr val="1C1917"/>
-              </a:buClr>
-              <a:buSzPts val="1100"/>
-              <a:buFont typeface="Roboto"/>
+              <a:rPr lang="en"/>
+              <a:t>Machine Learning workload especially large language model, generative AI require GPU or TPU</a:t>
+            </a:r>
+            <a:endParaRPr/>
+          </a:p>
+          <a:p>
+            <a:pPr indent="-342900" lvl="0" marL="457200" rtl="0" algn="l">
+              <a:spcBef>
+                <a:spcPts val="1200"/>
+              </a:spcBef>
+              <a:spcAft>
+                <a:spcPts val="0"/>
+              </a:spcAft>
+              <a:buSzPts val="1800"/>
               <a:buChar char="●"/>
             </a:pPr>
             <a:r>
-              <a:rPr lang="en" sz="1100">
-                <a:solidFill>
-                  <a:srgbClr val="1C1917"/>
-                </a:solidFill>
-                <a:highlight>
-                  <a:srgbClr val="FFFFFF"/>
-                </a:highlight>
-                <a:latin typeface="Roboto"/>
-                <a:ea typeface="Roboto"/>
-                <a:cs typeface="Roboto"/>
-                <a:sym typeface="Roboto"/>
-              </a:rPr>
-              <a:t>Model size - Larger models with more parameters will require more GPU memory and compute power for inference. Models like GPT-3 and BERT can easily be hundreds of gigabytes to terabytes in size.</a:t>
-            </a:r>
-            <a:endParaRPr sz="1100">
-              <a:solidFill>
-                <a:srgbClr val="1C1917"/>
-              </a:solidFill>
-              <a:highlight>
-                <a:srgbClr val="FFFFFF"/>
-              </a:highlight>
-              <a:latin typeface="Roboto"/>
-              <a:ea typeface="Roboto"/>
-              <a:cs typeface="Roboto"/>
-              <a:sym typeface="Roboto"/>
-            </a:endParaRPr>
-          </a:p>
-          <a:p>
-            <a:pPr indent="-298450" lvl="0" marL="457200" rtl="0" algn="l">
-              <a:spcBef>
-                <a:spcPts val="0"/>
-              </a:spcBef>
-              <a:spcAft>
-                <a:spcPts val="0"/>
-              </a:spcAft>
-              <a:buClr>
-                <a:srgbClr val="1C1917"/>
-              </a:buClr>
-              <a:buSzPts val="1100"/>
-              <a:buFont typeface="Roboto"/>
+              <a:rPr lang="en"/>
+              <a:t>Training</a:t>
+            </a:r>
+            <a:endParaRPr/>
+          </a:p>
+          <a:p>
+            <a:pPr indent="-342900" lvl="0" marL="457200" rtl="0" algn="l">
+              <a:spcBef>
+                <a:spcPts val="0"/>
+              </a:spcBef>
+              <a:spcAft>
+                <a:spcPts val="0"/>
+              </a:spcAft>
+              <a:buSzPts val="1800"/>
               <a:buChar char="●"/>
             </a:pPr>
             <a:r>
-              <a:rPr lang="en" sz="1100">
-                <a:solidFill>
-                  <a:srgbClr val="1C1917"/>
-                </a:solidFill>
-                <a:highlight>
-                  <a:srgbClr val="FFFFFF"/>
-                </a:highlight>
-                <a:latin typeface="Roboto"/>
-                <a:ea typeface="Roboto"/>
-                <a:cs typeface="Roboto"/>
-                <a:sym typeface="Roboto"/>
-              </a:rPr>
-              <a:t>Batch size - Running inference on multiple inputs at once (a batch) makes GPU utilization more efficient. Larger batch sizes require more GPU memory.</a:t>
-            </a:r>
-            <a:endParaRPr sz="1100">
-              <a:solidFill>
-                <a:srgbClr val="1C1917"/>
-              </a:solidFill>
-              <a:highlight>
-                <a:srgbClr val="FFFFFF"/>
-              </a:highlight>
-              <a:latin typeface="Roboto"/>
-              <a:ea typeface="Roboto"/>
-              <a:cs typeface="Roboto"/>
-              <a:sym typeface="Roboto"/>
-            </a:endParaRPr>
-          </a:p>
-          <a:p>
-            <a:pPr indent="-298450" lvl="0" marL="457200" rtl="0" algn="l">
-              <a:spcBef>
-                <a:spcPts val="0"/>
-              </a:spcBef>
-              <a:spcAft>
-                <a:spcPts val="0"/>
-              </a:spcAft>
-              <a:buClr>
-                <a:srgbClr val="1C1917"/>
-              </a:buClr>
-              <a:buSzPts val="1100"/>
-              <a:buFont typeface="Roboto"/>
+              <a:rPr lang="en"/>
+              <a:t>Inference</a:t>
+            </a:r>
+            <a:endParaRPr/>
+          </a:p>
+          <a:p>
+            <a:pPr indent="-342900" lvl="0" marL="457200" rtl="0" algn="l">
+              <a:spcBef>
+                <a:spcPts val="0"/>
+              </a:spcBef>
+              <a:spcAft>
+                <a:spcPts val="0"/>
+              </a:spcAft>
+              <a:buSzPts val="1800"/>
               <a:buChar char="●"/>
             </a:pPr>
             <a:r>
-              <a:rPr lang="en" sz="1100">
-                <a:solidFill>
-                  <a:srgbClr val="1C1917"/>
-                </a:solidFill>
-                <a:highlight>
-                  <a:srgbClr val="FFFFFF"/>
-                </a:highlight>
-                <a:latin typeface="Roboto"/>
-                <a:ea typeface="Roboto"/>
-                <a:cs typeface="Roboto"/>
-                <a:sym typeface="Roboto"/>
-              </a:rPr>
-              <a:t>Precision - Using lower precision like FP16 or INT8 can reduce memory usage and improve throughput compared to FP32, but may reduce accuracy.</a:t>
-            </a:r>
-            <a:endParaRPr sz="1100">
-              <a:solidFill>
-                <a:srgbClr val="1C1917"/>
-              </a:solidFill>
-              <a:highlight>
-                <a:srgbClr val="FFFFFF"/>
-              </a:highlight>
-              <a:latin typeface="Roboto"/>
-              <a:ea typeface="Roboto"/>
-              <a:cs typeface="Roboto"/>
-              <a:sym typeface="Roboto"/>
-            </a:endParaRPr>
-          </a:p>
-          <a:p>
-            <a:pPr indent="-298450" lvl="0" marL="457200" rtl="0" algn="l">
-              <a:spcBef>
-                <a:spcPts val="0"/>
-              </a:spcBef>
-              <a:spcAft>
-                <a:spcPts val="0"/>
-              </a:spcAft>
-              <a:buClr>
-                <a:srgbClr val="1C1917"/>
-              </a:buClr>
-              <a:buSzPts val="1100"/>
-              <a:buFont typeface="Roboto"/>
-              <a:buChar char="●"/>
-            </a:pPr>
-            <a:r>
-              <a:rPr lang="en" sz="1100">
-                <a:solidFill>
-                  <a:srgbClr val="1C1917"/>
-                </a:solidFill>
-                <a:highlight>
-                  <a:srgbClr val="FFFFFF"/>
-                </a:highlight>
-                <a:latin typeface="Roboto"/>
-                <a:ea typeface="Roboto"/>
-                <a:cs typeface="Roboto"/>
-                <a:sym typeface="Roboto"/>
-              </a:rPr>
-              <a:t>GPU memory - For inference the model must fit entirely within GPU memory, so the GPU needs enough memory to load the full model and batches of inputs. At least 8-16GB is recommended.</a:t>
-            </a:r>
-            <a:endParaRPr sz="1100">
-              <a:solidFill>
-                <a:srgbClr val="1C1917"/>
-              </a:solidFill>
-              <a:highlight>
-                <a:srgbClr val="FFFFFF"/>
-              </a:highlight>
-              <a:latin typeface="Roboto"/>
-              <a:ea typeface="Roboto"/>
-              <a:cs typeface="Roboto"/>
-              <a:sym typeface="Roboto"/>
-            </a:endParaRPr>
-          </a:p>
-          <a:p>
-            <a:pPr indent="-298450" lvl="0" marL="457200" rtl="0" algn="l">
-              <a:spcBef>
-                <a:spcPts val="0"/>
-              </a:spcBef>
-              <a:spcAft>
-                <a:spcPts val="0"/>
-              </a:spcAft>
-              <a:buClr>
-                <a:srgbClr val="1C1917"/>
-              </a:buClr>
-              <a:buSzPts val="1100"/>
-              <a:buFont typeface="Roboto"/>
-              <a:buChar char="●"/>
-            </a:pPr>
-            <a:r>
-              <a:rPr lang="en" sz="1100">
-                <a:solidFill>
-                  <a:srgbClr val="1C1917"/>
-                </a:solidFill>
-                <a:highlight>
-                  <a:srgbClr val="FFFFFF"/>
-                </a:highlight>
-                <a:latin typeface="Roboto"/>
-                <a:ea typeface="Roboto"/>
-                <a:cs typeface="Roboto"/>
-                <a:sym typeface="Roboto"/>
-              </a:rPr>
-              <a:t>GPU compute - More powerful GPUs with higher core counts will perform inference faster. Models will scale across multiple GPUs. High-end consumer cards like RTX 3090 or Quadro RTX 8000 may be required for optimal throughput.</a:t>
-            </a:r>
-            <a:endParaRPr sz="1100">
-              <a:solidFill>
-                <a:srgbClr val="1C1917"/>
-              </a:solidFill>
-              <a:highlight>
-                <a:srgbClr val="FFFFFF"/>
-              </a:highlight>
-              <a:latin typeface="Roboto"/>
-              <a:ea typeface="Roboto"/>
-              <a:cs typeface="Roboto"/>
-              <a:sym typeface="Roboto"/>
-            </a:endParaRPr>
-          </a:p>
-          <a:p>
-            <a:pPr indent="-298450" lvl="0" marL="457200" rtl="0" algn="l">
-              <a:spcBef>
-                <a:spcPts val="0"/>
-              </a:spcBef>
-              <a:spcAft>
-                <a:spcPts val="0"/>
-              </a:spcAft>
-              <a:buClr>
-                <a:srgbClr val="1C1917"/>
-              </a:buClr>
-              <a:buSzPts val="1100"/>
-              <a:buFont typeface="Roboto"/>
-              <a:buChar char="●"/>
-            </a:pPr>
-            <a:r>
-              <a:rPr lang="en" sz="1100">
-                <a:solidFill>
-                  <a:srgbClr val="1C1917"/>
-                </a:solidFill>
-                <a:highlight>
-                  <a:srgbClr val="FFFFFF"/>
-                </a:highlight>
-                <a:latin typeface="Roboto"/>
-                <a:ea typeface="Roboto"/>
-                <a:cs typeface="Roboto"/>
-                <a:sym typeface="Roboto"/>
-              </a:rPr>
-              <a:t>Framework optimizations - Using optimized frameworks like TensorRT or optimizations in PyTorch/TensorFlow can improve throughput and reduce memory usage.</a:t>
-            </a:r>
-            <a:endParaRPr sz="1100">
-              <a:solidFill>
-                <a:srgbClr val="1C1917"/>
-              </a:solidFill>
-              <a:highlight>
-                <a:srgbClr val="FFFFFF"/>
-              </a:highlight>
-              <a:latin typeface="Roboto"/>
-              <a:ea typeface="Roboto"/>
-              <a:cs typeface="Roboto"/>
-              <a:sym typeface="Roboto"/>
-            </a:endParaRPr>
-          </a:p>
-          <a:p>
-            <a:pPr indent="0" lvl="0" marL="0" rtl="0" algn="l">
-              <a:spcBef>
-                <a:spcPts val="0"/>
-              </a:spcBef>
-              <a:spcAft>
-                <a:spcPts val="0"/>
-              </a:spcAft>
-              <a:buNone/>
-            </a:pPr>
-            <a:r>
-              <a:rPr lang="en" sz="1100">
-                <a:solidFill>
-                  <a:srgbClr val="1C1917"/>
-                </a:solidFill>
-                <a:highlight>
-                  <a:srgbClr val="FFFFFF"/>
-                </a:highlight>
-                <a:latin typeface="Roboto"/>
-                <a:ea typeface="Roboto"/>
-                <a:cs typeface="Roboto"/>
-                <a:sym typeface="Roboto"/>
-              </a:rPr>
-              <a:t>So in summary, for large models you'll generally want a high-memory (16GB+), modern, high-end GPU like an RTX 3090 or Quadro RTX. Using multiple GPUs, batching, and framework optimizations can further improve performance. The optimal setup depends on your specific model and use case. Start with benchmarks on available hardware and scale up accordingly.</a:t>
-            </a:r>
-            <a:endParaRPr sz="1100">
-              <a:solidFill>
-                <a:srgbClr val="1C1917"/>
-              </a:solidFill>
-              <a:highlight>
-                <a:srgbClr val="FFFFFF"/>
-              </a:highlight>
-              <a:latin typeface="Roboto"/>
-              <a:ea typeface="Roboto"/>
-              <a:cs typeface="Roboto"/>
-              <a:sym typeface="Roboto"/>
-            </a:endParaRPr>
-          </a:p>
-          <a:p>
-            <a:pPr indent="0" lvl="0" marL="0" rtl="0" algn="l">
-              <a:spcBef>
-                <a:spcPts val="0"/>
-              </a:spcBef>
-              <a:spcAft>
-                <a:spcPts val="1200"/>
-              </a:spcAft>
-              <a:buNone/>
-            </a:pPr>
-            <a:r>
-              <a:t/>
+              <a:rPr lang="en"/>
+              <a:t>Development</a:t>
             </a:r>
             <a:endParaRPr/>
           </a:p>
@@ -10405,7 +13498,7 @@
             </a:pPr>
             <a:r>
               <a:rPr lang="en"/>
-              <a:t>GPU for LLMs Fine tuning</a:t>
+              <a:t>GPU vs TPU</a:t>
             </a:r>
             <a:endParaRPr/>
           </a:p>
@@ -10430,7 +13523,7 @@
         </p:spPr>
         <p:txBody>
           <a:bodyPr anchorCtr="0" anchor="t" bIns="91425" lIns="91425" spcFirstLastPara="1" rIns="91425" wrap="square" tIns="91425">
-            <a:normAutofit lnSpcReduction="20000"/>
+            <a:normAutofit/>
           </a:bodyPr>
           <a:lstStyle/>
           <a:p>
@@ -10444,384 +13537,40 @@
               <a:buNone/>
             </a:pPr>
             <a:r>
-              <a:rPr lang="en" sz="1100">
-                <a:solidFill>
-                  <a:srgbClr val="1C1917"/>
-                </a:solidFill>
-                <a:highlight>
-                  <a:srgbClr val="FFFFFF"/>
-                </a:highlight>
-                <a:latin typeface="Roboto"/>
-                <a:ea typeface="Roboto"/>
-                <a:cs typeface="Roboto"/>
-                <a:sym typeface="Roboto"/>
-              </a:rPr>
-              <a:t>Training large language models (LLMs) requires significantly more GPU resources compared to inference. Here are some key factors to consider:</a:t>
-            </a:r>
-            <a:endParaRPr sz="1100">
-              <a:solidFill>
-                <a:srgbClr val="1C1917"/>
-              </a:solidFill>
-              <a:highlight>
-                <a:srgbClr val="FFFFFF"/>
-              </a:highlight>
-              <a:latin typeface="Roboto"/>
-              <a:ea typeface="Roboto"/>
-              <a:cs typeface="Roboto"/>
-              <a:sym typeface="Roboto"/>
-            </a:endParaRPr>
-          </a:p>
-          <a:p>
-            <a:pPr indent="-298450" lvl="0" marL="457200" rtl="0" algn="l">
-              <a:spcBef>
-                <a:spcPts val="0"/>
-              </a:spcBef>
-              <a:spcAft>
-                <a:spcPts val="0"/>
-              </a:spcAft>
-              <a:buClr>
-                <a:srgbClr val="1C1917"/>
-              </a:buClr>
-              <a:buSzPts val="1100"/>
-              <a:buFont typeface="Roboto"/>
-              <a:buChar char="●"/>
-            </a:pPr>
-            <a:r>
-              <a:rPr lang="en" sz="1100">
-                <a:solidFill>
-                  <a:srgbClr val="1C1917"/>
-                </a:solidFill>
-                <a:highlight>
-                  <a:srgbClr val="FFFFFF"/>
-                </a:highlight>
-                <a:latin typeface="Roboto"/>
-                <a:ea typeface="Roboto"/>
-                <a:cs typeface="Roboto"/>
-                <a:sym typeface="Roboto"/>
-              </a:rPr>
-              <a:t>Model size - Bigger models with more parameters require more GPU memory. Models over 1 billion parameters are common now.</a:t>
-            </a:r>
-            <a:endParaRPr sz="1100">
-              <a:solidFill>
-                <a:srgbClr val="1C1917"/>
-              </a:solidFill>
-              <a:highlight>
-                <a:srgbClr val="FFFFFF"/>
-              </a:highlight>
-              <a:latin typeface="Roboto"/>
-              <a:ea typeface="Roboto"/>
-              <a:cs typeface="Roboto"/>
-              <a:sym typeface="Roboto"/>
-            </a:endParaRPr>
-          </a:p>
-          <a:p>
-            <a:pPr indent="-298450" lvl="0" marL="457200" rtl="0" algn="l">
-              <a:spcBef>
-                <a:spcPts val="0"/>
-              </a:spcBef>
-              <a:spcAft>
-                <a:spcPts val="0"/>
-              </a:spcAft>
-              <a:buClr>
-                <a:srgbClr val="1C1917"/>
-              </a:buClr>
-              <a:buSzPts val="1100"/>
-              <a:buFont typeface="Roboto"/>
-              <a:buChar char="●"/>
-            </a:pPr>
-            <a:r>
-              <a:rPr lang="en" sz="1100">
-                <a:solidFill>
-                  <a:srgbClr val="1C1917"/>
-                </a:solidFill>
-                <a:highlight>
-                  <a:srgbClr val="FFFFFF"/>
-                </a:highlight>
-                <a:latin typeface="Roboto"/>
-                <a:ea typeface="Roboto"/>
-                <a:cs typeface="Roboto"/>
-                <a:sym typeface="Roboto"/>
-              </a:rPr>
-              <a:t>Batch size - Larger batch sizes are crucial for good training performance and efficiency. Typical batch sizes range from 256 up to 4096 or more. This requires large GPU memory.</a:t>
-            </a:r>
-            <a:endParaRPr sz="1100">
-              <a:solidFill>
-                <a:srgbClr val="1C1917"/>
-              </a:solidFill>
-              <a:highlight>
-                <a:srgbClr val="FFFFFF"/>
-              </a:highlight>
-              <a:latin typeface="Roboto"/>
-              <a:ea typeface="Roboto"/>
-              <a:cs typeface="Roboto"/>
-              <a:sym typeface="Roboto"/>
-            </a:endParaRPr>
-          </a:p>
-          <a:p>
-            <a:pPr indent="-298450" lvl="0" marL="457200" rtl="0" algn="l">
-              <a:spcBef>
-                <a:spcPts val="0"/>
-              </a:spcBef>
-              <a:spcAft>
-                <a:spcPts val="0"/>
-              </a:spcAft>
-              <a:buClr>
-                <a:srgbClr val="1C1917"/>
-              </a:buClr>
-              <a:buSzPts val="1100"/>
-              <a:buFont typeface="Roboto"/>
-              <a:buChar char="●"/>
-            </a:pPr>
-            <a:r>
-              <a:rPr lang="en" sz="1100">
-                <a:solidFill>
-                  <a:srgbClr val="1C1917"/>
-                </a:solidFill>
-                <a:highlight>
-                  <a:srgbClr val="FFFFFF"/>
-                </a:highlight>
-                <a:latin typeface="Roboto"/>
-                <a:ea typeface="Roboto"/>
-                <a:cs typeface="Roboto"/>
-                <a:sym typeface="Roboto"/>
-              </a:rPr>
-              <a:t>Data parallelism - Training scales across multiple GPUs/nodes by splitting the batch. More GPUs allow larger batches and faster training.</a:t>
-            </a:r>
-            <a:endParaRPr sz="1100">
-              <a:solidFill>
-                <a:srgbClr val="1C1917"/>
-              </a:solidFill>
-              <a:highlight>
-                <a:srgbClr val="FFFFFF"/>
-              </a:highlight>
-              <a:latin typeface="Roboto"/>
-              <a:ea typeface="Roboto"/>
-              <a:cs typeface="Roboto"/>
-              <a:sym typeface="Roboto"/>
-            </a:endParaRPr>
-          </a:p>
-          <a:p>
-            <a:pPr indent="-298450" lvl="0" marL="457200" rtl="0" algn="l">
-              <a:spcBef>
-                <a:spcPts val="0"/>
-              </a:spcBef>
-              <a:spcAft>
-                <a:spcPts val="0"/>
-              </a:spcAft>
-              <a:buClr>
-                <a:srgbClr val="1C1917"/>
-              </a:buClr>
-              <a:buSzPts val="1100"/>
-              <a:buFont typeface="Roboto"/>
-              <a:buChar char="●"/>
-            </a:pPr>
-            <a:r>
-              <a:rPr lang="en" sz="1100">
-                <a:solidFill>
-                  <a:srgbClr val="1C1917"/>
-                </a:solidFill>
-                <a:highlight>
-                  <a:srgbClr val="FFFFFF"/>
-                </a:highlight>
-                <a:latin typeface="Roboto"/>
-                <a:ea typeface="Roboto"/>
-                <a:cs typeface="Roboto"/>
-                <a:sym typeface="Roboto"/>
-              </a:rPr>
-              <a:t>Precision - FP16 or mixed precision can reduce memory usage over FP32, but may affect model quality.</a:t>
-            </a:r>
-            <a:endParaRPr sz="1100">
-              <a:solidFill>
-                <a:srgbClr val="1C1917"/>
-              </a:solidFill>
-              <a:highlight>
-                <a:srgbClr val="FFFFFF"/>
-              </a:highlight>
-              <a:latin typeface="Roboto"/>
-              <a:ea typeface="Roboto"/>
-              <a:cs typeface="Roboto"/>
-              <a:sym typeface="Roboto"/>
-            </a:endParaRPr>
-          </a:p>
-          <a:p>
-            <a:pPr indent="-298450" lvl="0" marL="457200" rtl="0" algn="l">
-              <a:spcBef>
-                <a:spcPts val="0"/>
-              </a:spcBef>
-              <a:spcAft>
-                <a:spcPts val="0"/>
-              </a:spcAft>
-              <a:buClr>
-                <a:srgbClr val="1C1917"/>
-              </a:buClr>
-              <a:buSzPts val="1100"/>
-              <a:buFont typeface="Roboto"/>
-              <a:buChar char="●"/>
-            </a:pPr>
-            <a:r>
-              <a:rPr lang="en" sz="1100">
-                <a:solidFill>
-                  <a:srgbClr val="1C1917"/>
-                </a:solidFill>
-                <a:highlight>
-                  <a:srgbClr val="FFFFFF"/>
-                </a:highlight>
-                <a:latin typeface="Roboto"/>
-                <a:ea typeface="Roboto"/>
-                <a:cs typeface="Roboto"/>
-                <a:sym typeface="Roboto"/>
-              </a:rPr>
-              <a:t>GPU memory - For training, the model, optimizer states, and a large batch must fit into GPU memory. At least 32GB per GPU is recommended, with 48GB or more being ideal.</a:t>
-            </a:r>
-            <a:endParaRPr sz="1100">
-              <a:solidFill>
-                <a:srgbClr val="1C1917"/>
-              </a:solidFill>
-              <a:highlight>
-                <a:srgbClr val="FFFFFF"/>
-              </a:highlight>
-              <a:latin typeface="Roboto"/>
-              <a:ea typeface="Roboto"/>
-              <a:cs typeface="Roboto"/>
-              <a:sym typeface="Roboto"/>
-            </a:endParaRPr>
-          </a:p>
-          <a:p>
-            <a:pPr indent="-298450" lvl="0" marL="457200" rtl="0" algn="l">
-              <a:spcBef>
-                <a:spcPts val="0"/>
-              </a:spcBef>
-              <a:spcAft>
-                <a:spcPts val="0"/>
-              </a:spcAft>
-              <a:buClr>
-                <a:srgbClr val="1C1917"/>
-              </a:buClr>
-              <a:buSzPts val="1100"/>
-              <a:buFont typeface="Roboto"/>
-              <a:buChar char="●"/>
-            </a:pPr>
-            <a:r>
-              <a:rPr lang="en" sz="1100">
-                <a:solidFill>
-                  <a:srgbClr val="1C1917"/>
-                </a:solidFill>
-                <a:highlight>
-                  <a:srgbClr val="FFFFFF"/>
-                </a:highlight>
-                <a:latin typeface="Roboto"/>
-                <a:ea typeface="Roboto"/>
-                <a:cs typeface="Roboto"/>
-                <a:sym typeface="Roboto"/>
-              </a:rPr>
-              <a:t>GPU compute - High compute power allows faster training iterations to reduce overall training time. High-end chips like A100 or H100 accelerate training.</a:t>
-            </a:r>
-            <a:endParaRPr sz="1100">
-              <a:solidFill>
-                <a:srgbClr val="1C1917"/>
-              </a:solidFill>
-              <a:highlight>
-                <a:srgbClr val="FFFFFF"/>
-              </a:highlight>
-              <a:latin typeface="Roboto"/>
-              <a:ea typeface="Roboto"/>
-              <a:cs typeface="Roboto"/>
-              <a:sym typeface="Roboto"/>
-            </a:endParaRPr>
-          </a:p>
-          <a:p>
-            <a:pPr indent="-298450" lvl="0" marL="457200" rtl="0" algn="l">
-              <a:spcBef>
-                <a:spcPts val="0"/>
-              </a:spcBef>
-              <a:spcAft>
-                <a:spcPts val="0"/>
-              </a:spcAft>
-              <a:buClr>
-                <a:srgbClr val="1C1917"/>
-              </a:buClr>
-              <a:buSzPts val="1100"/>
-              <a:buFont typeface="Roboto"/>
-              <a:buChar char="●"/>
-            </a:pPr>
-            <a:r>
-              <a:rPr lang="en" sz="1100">
-                <a:solidFill>
-                  <a:srgbClr val="1C1917"/>
-                </a:solidFill>
-                <a:highlight>
-                  <a:srgbClr val="FFFFFF"/>
-                </a:highlight>
-                <a:latin typeface="Roboto"/>
-                <a:ea typeface="Roboto"/>
-                <a:cs typeface="Roboto"/>
-                <a:sym typeface="Roboto"/>
-              </a:rPr>
-              <a:t>Framework optimizations - Efficient frameworks like PyTorch, TensorFlow, and optimizations like model parallelism can help.</a:t>
-            </a:r>
-            <a:endParaRPr sz="1100">
-              <a:solidFill>
-                <a:srgbClr val="1C1917"/>
-              </a:solidFill>
-              <a:highlight>
-                <a:srgbClr val="FFFFFF"/>
-              </a:highlight>
-              <a:latin typeface="Roboto"/>
-              <a:ea typeface="Roboto"/>
-              <a:cs typeface="Roboto"/>
-              <a:sym typeface="Roboto"/>
-            </a:endParaRPr>
+              <a:rPr lang="en"/>
+              <a:t>GPU has more core and great for parallel processing.</a:t>
+            </a:r>
+            <a:endParaRPr/>
           </a:p>
           <a:p>
             <a:pPr indent="0" lvl="0" marL="0" rtl="0" algn="l">
               <a:spcBef>
-                <a:spcPts val="0"/>
-              </a:spcBef>
-              <a:spcAft>
-                <a:spcPts val="0"/>
-              </a:spcAft>
-              <a:buNone/>
-            </a:pPr>
-            <a:r>
-              <a:rPr lang="en" sz="1100">
-                <a:solidFill>
-                  <a:srgbClr val="1C1917"/>
-                </a:solidFill>
-                <a:highlight>
-                  <a:srgbClr val="FFFFFF"/>
-                </a:highlight>
-                <a:latin typeface="Roboto"/>
-                <a:ea typeface="Roboto"/>
-                <a:cs typeface="Roboto"/>
-                <a:sym typeface="Roboto"/>
-              </a:rPr>
-              <a:t>In summary, training LLMs requires multiple high-end GPUs. For example, Anthropic used 128 Nvidia A100 GPUs (each with 40GB+ memory) to train Claude. With smaller models and optimizations, you may be able to train on less GPUs, but expect to need at minimum 4-8 GPUs with at least 32GB memory each for decent training times</a:t>
-            </a:r>
-            <a:endParaRPr sz="1100">
-              <a:solidFill>
-                <a:srgbClr val="1C1917"/>
-              </a:solidFill>
-              <a:highlight>
-                <a:srgbClr val="FFFFFF"/>
-              </a:highlight>
-              <a:latin typeface="Roboto"/>
-              <a:ea typeface="Roboto"/>
-              <a:cs typeface="Roboto"/>
-              <a:sym typeface="Roboto"/>
-            </a:endParaRPr>
+                <a:spcPts val="1200"/>
+              </a:spcBef>
+              <a:spcAft>
+                <a:spcPts val="0"/>
+              </a:spcAft>
+              <a:buNone/>
+            </a:pPr>
+            <a:r>
+              <a:rPr lang="en"/>
+              <a:t>TPU has more streamlined structure </a:t>
+            </a:r>
+            <a:endParaRPr/>
           </a:p>
           <a:p>
             <a:pPr indent="0" lvl="0" marL="0" rtl="0" algn="l">
               <a:spcBef>
-                <a:spcPts val="0"/>
-              </a:spcBef>
-              <a:spcAft>
                 <a:spcPts val="1200"/>
-              </a:spcAft>
-              <a:buNone/>
-            </a:pPr>
-            <a:r>
-              <a:t/>
+              </a:spcBef>
+              <a:spcAft>
+                <a:spcPts val="1200"/>
+              </a:spcAft>
+              <a:buNone/>
+            </a:pPr>
+            <a:r>
+              <a:rPr lang="en"/>
+              <a:t>GPU are great for gaming as they have good Frame rate. GPU has multiple uses while TPUs are optimized for Machine Learning workload specifically Language Models, Recommendation Model etc.</a:t>
             </a:r>
             <a:endParaRPr/>
           </a:p>
@@ -10862,8 +13611,8 @@
         </p:nvSpPr>
         <p:spPr>
           <a:xfrm>
-            <a:off x="311700" y="391350"/>
-            <a:ext cx="8520600" cy="626100"/>
+            <a:off x="311700" y="216425"/>
+            <a:ext cx="8520600" cy="572700"/>
           </a:xfrm>
           <a:prstGeom prst="rect">
             <a:avLst/>
@@ -10886,7 +13635,7 @@
             </a:pPr>
             <a:r>
               <a:rPr lang="en"/>
-              <a:t>AWS NVIDIA GPU</a:t>
+              <a:t>GPU vs TPU</a:t>
             </a:r>
             <a:endParaRPr/>
           </a:p>
@@ -10903,7 +13652,7 @@
         <p:spPr>
           <a:xfrm>
             <a:off x="311700" y="1152475"/>
-            <a:ext cx="8520600" cy="3416400"/>
+            <a:ext cx="3999900" cy="2260800"/>
           </a:xfrm>
           <a:prstGeom prst="rect">
             <a:avLst/>
@@ -10911,7 +13660,7 @@
         </p:spPr>
         <p:txBody>
           <a:bodyPr anchorCtr="0" anchor="t" bIns="91425" lIns="91425" spcFirstLastPara="1" rIns="91425" wrap="square" tIns="91425">
-            <a:normAutofit/>
+            <a:normAutofit lnSpcReduction="20000"/>
           </a:bodyPr>
           <a:lstStyle/>
           <a:p>
@@ -10925,10 +13674,32 @@
               <a:buNone/>
             </a:pPr>
             <a:r>
-              <a:rPr lang="en"/>
-              <a:t>Amazon EC2 P3  - 8 GPU, Tesla V100</a:t>
-            </a:r>
-            <a:endParaRPr/>
+              <a:rPr lang="en" sz="1400">
+                <a:solidFill>
+                  <a:srgbClr val="000000"/>
+                </a:solidFill>
+                <a:highlight>
+                  <a:srgbClr val="FFFFFF"/>
+                </a:highlight>
+                <a:latin typeface="Open Sans"/>
+                <a:ea typeface="Open Sans"/>
+                <a:cs typeface="Open Sans"/>
+                <a:sym typeface="Open Sans"/>
+              </a:rPr>
+              <a:t>GPUs:</a:t>
+            </a:r>
+            <a:endParaRPr sz="1400">
+              <a:solidFill>
+                <a:srgbClr val="000000"/>
+              </a:solidFill>
+              <a:highlight>
+                <a:srgbClr val="FFFFFF"/>
+              </a:highlight>
+              <a:latin typeface="Open Sans"/>
+              <a:ea typeface="Open Sans"/>
+              <a:cs typeface="Open Sans"/>
+              <a:sym typeface="Open Sans"/>
+            </a:endParaRPr>
           </a:p>
           <a:p>
             <a:pPr indent="0" lvl="0" marL="0" rtl="0" algn="l">
@@ -10936,19 +13707,116 @@
                 <a:spcPts val="1200"/>
               </a:spcBef>
               <a:spcAft>
-                <a:spcPts val="0"/>
-              </a:spcAft>
-              <a:buNone/>
-            </a:pPr>
-            <a:r>
-              <a:rPr lang="en"/>
-              <a:t>Amazon EC2 P4 - 40 GPU, Tesla A100</a:t>
-            </a:r>
-            <a:endParaRPr/>
-          </a:p>
+                <a:spcPts val="1200"/>
+              </a:spcAft>
+              <a:buNone/>
+            </a:pPr>
+            <a:r>
+              <a:rPr lang="en">
+                <a:solidFill>
+                  <a:srgbClr val="000000"/>
+                </a:solidFill>
+                <a:highlight>
+                  <a:srgbClr val="FFFFFF"/>
+                </a:highlight>
+                <a:latin typeface="Open Sans"/>
+                <a:ea typeface="Open Sans"/>
+                <a:cs typeface="Open Sans"/>
+                <a:sym typeface="Open Sans"/>
+              </a:rPr>
+              <a:t>GPU</a:t>
+            </a:r>
+            <a:r>
+              <a:rPr lang="en" sz="1400">
+                <a:solidFill>
+                  <a:srgbClr val="000000"/>
+                </a:solidFill>
+                <a:highlight>
+                  <a:srgbClr val="FFFFFF"/>
+                </a:highlight>
+                <a:latin typeface="Open Sans"/>
+                <a:ea typeface="Open Sans"/>
+                <a:cs typeface="Open Sans"/>
+                <a:sym typeface="Open Sans"/>
+              </a:rPr>
+              <a:t> like the NVIDIA V100 have maximum single-precision (FP32) performance of over 100 teraflops, compared to about 30-60 teraflops for current-gen TPUs. This means GPUs can train single-precision models faster, especially those with a lot of tensor operations that don't quantize well to lower precisions</a:t>
+            </a:r>
+            <a:endParaRPr>
+              <a:solidFill>
+                <a:srgbClr val="000000"/>
+              </a:solidFill>
+            </a:endParaRPr>
+          </a:p>
+        </p:txBody>
+      </p:sp>
+      <p:sp>
+        <p:nvSpPr>
+          <p:cNvPr id="94" name="Google Shape;94;p18"/>
+          <p:cNvSpPr txBox="1"/>
+          <p:nvPr>
+            <p:ph idx="2" type="body"/>
+          </p:nvPr>
+        </p:nvSpPr>
+        <p:spPr>
+          <a:xfrm>
+            <a:off x="4832400" y="1152475"/>
+            <a:ext cx="3999900" cy="2260800"/>
+          </a:xfrm>
+          <a:prstGeom prst="rect">
+            <a:avLst/>
+          </a:prstGeom>
+        </p:spPr>
+        <p:txBody>
+          <a:bodyPr anchorCtr="0" anchor="t" bIns="91425" lIns="91425" spcFirstLastPara="1" rIns="91425" wrap="square" tIns="91425">
+            <a:normAutofit fontScale="92500" lnSpcReduction="20000"/>
+          </a:bodyPr>
+          <a:lstStyle/>
           <a:p>
             <a:pPr indent="0" lvl="0" marL="0" rtl="0" algn="l">
               <a:spcBef>
+                <a:spcPts val="0"/>
+              </a:spcBef>
+              <a:spcAft>
+                <a:spcPts val="0"/>
+              </a:spcAft>
+              <a:buClr>
+                <a:schemeClr val="dk1"/>
+              </a:buClr>
+              <a:buSzPct val="78571"/>
+              <a:buFont typeface="Arial"/>
+              <a:buNone/>
+            </a:pPr>
+            <a:r>
+              <a:rPr lang="en">
+                <a:solidFill>
+                  <a:srgbClr val="000000"/>
+                </a:solidFill>
+                <a:highlight>
+                  <a:srgbClr val="FFFFFF"/>
+                </a:highlight>
+                <a:latin typeface="Open Sans"/>
+                <a:ea typeface="Open Sans"/>
+                <a:cs typeface="Open Sans"/>
+                <a:sym typeface="Open Sans"/>
+              </a:rPr>
+              <a:t>TPU : Higher low-precision performance: </a:t>
+            </a:r>
+            <a:endParaRPr>
+              <a:solidFill>
+                <a:srgbClr val="000000"/>
+              </a:solidFill>
+              <a:highlight>
+                <a:srgbClr val="FFFFFF"/>
+              </a:highlight>
+              <a:latin typeface="Open Sans"/>
+              <a:ea typeface="Open Sans"/>
+              <a:cs typeface="Open Sans"/>
+              <a:sym typeface="Open Sans"/>
+            </a:endParaRPr>
+          </a:p>
+          <a:p>
+            <a:pPr indent="0" lvl="0" marL="0" rtl="0" algn="l">
+              <a:spcBef>
                 <a:spcPts val="1200"/>
               </a:spcBef>
               <a:spcAft>
@@ -10957,10 +13825,32 @@
               <a:buNone/>
             </a:pPr>
             <a:r>
-              <a:rPr lang="en"/>
-              <a:t>Amazon EC2 G3 - 4 GPU, M60</a:t>
-            </a:r>
-            <a:endParaRPr/>
+              <a:rPr lang="en">
+                <a:solidFill>
+                  <a:srgbClr val="000000"/>
+                </a:solidFill>
+                <a:highlight>
+                  <a:srgbClr val="FFFFFF"/>
+                </a:highlight>
+                <a:latin typeface="Open Sans"/>
+                <a:ea typeface="Open Sans"/>
+                <a:cs typeface="Open Sans"/>
+                <a:sym typeface="Open Sans"/>
+              </a:rPr>
+              <a:t>TPUs outperform GPUs for 8-bit integer ops and other lower-precision math, with up to 500-1000 teraflops on newer TPU models. This enables faster training of highly quantized models like large language models</a:t>
+            </a:r>
+            <a:endParaRPr>
+              <a:solidFill>
+                <a:srgbClr val="000000"/>
+              </a:solidFill>
+              <a:highlight>
+                <a:srgbClr val="FFFFFF"/>
+              </a:highlight>
+              <a:latin typeface="Open Sans"/>
+              <a:ea typeface="Open Sans"/>
+              <a:cs typeface="Open Sans"/>
+              <a:sym typeface="Open Sans"/>
+            </a:endParaRPr>
           </a:p>
           <a:p>
             <a:pPr indent="0" lvl="0" marL="0" rtl="0" algn="l">
@@ -10973,10 +13863,20 @@
               <a:buNone/>
             </a:pPr>
             <a:r>
-              <a:rPr lang="en"/>
-              <a:t>Amazon EC2 G4 - 4 GPU, T4</a:t>
-            </a:r>
-            <a:endParaRPr/>
+              <a:t/>
+            </a:r>
+            <a:endParaRPr>
+              <a:solidFill>
+                <a:schemeClr val="dk1"/>
+              </a:solidFill>
+              <a:highlight>
+                <a:srgbClr val="FFFFFF"/>
+              </a:highlight>
+              <a:latin typeface="Open Sans"/>
+              <a:ea typeface="Open Sans"/>
+              <a:cs typeface="Open Sans"/>
+              <a:sym typeface="Open Sans"/>
+            </a:endParaRPr>
           </a:p>
           <a:p>
             <a:pPr indent="0" lvl="0" marL="0" rtl="0" algn="l">
@@ -10984,28 +13884,73 @@
                 <a:spcPts val="1200"/>
               </a:spcBef>
               <a:spcAft>
-                <a:spcPts val="0"/>
-              </a:spcAft>
-              <a:buNone/>
-            </a:pPr>
-            <a:r>
-              <a:rPr lang="en"/>
-              <a:t>Amazon EC2 G5 - 8 GPU, A10G</a:t>
-            </a:r>
-            <a:endParaRPr/>
-          </a:p>
+                <a:spcPts val="1200"/>
+              </a:spcAft>
+              <a:buNone/>
+            </a:pPr>
+            <a:r>
+              <a:t/>
+            </a:r>
+            <a:endParaRPr>
+              <a:solidFill>
+                <a:schemeClr val="dk1"/>
+              </a:solidFill>
+              <a:highlight>
+                <a:srgbClr val="FFFFFF"/>
+              </a:highlight>
+              <a:latin typeface="Open Sans"/>
+              <a:ea typeface="Open Sans"/>
+              <a:cs typeface="Open Sans"/>
+              <a:sym typeface="Open Sans"/>
+            </a:endParaRPr>
+          </a:p>
+        </p:txBody>
+      </p:sp>
+      <p:sp>
+        <p:nvSpPr>
+          <p:cNvPr id="95" name="Google Shape;95;p18"/>
+          <p:cNvSpPr txBox="1"/>
+          <p:nvPr/>
+        </p:nvSpPr>
+        <p:spPr>
+          <a:xfrm>
+            <a:off x="564475" y="3946000"/>
+            <a:ext cx="7907700" cy="831300"/>
+          </a:xfrm>
+          <a:prstGeom prst="rect">
+            <a:avLst/>
+          </a:prstGeom>
+          <a:noFill/>
+          <a:ln>
+            <a:noFill/>
+          </a:ln>
+        </p:spPr>
+        <p:txBody>
+          <a:bodyPr anchorCtr="0" anchor="t" bIns="91425" lIns="91425" spcFirstLastPara="1" rIns="91425" wrap="square" tIns="91425">
+            <a:spAutoFit/>
+          </a:bodyPr>
+          <a:lstStyle/>
           <a:p>
             <a:pPr indent="0" lvl="0" marL="0" rtl="0" algn="l">
               <a:spcBef>
-                <a:spcPts val="1200"/>
-              </a:spcBef>
-              <a:spcAft>
-                <a:spcPts val="1200"/>
-              </a:spcAft>
-              <a:buNone/>
-            </a:pPr>
-            <a:r>
-              <a:t/>
+                <a:spcPts val="0"/>
+              </a:spcBef>
+              <a:spcAft>
+                <a:spcPts val="0"/>
+              </a:spcAft>
+              <a:buNone/>
+            </a:pPr>
+            <a:r>
+              <a:rPr lang="en">
+                <a:highlight>
+                  <a:srgbClr val="FFFFFF"/>
+                </a:highlight>
+                <a:latin typeface="Open Sans"/>
+                <a:ea typeface="Open Sans"/>
+                <a:cs typeface="Open Sans"/>
+                <a:sym typeface="Open Sans"/>
+              </a:rPr>
+              <a:t>GPUs currently have some maximum performance benefits, TPUs are far superior for high-throughput low-precision computation and also have advantages for extremely large scale.</a:t>
             </a:r>
             <a:endParaRPr/>
           </a:p>
@@ -11024,7 +13969,7 @@
   <p:cSld>
     <p:spTree>
       <p:nvGrpSpPr>
-        <p:cNvPr id="97" name="Shape 97"/>
+        <p:cNvPr id="99" name="Shape 99"/>
         <p:cNvGrpSpPr/>
         <p:nvPr/>
       </p:nvGrpSpPr>
@@ -11038,7 +13983,332 @@
       </p:grpSpPr>
       <p:sp>
         <p:nvSpPr>
-          <p:cNvPr id="98" name="Google Shape;98;p19"/>
+          <p:cNvPr id="100" name="Google Shape;100;p19"/>
+          <p:cNvSpPr txBox="1"/>
+          <p:nvPr>
+            <p:ph type="title"/>
+          </p:nvPr>
+        </p:nvSpPr>
+        <p:spPr>
+          <a:xfrm>
+            <a:off x="311700" y="216425"/>
+            <a:ext cx="8520600" cy="572700"/>
+          </a:xfrm>
+          <a:prstGeom prst="rect">
+            <a:avLst/>
+          </a:prstGeom>
+        </p:spPr>
+        <p:txBody>
+          <a:bodyPr anchorCtr="0" anchor="t" bIns="91425" lIns="91425" spcFirstLastPara="1" rIns="91425" wrap="square" tIns="91425">
+            <a:normAutofit fontScale="90000"/>
+          </a:bodyPr>
+          <a:lstStyle/>
+          <a:p>
+            <a:pPr indent="0" lvl="0" marL="0" rtl="0" algn="l">
+              <a:spcBef>
+                <a:spcPts val="0"/>
+              </a:spcBef>
+              <a:spcAft>
+                <a:spcPts val="0"/>
+              </a:spcAft>
+              <a:buNone/>
+            </a:pPr>
+            <a:r>
+              <a:rPr lang="en"/>
+              <a:t>GPU vs TPU</a:t>
+            </a:r>
+            <a:endParaRPr/>
+          </a:p>
+        </p:txBody>
+      </p:sp>
+      <p:sp>
+        <p:nvSpPr>
+          <p:cNvPr id="101" name="Google Shape;101;p19"/>
+          <p:cNvSpPr txBox="1"/>
+          <p:nvPr>
+            <p:ph idx="1" type="body"/>
+          </p:nvPr>
+        </p:nvSpPr>
+        <p:spPr>
+          <a:xfrm>
+            <a:off x="311700" y="1152475"/>
+            <a:ext cx="3999900" cy="2260800"/>
+          </a:xfrm>
+          <a:prstGeom prst="rect">
+            <a:avLst/>
+          </a:prstGeom>
+        </p:spPr>
+        <p:txBody>
+          <a:bodyPr anchorCtr="0" anchor="t" bIns="91425" lIns="91425" spcFirstLastPara="1" rIns="91425" wrap="square" tIns="91425">
+            <a:normAutofit/>
+          </a:bodyPr>
+          <a:lstStyle/>
+          <a:p>
+            <a:pPr indent="0" lvl="0" marL="0" rtl="0" algn="l">
+              <a:spcBef>
+                <a:spcPts val="0"/>
+              </a:spcBef>
+              <a:spcAft>
+                <a:spcPts val="0"/>
+              </a:spcAft>
+              <a:buNone/>
+            </a:pPr>
+            <a:r>
+              <a:rPr lang="en" sz="1400">
+                <a:solidFill>
+                  <a:srgbClr val="000000"/>
+                </a:solidFill>
+                <a:highlight>
+                  <a:srgbClr val="FFFFFF"/>
+                </a:highlight>
+                <a:latin typeface="Open Sans"/>
+                <a:ea typeface="Open Sans"/>
+                <a:cs typeface="Open Sans"/>
+                <a:sym typeface="Open Sans"/>
+              </a:rPr>
+              <a:t>GPUs</a:t>
+            </a:r>
+            <a:r>
+              <a:rPr lang="en">
+                <a:solidFill>
+                  <a:srgbClr val="000000"/>
+                </a:solidFill>
+                <a:highlight>
+                  <a:srgbClr val="FFFFFF"/>
+                </a:highlight>
+                <a:latin typeface="Open Sans"/>
+                <a:ea typeface="Open Sans"/>
+                <a:cs typeface="Open Sans"/>
+                <a:sym typeface="Open Sans"/>
+              </a:rPr>
+              <a:t> has Larger memory capacity: </a:t>
+            </a:r>
+            <a:endParaRPr>
+              <a:solidFill>
+                <a:srgbClr val="000000"/>
+              </a:solidFill>
+              <a:highlight>
+                <a:srgbClr val="FFFFFF"/>
+              </a:highlight>
+              <a:latin typeface="Open Sans"/>
+              <a:ea typeface="Open Sans"/>
+              <a:cs typeface="Open Sans"/>
+              <a:sym typeface="Open Sans"/>
+            </a:endParaRPr>
+          </a:p>
+          <a:p>
+            <a:pPr indent="0" lvl="0" marL="0" rtl="0" algn="l">
+              <a:spcBef>
+                <a:spcPts val="1200"/>
+              </a:spcBef>
+              <a:spcAft>
+                <a:spcPts val="1200"/>
+              </a:spcAft>
+              <a:buNone/>
+            </a:pPr>
+            <a:r>
+              <a:rPr lang="en" sz="1200">
+                <a:solidFill>
+                  <a:srgbClr val="000000"/>
+                </a:solidFill>
+                <a:highlight>
+                  <a:srgbClr val="FFFFFF"/>
+                </a:highlight>
+                <a:latin typeface="Open Sans"/>
+                <a:ea typeface="Open Sans"/>
+                <a:cs typeface="Open Sans"/>
+                <a:sym typeface="Open Sans"/>
+              </a:rPr>
+              <a:t>High-end GPUs typically have 16-32 gigabytes of onboard memory, compared to about 8-16 gigabytes for TPUs. This larger memory allows GPUs to train models with huge numbers of high-dimensional tensors in FP32 precision without swapping to host memory. </a:t>
+            </a:r>
+            <a:endParaRPr sz="1200">
+              <a:solidFill>
+                <a:srgbClr val="000000"/>
+              </a:solidFill>
+            </a:endParaRPr>
+          </a:p>
+        </p:txBody>
+      </p:sp>
+      <p:sp>
+        <p:nvSpPr>
+          <p:cNvPr id="102" name="Google Shape;102;p19"/>
+          <p:cNvSpPr txBox="1"/>
+          <p:nvPr>
+            <p:ph idx="2" type="body"/>
+          </p:nvPr>
+        </p:nvSpPr>
+        <p:spPr>
+          <a:xfrm>
+            <a:off x="4832400" y="1152475"/>
+            <a:ext cx="3999900" cy="2260800"/>
+          </a:xfrm>
+          <a:prstGeom prst="rect">
+            <a:avLst/>
+          </a:prstGeom>
+        </p:spPr>
+        <p:txBody>
+          <a:bodyPr anchorCtr="0" anchor="t" bIns="91425" lIns="91425" spcFirstLastPara="1" rIns="91425" wrap="square" tIns="91425">
+            <a:normAutofit fontScale="85000" lnSpcReduction="20000"/>
+          </a:bodyPr>
+          <a:lstStyle/>
+          <a:p>
+            <a:pPr indent="0" lvl="0" marL="0" rtl="0" algn="l">
+              <a:spcBef>
+                <a:spcPts val="0"/>
+              </a:spcBef>
+              <a:spcAft>
+                <a:spcPts val="0"/>
+              </a:spcAft>
+              <a:buNone/>
+            </a:pPr>
+            <a:r>
+              <a:rPr lang="en" sz="1600">
+                <a:solidFill>
+                  <a:srgbClr val="000000"/>
+                </a:solidFill>
+                <a:latin typeface="Open Sans"/>
+                <a:ea typeface="Open Sans"/>
+                <a:cs typeface="Open Sans"/>
+                <a:sym typeface="Open Sans"/>
+              </a:rPr>
+              <a:t>TensorStream architecture: </a:t>
+            </a:r>
+            <a:endParaRPr sz="1600">
+              <a:solidFill>
+                <a:srgbClr val="000000"/>
+              </a:solidFill>
+              <a:latin typeface="Open Sans"/>
+              <a:ea typeface="Open Sans"/>
+              <a:cs typeface="Open Sans"/>
+              <a:sym typeface="Open Sans"/>
+            </a:endParaRPr>
+          </a:p>
+          <a:p>
+            <a:pPr indent="0" lvl="0" marL="0" rtl="0" algn="l">
+              <a:spcBef>
+                <a:spcPts val="1200"/>
+              </a:spcBef>
+              <a:spcAft>
+                <a:spcPts val="0"/>
+              </a:spcAft>
+              <a:buNone/>
+            </a:pPr>
+            <a:r>
+              <a:rPr lang="en">
+                <a:solidFill>
+                  <a:srgbClr val="000000"/>
+                </a:solidFill>
+                <a:latin typeface="Open Sans"/>
+                <a:ea typeface="Open Sans"/>
+                <a:cs typeface="Open Sans"/>
+                <a:sym typeface="Open Sans"/>
+              </a:rPr>
+              <a:t>TPUs have a customized data-parallel architecture called TensorStream that is optimized specifically for ML. It minimizes the performance hit from communication between cores, enabling almost linear performance scaling across thousands of cores. Scaling GPUs to that size requires more complex model parallelism due to limitations of data parallelism.</a:t>
+            </a:r>
+            <a:endParaRPr>
+              <a:solidFill>
+                <a:srgbClr val="000000"/>
+              </a:solidFill>
+              <a:latin typeface="Open Sans"/>
+              <a:ea typeface="Open Sans"/>
+              <a:cs typeface="Open Sans"/>
+              <a:sym typeface="Open Sans"/>
+            </a:endParaRPr>
+          </a:p>
+          <a:p>
+            <a:pPr indent="0" lvl="0" marL="0" rtl="0" algn="l">
+              <a:spcBef>
+                <a:spcPts val="1200"/>
+              </a:spcBef>
+              <a:spcAft>
+                <a:spcPts val="1200"/>
+              </a:spcAft>
+              <a:buNone/>
+            </a:pPr>
+            <a:r>
+              <a:t/>
+            </a:r>
+            <a:endParaRPr>
+              <a:solidFill>
+                <a:schemeClr val="dk1"/>
+              </a:solidFill>
+              <a:latin typeface="Open Sans"/>
+              <a:ea typeface="Open Sans"/>
+              <a:cs typeface="Open Sans"/>
+              <a:sym typeface="Open Sans"/>
+            </a:endParaRPr>
+          </a:p>
+        </p:txBody>
+      </p:sp>
+      <p:sp>
+        <p:nvSpPr>
+          <p:cNvPr id="103" name="Google Shape;103;p19"/>
+          <p:cNvSpPr txBox="1"/>
+          <p:nvPr/>
+        </p:nvSpPr>
+        <p:spPr>
+          <a:xfrm>
+            <a:off x="564475" y="3946000"/>
+            <a:ext cx="7907700" cy="400200"/>
+          </a:xfrm>
+          <a:prstGeom prst="rect">
+            <a:avLst/>
+          </a:prstGeom>
+          <a:noFill/>
+          <a:ln>
+            <a:noFill/>
+          </a:ln>
+        </p:spPr>
+        <p:txBody>
+          <a:bodyPr anchorCtr="0" anchor="t" bIns="91425" lIns="91425" spcFirstLastPara="1" rIns="91425" wrap="square" tIns="91425">
+            <a:spAutoFit/>
+          </a:bodyPr>
+          <a:lstStyle/>
+          <a:p>
+            <a:pPr indent="0" lvl="0" marL="0" rtl="0" algn="l">
+              <a:spcBef>
+                <a:spcPts val="0"/>
+              </a:spcBef>
+              <a:spcAft>
+                <a:spcPts val="0"/>
+              </a:spcAft>
+              <a:buNone/>
+            </a:pPr>
+            <a:r>
+              <a:t/>
+            </a:r>
+            <a:endParaRPr/>
+          </a:p>
+        </p:txBody>
+      </p:sp>
+    </p:spTree>
+  </p:cSld>
+  <p:clrMapOvr>
+    <a:masterClrMapping/>
+  </p:clrMapOvr>
+</p:sld>
+</file>
+
+<file path=ppt/slides/slide8.xml><?xml version="1.0" encoding="utf-8"?>
+<p:sld xmlns:a="http://schemas.openxmlformats.org/drawingml/2006/main" xmlns:r="http://schemas.openxmlformats.org/officeDocument/2006/relationships" xmlns:mc="http://schemas.openxmlformats.org/markup-compatibility/2006" xmlns:mv="urn:schemas-microsoft-com:mac:vml" xmlns:p="http://schemas.openxmlformats.org/presentationml/2006/main" xmlns:c="http://schemas.openxmlformats.org/drawingml/2006/chart" xmlns:dgm="http://schemas.openxmlformats.org/drawingml/2006/diagram" xmlns:o="urn:schemas-microsoft-com:office:office" xmlns:v="urn:schemas-microsoft-com:vml" xmlns:pvml="urn:schemas-microsoft-com:office:powerpoint" xmlns:com="http://schemas.openxmlformats.org/drawingml/2006/compatibility" xmlns:p14="http://schemas.microsoft.com/office/powerpoint/2010/main" xmlns:p15="http://schemas.microsoft.com/office/powerpoint/2012/main" xmlns:ahyp="http://schemas.microsoft.com/office/drawing/2018/hyperlinkcolor">
+  <p:cSld>
+    <p:spTree>
+      <p:nvGrpSpPr>
+        <p:cNvPr id="107" name="Shape 107"/>
+        <p:cNvGrpSpPr/>
+        <p:nvPr/>
+      </p:nvGrpSpPr>
+      <p:grpSpPr>
+        <a:xfrm>
+          <a:off x="0" y="0"/>
+          <a:ext cx="0" cy="0"/>
+          <a:chOff x="0" y="0"/>
+          <a:chExt cx="0" cy="0"/>
+        </a:xfrm>
+      </p:grpSpPr>
+      <p:sp>
+        <p:nvSpPr>
+          <p:cNvPr id="108" name="Google Shape;108;p20"/>
           <p:cNvSpPr txBox="1"/>
           <p:nvPr>
             <p:ph type="title"/>
@@ -11070,7 +14340,7 @@
             </a:pPr>
             <a:r>
               <a:rPr lang="en"/>
-              <a:t>AWS GPU Powered Services</a:t>
+              <a:t>Software Stack</a:t>
             </a:r>
             <a:endParaRPr/>
           </a:p>
@@ -11078,7 +14348,7 @@
       </p:sp>
       <p:sp>
         <p:nvSpPr>
-          <p:cNvPr id="99" name="Google Shape;99;p19"/>
+          <p:cNvPr id="109" name="Google Shape;109;p20"/>
           <p:cNvSpPr txBox="1"/>
           <p:nvPr>
             <p:ph idx="1" type="body"/>
@@ -11087,7 +14357,7 @@
         <p:spPr>
           <a:xfrm>
             <a:off x="311700" y="1152475"/>
-            <a:ext cx="8520600" cy="3416400"/>
+            <a:ext cx="3999900" cy="1804200"/>
           </a:xfrm>
           <a:prstGeom prst="rect">
             <a:avLst/>
@@ -11104,47 +14374,209 @@
                 <a:spcPts val="0"/>
               </a:spcBef>
               <a:spcAft>
-                <a:spcPts val="0"/>
-              </a:spcAft>
-              <a:buNone/>
-            </a:pPr>
-            <a:r>
-              <a:rPr lang="en"/>
-              <a:t>Amazon SageMaker</a:t>
+                <a:spcPts val="1200"/>
+              </a:spcAft>
+              <a:buNone/>
+            </a:pPr>
+            <a:r>
+              <a:rPr lang="en" sz="1400">
+                <a:solidFill>
+                  <a:srgbClr val="000000"/>
+                </a:solidFill>
+                <a:highlight>
+                  <a:srgbClr val="FFFFFF"/>
+                </a:highlight>
+                <a:latin typeface="Open Sans"/>
+                <a:ea typeface="Open Sans"/>
+                <a:cs typeface="Open Sans"/>
+                <a:sym typeface="Open Sans"/>
+              </a:rPr>
+              <a:t>Mature software stack: Frameworks like TensorFlow, PyTorch and MXNet all have GPU support and provide tools to facilitate multi-GPU and distributed training. </a:t>
+            </a:r>
+            <a:endParaRPr>
+              <a:solidFill>
+                <a:srgbClr val="000000"/>
+              </a:solidFill>
+            </a:endParaRPr>
+          </a:p>
+        </p:txBody>
+      </p:sp>
+      <p:sp>
+        <p:nvSpPr>
+          <p:cNvPr id="110" name="Google Shape;110;p20"/>
+          <p:cNvSpPr txBox="1"/>
+          <p:nvPr>
+            <p:ph idx="2" type="body"/>
+          </p:nvPr>
+        </p:nvSpPr>
+        <p:spPr>
+          <a:xfrm>
+            <a:off x="4832400" y="1152475"/>
+            <a:ext cx="3999900" cy="1958100"/>
+          </a:xfrm>
+          <a:prstGeom prst="rect">
+            <a:avLst/>
+          </a:prstGeom>
+        </p:spPr>
+        <p:txBody>
+          <a:bodyPr anchorCtr="0" anchor="t" bIns="91425" lIns="91425" spcFirstLastPara="1" rIns="91425" wrap="square" tIns="91425">
+            <a:normAutofit/>
+          </a:bodyPr>
+          <a:lstStyle/>
+          <a:p>
+            <a:pPr indent="0" lvl="0" marL="0" rtl="0" algn="l">
+              <a:spcBef>
+                <a:spcPts val="0"/>
+              </a:spcBef>
+              <a:spcAft>
+                <a:spcPts val="0"/>
+              </a:spcAft>
+              <a:buClr>
+                <a:schemeClr val="dk1"/>
+              </a:buClr>
+              <a:buSzPts val="1100"/>
+              <a:buFont typeface="Arial"/>
+              <a:buNone/>
+            </a:pPr>
+            <a:r>
+              <a:rPr lang="en">
+                <a:solidFill>
+                  <a:srgbClr val="000000"/>
+                </a:solidFill>
+                <a:highlight>
+                  <a:srgbClr val="FFFFFF"/>
+                </a:highlight>
+                <a:latin typeface="Open Sans"/>
+                <a:ea typeface="Open Sans"/>
+                <a:cs typeface="Open Sans"/>
+                <a:sym typeface="Open Sans"/>
+              </a:rPr>
+              <a:t>The software tooling to leverage TPUs, especially for non-TensorFlow frameworks, is not as mature which can impact performance.</a:t>
+            </a:r>
+            <a:endParaRPr>
+              <a:solidFill>
+                <a:srgbClr val="000000"/>
+              </a:solidFill>
+            </a:endParaRPr>
+          </a:p>
+          <a:p>
+            <a:pPr indent="0" lvl="0" marL="0" rtl="0" algn="l">
+              <a:spcBef>
+                <a:spcPts val="1200"/>
+              </a:spcBef>
+              <a:spcAft>
+                <a:spcPts val="1200"/>
+              </a:spcAft>
+              <a:buNone/>
+            </a:pPr>
+            <a:r>
+              <a:t/>
             </a:r>
             <a:endParaRPr/>
           </a:p>
+        </p:txBody>
+      </p:sp>
+      <p:sp>
+        <p:nvSpPr>
+          <p:cNvPr id="111" name="Google Shape;111;p20"/>
+          <p:cNvSpPr txBox="1"/>
+          <p:nvPr/>
+        </p:nvSpPr>
+        <p:spPr>
+          <a:xfrm>
+            <a:off x="398100" y="3184850"/>
+            <a:ext cx="7962000" cy="615600"/>
+          </a:xfrm>
+          <a:prstGeom prst="rect">
+            <a:avLst/>
+          </a:prstGeom>
+          <a:noFill/>
+          <a:ln>
+            <a:noFill/>
+          </a:ln>
+        </p:spPr>
+        <p:txBody>
+          <a:bodyPr anchorCtr="0" anchor="t" bIns="91425" lIns="91425" spcFirstLastPara="1" rIns="91425" wrap="square" tIns="91425">
+            <a:spAutoFit/>
+          </a:bodyPr>
+          <a:lstStyle/>
           <a:p>
             <a:pPr indent="0" lvl="0" marL="0" rtl="0" algn="l">
               <a:spcBef>
-                <a:spcPts val="1200"/>
-              </a:spcBef>
-              <a:spcAft>
-                <a:spcPts val="0"/>
-              </a:spcAft>
-              <a:buNone/>
-            </a:pPr>
-            <a:r>
-              <a:rPr lang="en"/>
-              <a:t>AWS Elastic Graphic Service</a:t>
-            </a:r>
-            <a:endParaRPr/>
-          </a:p>
+                <a:spcPts val="0"/>
+              </a:spcBef>
+              <a:spcAft>
+                <a:spcPts val="0"/>
+              </a:spcAft>
+              <a:buNone/>
+            </a:pPr>
+            <a:r>
+              <a:rPr lang="en">
+                <a:latin typeface="Lato"/>
+                <a:ea typeface="Lato"/>
+                <a:cs typeface="Lato"/>
+                <a:sym typeface="Lato"/>
+              </a:rPr>
+              <a:t>Even if TPUs are more suitable for LLM, it may take time to adopt TPU.  The eco system of framework and libraries are built around GPU. It will take years to build similar eco system for TPUs.</a:t>
+            </a:r>
+            <a:endParaRPr>
+              <a:latin typeface="Lato"/>
+              <a:ea typeface="Lato"/>
+              <a:cs typeface="Lato"/>
+              <a:sym typeface="Lato"/>
+            </a:endParaRPr>
+          </a:p>
+        </p:txBody>
+      </p:sp>
+      <p:sp>
+        <p:nvSpPr>
+          <p:cNvPr id="112" name="Google Shape;112;p20"/>
+          <p:cNvSpPr txBox="1"/>
+          <p:nvPr/>
+        </p:nvSpPr>
+        <p:spPr>
+          <a:xfrm>
+            <a:off x="398100" y="3946850"/>
+            <a:ext cx="7962000" cy="615600"/>
+          </a:xfrm>
+          <a:prstGeom prst="rect">
+            <a:avLst/>
+          </a:prstGeom>
+          <a:noFill/>
+          <a:ln>
+            <a:noFill/>
+          </a:ln>
+        </p:spPr>
+        <p:txBody>
+          <a:bodyPr anchorCtr="0" anchor="t" bIns="91425" lIns="91425" spcFirstLastPara="1" rIns="91425" wrap="square" tIns="91425">
+            <a:spAutoFit/>
+          </a:bodyPr>
+          <a:lstStyle/>
           <a:p>
             <a:pPr indent="0" lvl="0" marL="0" rtl="0" algn="l">
               <a:spcBef>
-                <a:spcPts val="1200"/>
-              </a:spcBef>
-              <a:spcAft>
-                <a:spcPts val="1200"/>
-              </a:spcAft>
-              <a:buNone/>
-            </a:pPr>
-            <a:r>
-              <a:rPr lang="en"/>
-              <a:t>AWS DeepRacer  - Use RL </a:t>
-            </a:r>
-            <a:endParaRPr/>
+                <a:spcPts val="0"/>
+              </a:spcBef>
+              <a:spcAft>
+                <a:spcPts val="0"/>
+              </a:spcAft>
+              <a:buNone/>
+            </a:pPr>
+            <a:r>
+              <a:rPr lang="en">
+                <a:latin typeface="Lato"/>
+                <a:ea typeface="Lato"/>
+                <a:cs typeface="Lato"/>
+                <a:sym typeface="Lato"/>
+              </a:rPr>
+              <a:t>Even if TPUs have streamlined architecture, TPUs are costly. Economics of scale is achieved in GPU. TPUs will take time to catch up.</a:t>
+            </a:r>
+            <a:endParaRPr>
+              <a:latin typeface="Lato"/>
+              <a:ea typeface="Lato"/>
+              <a:cs typeface="Lato"/>
+              <a:sym typeface="Lato"/>
+            </a:endParaRPr>
           </a:p>
         </p:txBody>
       </p:sp>
@@ -11156,12 +14588,12 @@
 </p:sld>
 </file>
 
-<file path=ppt/slides/slide8.xml><?xml version="1.0" encoding="utf-8"?>
+<file path=ppt/slides/slide9.xml><?xml version="1.0" encoding="utf-8"?>
 <p:sld xmlns:a="http://schemas.openxmlformats.org/drawingml/2006/main" xmlns:r="http://schemas.openxmlformats.org/officeDocument/2006/relationships" xmlns:mc="http://schemas.openxmlformats.org/markup-compatibility/2006" xmlns:mv="urn:schemas-microsoft-com:mac:vml" xmlns:p="http://schemas.openxmlformats.org/presentationml/2006/main" xmlns:c="http://schemas.openxmlformats.org/drawingml/2006/chart" xmlns:dgm="http://schemas.openxmlformats.org/drawingml/2006/diagram" xmlns:o="urn:schemas-microsoft-com:office:office" xmlns:v="urn:schemas-microsoft-com:vml" xmlns:pvml="urn:schemas-microsoft-com:office:powerpoint" xmlns:com="http://schemas.openxmlformats.org/drawingml/2006/compatibility" xmlns:p14="http://schemas.microsoft.com/office/powerpoint/2010/main" xmlns:p15="http://schemas.microsoft.com/office/powerpoint/2012/main" xmlns:ahyp="http://schemas.microsoft.com/office/drawing/2018/hyperlinkcolor">
   <p:cSld>
     <p:spTree>
       <p:nvGrpSpPr>
-        <p:cNvPr id="103" name="Shape 103"/>
+        <p:cNvPr id="116" name="Shape 116"/>
         <p:cNvGrpSpPr/>
         <p:nvPr/>
       </p:nvGrpSpPr>
@@ -11175,7 +14607,7 @@
       </p:grpSpPr>
       <p:sp>
         <p:nvSpPr>
-          <p:cNvPr id="104" name="Google Shape;104;p20"/>
+          <p:cNvPr id="117" name="Google Shape;117;p21"/>
           <p:cNvSpPr txBox="1"/>
           <p:nvPr>
             <p:ph type="title"/>
@@ -11207,7 +14639,7 @@
             </a:pPr>
             <a:r>
               <a:rPr lang="en"/>
-              <a:t>Azure NVIDIA GPU</a:t>
+              <a:t>GPUs for LLM Inference</a:t>
             </a:r>
             <a:endParaRPr/>
           </a:p>
@@ -11215,7 +14647,7 @@
       </p:sp>
       <p:sp>
         <p:nvSpPr>
-          <p:cNvPr id="105" name="Google Shape;105;p20"/>
+          <p:cNvPr id="118" name="Google Shape;118;p21"/>
           <p:cNvSpPr txBox="1"/>
           <p:nvPr>
             <p:ph idx="1" type="body"/>
@@ -11232,7 +14664,7 @@
         </p:spPr>
         <p:txBody>
           <a:bodyPr anchorCtr="0" anchor="t" bIns="91425" lIns="91425" spcFirstLastPara="1" rIns="91425" wrap="square" tIns="91425">
-            <a:normAutofit/>
+            <a:normAutofit lnSpcReduction="10000"/>
           </a:bodyPr>
           <a:lstStyle/>
           <a:p>
@@ -11246,235 +14678,341 @@
               <a:buNone/>
             </a:pPr>
             <a:r>
-              <a:rPr lang="en"/>
-              <a:t>NV Series VM</a:t>
-            </a:r>
-            <a:r>
-              <a:rPr lang="en"/>
-              <a:t>  - Tesla M60</a:t>
-            </a:r>
-            <a:endParaRPr/>
+              <a:rPr lang="en" sz="1100">
+                <a:solidFill>
+                  <a:srgbClr val="1C1917"/>
+                </a:solidFill>
+                <a:highlight>
+                  <a:srgbClr val="FFFFFF"/>
+                </a:highlight>
+                <a:latin typeface="Roboto"/>
+                <a:ea typeface="Roboto"/>
+                <a:cs typeface="Roboto"/>
+                <a:sym typeface="Roboto"/>
+              </a:rPr>
+              <a:t>Here are a few factors to consider when determining how much GPU you need for inference on a large language model:</a:t>
+            </a:r>
+            <a:endParaRPr sz="1100">
+              <a:solidFill>
+                <a:srgbClr val="1C1917"/>
+              </a:solidFill>
+              <a:highlight>
+                <a:srgbClr val="FFFFFF"/>
+              </a:highlight>
+              <a:latin typeface="Roboto"/>
+              <a:ea typeface="Roboto"/>
+              <a:cs typeface="Roboto"/>
+              <a:sym typeface="Roboto"/>
+            </a:endParaRPr>
+          </a:p>
+          <a:p>
+            <a:pPr indent="-298450" lvl="0" marL="457200" rtl="0" algn="l">
+              <a:spcBef>
+                <a:spcPts val="0"/>
+              </a:spcBef>
+              <a:spcAft>
+                <a:spcPts val="0"/>
+              </a:spcAft>
+              <a:buClr>
+                <a:srgbClr val="1C1917"/>
+              </a:buClr>
+              <a:buSzPts val="1100"/>
+              <a:buFont typeface="Roboto"/>
+              <a:buChar char="●"/>
+            </a:pPr>
+            <a:r>
+              <a:rPr lang="en" sz="1100">
+                <a:solidFill>
+                  <a:srgbClr val="1C1917"/>
+                </a:solidFill>
+                <a:highlight>
+                  <a:srgbClr val="FFFFFF"/>
+                </a:highlight>
+                <a:latin typeface="Roboto"/>
+                <a:ea typeface="Roboto"/>
+                <a:cs typeface="Roboto"/>
+                <a:sym typeface="Roboto"/>
+              </a:rPr>
+              <a:t>Model size - Larger models with more parameters will require more GPU memory and compute power for inference. Models like GPT-3 and BERT can easily be hundreds of gigabytes to terabytes in size.</a:t>
+            </a:r>
+            <a:endParaRPr sz="1100">
+              <a:solidFill>
+                <a:srgbClr val="1C1917"/>
+              </a:solidFill>
+              <a:highlight>
+                <a:srgbClr val="FFFFFF"/>
+              </a:highlight>
+              <a:latin typeface="Roboto"/>
+              <a:ea typeface="Roboto"/>
+              <a:cs typeface="Roboto"/>
+              <a:sym typeface="Roboto"/>
+            </a:endParaRPr>
+          </a:p>
+          <a:p>
+            <a:pPr indent="-298450" lvl="0" marL="457200" rtl="0" algn="l">
+              <a:spcBef>
+                <a:spcPts val="0"/>
+              </a:spcBef>
+              <a:spcAft>
+                <a:spcPts val="0"/>
+              </a:spcAft>
+              <a:buClr>
+                <a:srgbClr val="1C1917"/>
+              </a:buClr>
+              <a:buSzPts val="1100"/>
+              <a:buFont typeface="Roboto"/>
+              <a:buChar char="●"/>
+            </a:pPr>
+            <a:r>
+              <a:rPr lang="en" sz="1100">
+                <a:solidFill>
+                  <a:srgbClr val="1C1917"/>
+                </a:solidFill>
+                <a:highlight>
+                  <a:srgbClr val="FFFFFF"/>
+                </a:highlight>
+                <a:latin typeface="Roboto"/>
+                <a:ea typeface="Roboto"/>
+                <a:cs typeface="Roboto"/>
+                <a:sym typeface="Roboto"/>
+              </a:rPr>
+              <a:t>Batch size - Running inference on multiple inputs at once (a batch) makes GPU utilization more efficient. Larger batch sizes require more GPU memory.</a:t>
+            </a:r>
+            <a:endParaRPr sz="1100">
+              <a:solidFill>
+                <a:srgbClr val="1C1917"/>
+              </a:solidFill>
+              <a:highlight>
+                <a:srgbClr val="FFFFFF"/>
+              </a:highlight>
+              <a:latin typeface="Roboto"/>
+              <a:ea typeface="Roboto"/>
+              <a:cs typeface="Roboto"/>
+              <a:sym typeface="Roboto"/>
+            </a:endParaRPr>
+          </a:p>
+          <a:p>
+            <a:pPr indent="-298450" lvl="0" marL="457200" rtl="0" algn="l">
+              <a:spcBef>
+                <a:spcPts val="0"/>
+              </a:spcBef>
+              <a:spcAft>
+                <a:spcPts val="0"/>
+              </a:spcAft>
+              <a:buClr>
+                <a:srgbClr val="1C1917"/>
+              </a:buClr>
+              <a:buSzPts val="1100"/>
+              <a:buFont typeface="Roboto"/>
+              <a:buChar char="●"/>
+            </a:pPr>
+            <a:r>
+              <a:rPr lang="en" sz="1100">
+                <a:solidFill>
+                  <a:srgbClr val="1C1917"/>
+                </a:solidFill>
+                <a:highlight>
+                  <a:srgbClr val="FFFFFF"/>
+                </a:highlight>
+                <a:latin typeface="Roboto"/>
+                <a:ea typeface="Roboto"/>
+                <a:cs typeface="Roboto"/>
+                <a:sym typeface="Roboto"/>
+              </a:rPr>
+              <a:t>Precision - Using lower precision like FP16 or INT8 can reduce memory usage and improve throughput compared to FP32, but may reduce accuracy.</a:t>
+            </a:r>
+            <a:endParaRPr sz="1100">
+              <a:solidFill>
+                <a:srgbClr val="1C1917"/>
+              </a:solidFill>
+              <a:highlight>
+                <a:srgbClr val="FFFFFF"/>
+              </a:highlight>
+              <a:latin typeface="Roboto"/>
+              <a:ea typeface="Roboto"/>
+              <a:cs typeface="Roboto"/>
+              <a:sym typeface="Roboto"/>
+            </a:endParaRPr>
+          </a:p>
+          <a:p>
+            <a:pPr indent="-298450" lvl="0" marL="457200" rtl="0" algn="l">
+              <a:spcBef>
+                <a:spcPts val="0"/>
+              </a:spcBef>
+              <a:spcAft>
+                <a:spcPts val="0"/>
+              </a:spcAft>
+              <a:buClr>
+                <a:srgbClr val="1C1917"/>
+              </a:buClr>
+              <a:buSzPts val="1100"/>
+              <a:buFont typeface="Roboto"/>
+              <a:buChar char="●"/>
+            </a:pPr>
+            <a:r>
+              <a:rPr lang="en" sz="1100">
+                <a:solidFill>
+                  <a:srgbClr val="1C1917"/>
+                </a:solidFill>
+                <a:highlight>
+                  <a:srgbClr val="FFFFFF"/>
+                </a:highlight>
+                <a:latin typeface="Roboto"/>
+                <a:ea typeface="Roboto"/>
+                <a:cs typeface="Roboto"/>
+                <a:sym typeface="Roboto"/>
+              </a:rPr>
+              <a:t>GPU memory - For inference the model must fit entirely within GPU memory, so the GPU needs enough memory to load the full model and batches of inputs. At least 8-16GB is recommended.</a:t>
+            </a:r>
+            <a:endParaRPr sz="1100">
+              <a:solidFill>
+                <a:srgbClr val="1C1917"/>
+              </a:solidFill>
+              <a:highlight>
+                <a:srgbClr val="FFFFFF"/>
+              </a:highlight>
+              <a:latin typeface="Roboto"/>
+              <a:ea typeface="Roboto"/>
+              <a:cs typeface="Roboto"/>
+              <a:sym typeface="Roboto"/>
+            </a:endParaRPr>
+          </a:p>
+          <a:p>
+            <a:pPr indent="-298450" lvl="0" marL="457200" rtl="0" algn="l">
+              <a:spcBef>
+                <a:spcPts val="0"/>
+              </a:spcBef>
+              <a:spcAft>
+                <a:spcPts val="0"/>
+              </a:spcAft>
+              <a:buClr>
+                <a:srgbClr val="1C1917"/>
+              </a:buClr>
+              <a:buSzPts val="1100"/>
+              <a:buFont typeface="Roboto"/>
+              <a:buChar char="●"/>
+            </a:pPr>
+            <a:r>
+              <a:rPr lang="en" sz="1100">
+                <a:solidFill>
+                  <a:srgbClr val="1C1917"/>
+                </a:solidFill>
+                <a:highlight>
+                  <a:srgbClr val="FFFFFF"/>
+                </a:highlight>
+                <a:latin typeface="Roboto"/>
+                <a:ea typeface="Roboto"/>
+                <a:cs typeface="Roboto"/>
+                <a:sym typeface="Roboto"/>
+              </a:rPr>
+              <a:t>GPU compute - More powerful GPUs with higher core counts will perform inference faster. Models will scale across multiple GPUs. High-end consumer cards like RTX 3090 or Quadro RTX 8000 may be required for optimal throughput.</a:t>
+            </a:r>
+            <a:endParaRPr sz="1100">
+              <a:solidFill>
+                <a:srgbClr val="1C1917"/>
+              </a:solidFill>
+              <a:highlight>
+                <a:srgbClr val="FFFFFF"/>
+              </a:highlight>
+              <a:latin typeface="Roboto"/>
+              <a:ea typeface="Roboto"/>
+              <a:cs typeface="Roboto"/>
+              <a:sym typeface="Roboto"/>
+            </a:endParaRPr>
+          </a:p>
+          <a:p>
+            <a:pPr indent="-298450" lvl="0" marL="457200" rtl="0" algn="l">
+              <a:spcBef>
+                <a:spcPts val="0"/>
+              </a:spcBef>
+              <a:spcAft>
+                <a:spcPts val="0"/>
+              </a:spcAft>
+              <a:buClr>
+                <a:srgbClr val="1C1917"/>
+              </a:buClr>
+              <a:buSzPts val="1100"/>
+              <a:buFont typeface="Roboto"/>
+              <a:buChar char="●"/>
+            </a:pPr>
+            <a:r>
+              <a:rPr lang="en" sz="1100">
+                <a:solidFill>
+                  <a:srgbClr val="1C1917"/>
+                </a:solidFill>
+                <a:highlight>
+                  <a:srgbClr val="FFFFFF"/>
+                </a:highlight>
+                <a:latin typeface="Roboto"/>
+                <a:ea typeface="Roboto"/>
+                <a:cs typeface="Roboto"/>
+                <a:sym typeface="Roboto"/>
+              </a:rPr>
+              <a:t>Framework optimizations - Using optimized frameworks like TensorRT or optimizations in PyTorch/TensorFlow can improve throughput and reduce memory usage.</a:t>
+            </a:r>
+            <a:endParaRPr sz="1100">
+              <a:solidFill>
+                <a:srgbClr val="1C1917"/>
+              </a:solidFill>
+              <a:highlight>
+                <a:srgbClr val="FFFFFF"/>
+              </a:highlight>
+              <a:latin typeface="Roboto"/>
+              <a:ea typeface="Roboto"/>
+              <a:cs typeface="Roboto"/>
+              <a:sym typeface="Roboto"/>
+            </a:endParaRPr>
           </a:p>
           <a:p>
             <a:pPr indent="0" lvl="0" marL="0" rtl="0" algn="l">
               <a:spcBef>
+                <a:spcPts val="0"/>
+              </a:spcBef>
+              <a:spcAft>
+                <a:spcPts val="0"/>
+              </a:spcAft>
+              <a:buNone/>
+            </a:pPr>
+            <a:r>
+              <a:rPr lang="en" sz="1100">
+                <a:solidFill>
+                  <a:srgbClr val="1C1917"/>
+                </a:solidFill>
+                <a:highlight>
+                  <a:srgbClr val="FFFFFF"/>
+                </a:highlight>
+                <a:latin typeface="Roboto"/>
+                <a:ea typeface="Roboto"/>
+                <a:cs typeface="Roboto"/>
+                <a:sym typeface="Roboto"/>
+              </a:rPr>
+              <a:t>So in summary, for large models you'll generally want a high-memory (16GB+), modern, high-end GPU like an RTX 3090 or Quadro RTX. Using multiple GPUs, batching, and framework optimizations can further improve performance. The optimal setup depends on your specific model and use case. Start with benchmarks on available hardware and scale up accordingly.</a:t>
+            </a:r>
+            <a:endParaRPr sz="1100">
+              <a:solidFill>
+                <a:srgbClr val="1C1917"/>
+              </a:solidFill>
+              <a:highlight>
+                <a:srgbClr val="FFFFFF"/>
+              </a:highlight>
+              <a:latin typeface="Roboto"/>
+              <a:ea typeface="Roboto"/>
+              <a:cs typeface="Roboto"/>
+              <a:sym typeface="Roboto"/>
+            </a:endParaRPr>
+          </a:p>
+          <a:p>
+            <a:pPr indent="0" lvl="0" marL="0" rtl="0" algn="l">
+              <a:spcBef>
+                <a:spcPts val="0"/>
+              </a:spcBef>
+              <a:spcAft>
                 <a:spcPts val="1200"/>
-              </a:spcBef>
-              <a:spcAft>
-                <a:spcPts val="0"/>
-              </a:spcAft>
-              <a:buNone/>
-            </a:pPr>
-            <a:r>
-              <a:rPr lang="en"/>
-              <a:t>NVv3 Series - T4 GPU</a:t>
-            </a:r>
-            <a:endParaRPr/>
-          </a:p>
-          <a:p>
-            <a:pPr indent="0" lvl="0" marL="0" rtl="0" algn="l">
-              <a:spcBef>
-                <a:spcPts val="1200"/>
-              </a:spcBef>
-              <a:spcAft>
-                <a:spcPts val="0"/>
-              </a:spcAft>
-              <a:buNone/>
-            </a:pPr>
-            <a:r>
-              <a:rPr lang="en"/>
-              <a:t>NCasT4_v3-series - A10 Tesnor</a:t>
-            </a:r>
-            <a:endParaRPr/>
-          </a:p>
-          <a:p>
-            <a:pPr indent="0" lvl="0" marL="0" rtl="0" algn="l">
-              <a:spcBef>
-                <a:spcPts val="1200"/>
-              </a:spcBef>
-              <a:spcAft>
-                <a:spcPts val="0"/>
-              </a:spcAft>
-              <a:buNone/>
-            </a:pPr>
-            <a:r>
-              <a:rPr lang="en"/>
-              <a:t>NVadsA10 v5Series - AMD Radeon PRO V620, AMD EPYC 7763</a:t>
-            </a:r>
-            <a:endParaRPr/>
-          </a:p>
-          <a:p>
-            <a:pPr indent="0" lvl="0" marL="0" rtl="0" algn="l">
-              <a:spcBef>
-                <a:spcPts val="1200"/>
-              </a:spcBef>
-              <a:spcAft>
-                <a:spcPts val="0"/>
               </a:spcAft>
               <a:buNone/>
             </a:pPr>
             <a:r>
               <a:t/>
-            </a:r>
-            <a:endParaRPr/>
-          </a:p>
-          <a:p>
-            <a:pPr indent="0" lvl="0" marL="0" rtl="0" algn="l">
-              <a:spcBef>
-                <a:spcPts val="1200"/>
-              </a:spcBef>
-              <a:spcAft>
-                <a:spcPts val="1200"/>
-              </a:spcAft>
-              <a:buNone/>
-            </a:pPr>
-            <a:r>
-              <a:t/>
-            </a:r>
-            <a:endParaRPr/>
-          </a:p>
-        </p:txBody>
-      </p:sp>
-    </p:spTree>
-  </p:cSld>
-  <p:clrMapOvr>
-    <a:masterClrMapping/>
-  </p:clrMapOvr>
-</p:sld>
-</file>
-
-<file path=ppt/slides/slide9.xml><?xml version="1.0" encoding="utf-8"?>
-<p:sld xmlns:a="http://schemas.openxmlformats.org/drawingml/2006/main" xmlns:r="http://schemas.openxmlformats.org/officeDocument/2006/relationships" xmlns:mc="http://schemas.openxmlformats.org/markup-compatibility/2006" xmlns:mv="urn:schemas-microsoft-com:mac:vml" xmlns:p="http://schemas.openxmlformats.org/presentationml/2006/main" xmlns:c="http://schemas.openxmlformats.org/drawingml/2006/chart" xmlns:dgm="http://schemas.openxmlformats.org/drawingml/2006/diagram" xmlns:o="urn:schemas-microsoft-com:office:office" xmlns:v="urn:schemas-microsoft-com:vml" xmlns:pvml="urn:schemas-microsoft-com:office:powerpoint" xmlns:com="http://schemas.openxmlformats.org/drawingml/2006/compatibility" xmlns:p14="http://schemas.microsoft.com/office/powerpoint/2010/main" xmlns:p15="http://schemas.microsoft.com/office/powerpoint/2012/main" xmlns:ahyp="http://schemas.microsoft.com/office/drawing/2018/hyperlinkcolor">
-  <p:cSld>
-    <p:spTree>
-      <p:nvGrpSpPr>
-        <p:cNvPr id="109" name="Shape 109"/>
-        <p:cNvGrpSpPr/>
-        <p:nvPr/>
-      </p:nvGrpSpPr>
-      <p:grpSpPr>
-        <a:xfrm>
-          <a:off x="0" y="0"/>
-          <a:ext cx="0" cy="0"/>
-          <a:chOff x="0" y="0"/>
-          <a:chExt cx="0" cy="0"/>
-        </a:xfrm>
-      </p:grpSpPr>
-      <p:sp>
-        <p:nvSpPr>
-          <p:cNvPr id="110" name="Google Shape;110;p21"/>
-          <p:cNvSpPr txBox="1"/>
-          <p:nvPr>
-            <p:ph type="title"/>
-          </p:nvPr>
-        </p:nvSpPr>
-        <p:spPr>
-          <a:xfrm>
-            <a:off x="311700" y="391350"/>
-            <a:ext cx="8520600" cy="626100"/>
-          </a:xfrm>
-          <a:prstGeom prst="rect">
-            <a:avLst/>
-          </a:prstGeom>
-        </p:spPr>
-        <p:txBody>
-          <a:bodyPr anchorCtr="0" anchor="t" bIns="91425" lIns="91425" spcFirstLastPara="1" rIns="91425" wrap="square" tIns="91425">
-            <a:normAutofit fontScale="90000"/>
-          </a:bodyPr>
-          <a:lstStyle/>
-          <a:p>
-            <a:pPr indent="0" lvl="0" marL="0" rtl="0" algn="l">
-              <a:spcBef>
-                <a:spcPts val="0"/>
-              </a:spcBef>
-              <a:spcAft>
-                <a:spcPts val="0"/>
-              </a:spcAft>
-              <a:buNone/>
-            </a:pPr>
-            <a:r>
-              <a:rPr lang="en"/>
-              <a:t>Azure Nvidia GPU </a:t>
-            </a:r>
-            <a:r>
-              <a:rPr lang="en"/>
-              <a:t>accelerate</a:t>
-            </a:r>
-            <a:r>
-              <a:rPr lang="en"/>
-              <a:t> service</a:t>
-            </a:r>
-            <a:endParaRPr/>
-          </a:p>
-        </p:txBody>
-      </p:sp>
-      <p:sp>
-        <p:nvSpPr>
-          <p:cNvPr id="111" name="Google Shape;111;p21"/>
-          <p:cNvSpPr txBox="1"/>
-          <p:nvPr>
-            <p:ph idx="1" type="body"/>
-          </p:nvPr>
-        </p:nvSpPr>
-        <p:spPr>
-          <a:xfrm>
-            <a:off x="311700" y="1152475"/>
-            <a:ext cx="8520600" cy="3416400"/>
-          </a:xfrm>
-          <a:prstGeom prst="rect">
-            <a:avLst/>
-          </a:prstGeom>
-        </p:spPr>
-        <p:txBody>
-          <a:bodyPr anchorCtr="0" anchor="t" bIns="91425" lIns="91425" spcFirstLastPara="1" rIns="91425" wrap="square" tIns="91425">
-            <a:normAutofit/>
-          </a:bodyPr>
-          <a:lstStyle/>
-          <a:p>
-            <a:pPr indent="0" lvl="0" marL="0" rtl="0" algn="l">
-              <a:spcBef>
-                <a:spcPts val="0"/>
-              </a:spcBef>
-              <a:spcAft>
-                <a:spcPts val="0"/>
-              </a:spcAft>
-              <a:buNone/>
-            </a:pPr>
-            <a:r>
-              <a:rPr lang="en"/>
-              <a:t>Azure Machine Learning</a:t>
-            </a:r>
-            <a:endParaRPr/>
-          </a:p>
-          <a:p>
-            <a:pPr indent="0" lvl="0" marL="0" rtl="0" algn="l">
-              <a:spcBef>
-                <a:spcPts val="1200"/>
-              </a:spcBef>
-              <a:spcAft>
-                <a:spcPts val="0"/>
-              </a:spcAft>
-              <a:buNone/>
-            </a:pPr>
-            <a:r>
-              <a:rPr lang="en"/>
-              <a:t>Azure Data Bricks</a:t>
-            </a:r>
-            <a:endParaRPr/>
-          </a:p>
-          <a:p>
-            <a:pPr indent="0" lvl="0" marL="0" rtl="0" algn="l">
-              <a:spcBef>
-                <a:spcPts val="1200"/>
-              </a:spcBef>
-              <a:spcAft>
-                <a:spcPts val="1200"/>
-              </a:spcAft>
-              <a:buNone/>
-            </a:pPr>
-            <a:r>
-              <a:rPr lang="en"/>
-              <a:t>Azure Streaming Analytics</a:t>
             </a:r>
             <a:endParaRPr/>
           </a:p>
@@ -11489,6 +15027,285 @@
 </file>
 
 <file path=ppt/theme/theme1.xml><?xml version="1.0" encoding="utf-8"?>
+<a:theme xmlns:a="http://schemas.openxmlformats.org/drawingml/2006/main" xmlns:r="http://schemas.openxmlformats.org/officeDocument/2006/relationships" name="Coral">
+  <a:themeElements>
+    <a:clrScheme name="Coral">
+      <a:dk1>
+        <a:srgbClr val="F55E61"/>
+      </a:dk1>
+      <a:lt1>
+        <a:srgbClr val="FFFFFF"/>
+      </a:lt1>
+      <a:dk2>
+        <a:srgbClr val="5E696C"/>
+      </a:dk2>
+      <a:lt2>
+        <a:srgbClr val="BFC7CA"/>
+      </a:lt2>
+      <a:accent1>
+        <a:srgbClr val="1E2D31"/>
+      </a:accent1>
+      <a:accent2>
+        <a:srgbClr val="273C42"/>
+      </a:accent2>
+      <a:accent3>
+        <a:srgbClr val="83D061"/>
+      </a:accent3>
+      <a:accent4>
+        <a:srgbClr val="F6CD4C"/>
+      </a:accent4>
+      <a:accent5>
+        <a:srgbClr val="AF4345"/>
+      </a:accent5>
+      <a:accent6>
+        <a:srgbClr val="F58F8F"/>
+      </a:accent6>
+      <a:hlink>
+        <a:srgbClr val="AF4345"/>
+      </a:hlink>
+      <a:folHlink>
+        <a:srgbClr val="AF4345"/>
+      </a:folHlink>
+    </a:clrScheme>
+    <a:fontScheme name="Office">
+      <a:majorFont>
+        <a:latin typeface="Arial"/>
+        <a:ea typeface=""/>
+        <a:cs typeface=""/>
+        <a:font script="Jpan" typeface="ＭＳ Ｐゴシック"/>
+        <a:font script="Hang" typeface="맑은 고딕"/>
+        <a:font script="Hans" typeface="宋体"/>
+        <a:font script="Hant" typeface="新細明體"/>
+        <a:font script="Arab" typeface="Times New Roman"/>
+        <a:font script="Hebr" typeface="Times New Roman"/>
+        <a:font script="Thai" typeface="Angsana New"/>
+        <a:font script="Ethi" typeface="Nyala"/>
+        <a:font script="Beng" typeface="Vrinda"/>
+        <a:font script="Gujr" typeface="Shruti"/>
+        <a:font script="Khmr" typeface="MoolBoran"/>
+        <a:font script="Knda" typeface="Tunga"/>
+        <a:font script="Guru" typeface="Raavi"/>
+        <a:font script="Cans" typeface="Euphemia"/>
+        <a:font script="Cher" typeface="Plantagenet Cherokee"/>
+        <a:font script="Yiii" typeface="Microsoft Yi Baiti"/>
+        <a:font script="Tibt" typeface="Microsoft Himalaya"/>
+        <a:font script="Thaa" typeface="MV Boli"/>
+        <a:font script="Deva" typeface="Mangal"/>
+        <a:font script="Telu" typeface="Gautami"/>
+        <a:font script="Taml" typeface="Latha"/>
+        <a:font script="Syrc" typeface="Estrangelo Edessa"/>
+        <a:font script="Orya" typeface="Kalinga"/>
+        <a:font script="Mlym" typeface="Kartika"/>
+        <a:font script="Laoo" typeface="DokChampa"/>
+        <a:font script="Sinh" typeface="Iskoola Pota"/>
+        <a:font script="Mong" typeface="Mongolian Baiti"/>
+        <a:font script="Viet" typeface="Times New Roman"/>
+        <a:font script="Uigh" typeface="Microsoft Uighur"/>
+        <a:font script="Geor" typeface="Sylfaen"/>
+      </a:majorFont>
+      <a:minorFont>
+        <a:latin typeface="Arial"/>
+        <a:ea typeface=""/>
+        <a:cs typeface=""/>
+        <a:font script="Jpan" typeface="ＭＳ Ｐゴシック"/>
+        <a:font script="Hang" typeface="맑은 고딕"/>
+        <a:font script="Hans" typeface="宋体"/>
+        <a:font script="Hant" typeface="新細明體"/>
+        <a:font script="Arab" typeface="Arial"/>
+        <a:font script="Hebr" typeface="Arial"/>
+        <a:font script="Thai" typeface="Cordia New"/>
+        <a:font script="Ethi" typeface="Nyala"/>
+        <a:font script="Beng" typeface="Vrinda"/>
+        <a:font script="Gujr" typeface="Shruti"/>
+        <a:font script="Khmr" typeface="DaunPenh"/>
+        <a:font script="Knda" typeface="Tunga"/>
+        <a:font script="Guru" typeface="Raavi"/>
+        <a:font script="Cans" typeface="Euphemia"/>
+        <a:font script="Cher" typeface="Plantagenet Cherokee"/>
+        <a:font script="Yiii" typeface="Microsoft Yi Baiti"/>
+        <a:font script="Tibt" typeface="Microsoft Himalaya"/>
+        <a:font script="Thaa" typeface="MV Boli"/>
+        <a:font script="Deva" typeface="Mangal"/>
+        <a:font script="Telu" typeface="Gautami"/>
+        <a:font script="Taml" typeface="Latha"/>
+        <a:font script="Syrc" typeface="Estrangelo Edessa"/>
+        <a:font script="Orya" typeface="Kalinga"/>
+        <a:font script="Mlym" typeface="Kartika"/>
+        <a:font script="Laoo" typeface="DokChampa"/>
+        <a:font script="Sinh" typeface="Iskoola Pota"/>
+        <a:font script="Mong" typeface="Mongolian Baiti"/>
+        <a:font script="Viet" typeface="Arial"/>
+        <a:font script="Uigh" typeface="Microsoft Uighur"/>
+        <a:font script="Geor" typeface="Sylfaen"/>
+      </a:minorFont>
+    </a:fontScheme>
+    <a:fmtScheme name="Office">
+      <a:fillStyleLst>
+        <a:solidFill>
+          <a:schemeClr val="phClr"/>
+        </a:solidFill>
+        <a:gradFill rotWithShape="1">
+          <a:gsLst>
+            <a:gs pos="0">
+              <a:schemeClr val="phClr">
+                <a:tint val="50000"/>
+                <a:satMod val="300000"/>
+              </a:schemeClr>
+            </a:gs>
+            <a:gs pos="35000">
+              <a:schemeClr val="phClr">
+                <a:tint val="37000"/>
+                <a:satMod val="300000"/>
+              </a:schemeClr>
+            </a:gs>
+            <a:gs pos="100000">
+              <a:schemeClr val="phClr">
+                <a:tint val="15000"/>
+                <a:satMod val="350000"/>
+              </a:schemeClr>
+            </a:gs>
+          </a:gsLst>
+          <a:lin ang="16200000" scaled="1"/>
+        </a:gradFill>
+        <a:gradFill rotWithShape="1">
+          <a:gsLst>
+            <a:gs pos="0">
+              <a:schemeClr val="phClr">
+                <a:tint val="100000"/>
+                <a:shade val="100000"/>
+                <a:satMod val="130000"/>
+              </a:schemeClr>
+            </a:gs>
+            <a:gs pos="100000">
+              <a:schemeClr val="phClr">
+                <a:tint val="50000"/>
+                <a:shade val="100000"/>
+                <a:satMod val="350000"/>
+              </a:schemeClr>
+            </a:gs>
+          </a:gsLst>
+          <a:lin ang="16200000" scaled="0"/>
+        </a:gradFill>
+      </a:fillStyleLst>
+      <a:lnStyleLst>
+        <a:ln w="9525" cap="flat" cmpd="sng" algn="ctr">
+          <a:solidFill>
+            <a:schemeClr val="phClr">
+              <a:shade val="95000"/>
+              <a:satMod val="105000"/>
+            </a:schemeClr>
+          </a:solidFill>
+          <a:prstDash val="solid"/>
+        </a:ln>
+        <a:ln w="25400" cap="flat" cmpd="sng" algn="ctr">
+          <a:solidFill>
+            <a:schemeClr val="phClr"/>
+          </a:solidFill>
+          <a:prstDash val="solid"/>
+        </a:ln>
+        <a:ln w="38100" cap="flat" cmpd="sng" algn="ctr">
+          <a:solidFill>
+            <a:schemeClr val="phClr"/>
+          </a:solidFill>
+          <a:prstDash val="solid"/>
+        </a:ln>
+      </a:lnStyleLst>
+      <a:effectStyleLst>
+        <a:effectStyle>
+          <a:effectLst>
+            <a:outerShdw blurRad="40000" dist="20000" dir="5400000" rotWithShape="0">
+              <a:srgbClr val="000000">
+                <a:alpha val="38000"/>
+              </a:srgbClr>
+            </a:outerShdw>
+          </a:effectLst>
+        </a:effectStyle>
+        <a:effectStyle>
+          <a:effectLst>
+            <a:outerShdw blurRad="40000" dist="23000" dir="5400000" rotWithShape="0">
+              <a:srgbClr val="000000">
+                <a:alpha val="35000"/>
+              </a:srgbClr>
+            </a:outerShdw>
+          </a:effectLst>
+        </a:effectStyle>
+        <a:effectStyle>
+          <a:effectLst>
+            <a:outerShdw blurRad="40000" dist="23000" dir="5400000" rotWithShape="0">
+              <a:srgbClr val="000000">
+                <a:alpha val="35000"/>
+              </a:srgbClr>
+            </a:outerShdw>
+          </a:effectLst>
+          <a:scene3d>
+            <a:camera prst="orthographicFront">
+              <a:rot lat="0" lon="0" rev="0"/>
+            </a:camera>
+            <a:lightRig rig="threePt" dir="t">
+              <a:rot lat="0" lon="0" rev="1200000"/>
+            </a:lightRig>
+          </a:scene3d>
+          <a:sp3d>
+            <a:bevelT w="63500" h="25400"/>
+          </a:sp3d>
+        </a:effectStyle>
+      </a:effectStyleLst>
+      <a:bgFillStyleLst>
+        <a:solidFill>
+          <a:schemeClr val="phClr"/>
+        </a:solidFill>
+        <a:gradFill rotWithShape="1">
+          <a:gsLst>
+            <a:gs pos="0">
+              <a:schemeClr val="phClr">
+                <a:tint val="40000"/>
+                <a:satMod val="350000"/>
+              </a:schemeClr>
+            </a:gs>
+            <a:gs pos="40000">
+              <a:schemeClr val="phClr">
+                <a:tint val="45000"/>
+                <a:shade val="99000"/>
+                <a:satMod val="350000"/>
+              </a:schemeClr>
+            </a:gs>
+            <a:gs pos="100000">
+              <a:schemeClr val="phClr">
+                <a:shade val="20000"/>
+                <a:satMod val="255000"/>
+              </a:schemeClr>
+            </a:gs>
+          </a:gsLst>
+          <a:path path="circle">
+            <a:fillToRect l="50000" t="-80000" r="50000" b="180000"/>
+          </a:path>
+        </a:gradFill>
+        <a:gradFill rotWithShape="1">
+          <a:gsLst>
+            <a:gs pos="0">
+              <a:schemeClr val="phClr">
+                <a:tint val="80000"/>
+                <a:satMod val="300000"/>
+              </a:schemeClr>
+            </a:gs>
+            <a:gs pos="100000">
+              <a:schemeClr val="phClr">
+                <a:shade val="30000"/>
+                <a:satMod val="200000"/>
+              </a:schemeClr>
+            </a:gs>
+          </a:gsLst>
+          <a:path path="circle">
+            <a:fillToRect l="50000" t="50000" r="50000" b="50000"/>
+          </a:path>
+        </a:gradFill>
+      </a:bgFillStyleLst>
+    </a:fmtScheme>
+  </a:themeElements>
+</a:theme>
+</file>
+
+<file path=ppt/theme/theme2.xml><?xml version="1.0" encoding="utf-8"?>
 <a:theme xmlns:a="http://schemas.openxmlformats.org/drawingml/2006/main" xmlns:r="http://schemas.openxmlformats.org/officeDocument/2006/relationships">
   <a:themeElements>
     <a:clrScheme name="Default">
@@ -11765,283 +15582,4 @@
     </a:fmtScheme>
   </a:themeElements>
 </a:theme>
-</file>
-
-<file path=ppt/theme/theme2.xml><?xml version="1.0" encoding="utf-8"?>
-<a:theme xmlns:a="http://schemas.openxmlformats.org/drawingml/2006/main" xmlns:r="http://schemas.openxmlformats.org/officeDocument/2006/relationships" name="Coral">
-  <a:themeElements>
-    <a:clrScheme name="Coral">
-      <a:dk1>
-        <a:srgbClr val="F55E61"/>
-      </a:dk1>
-      <a:lt1>
-        <a:srgbClr val="FFFFFF"/>
-      </a:lt1>
-      <a:dk2>
-        <a:srgbClr val="5E696C"/>
-      </a:dk2>
-      <a:lt2>
-        <a:srgbClr val="BFC7CA"/>
-      </a:lt2>
-      <a:accent1>
-        <a:srgbClr val="1E2D31"/>
-      </a:accent1>
-      <a:accent2>
-        <a:srgbClr val="273C42"/>
-      </a:accent2>
-      <a:accent3>
-        <a:srgbClr val="83D061"/>
-      </a:accent3>
-      <a:accent4>
-        <a:srgbClr val="F6CD4C"/>
-      </a:accent4>
-      <a:accent5>
-        <a:srgbClr val="AF4345"/>
-      </a:accent5>
-      <a:accent6>
-        <a:srgbClr val="F58F8F"/>
-      </a:accent6>
-      <a:hlink>
-        <a:srgbClr val="AF4345"/>
-      </a:hlink>
-      <a:folHlink>
-        <a:srgbClr val="AF4345"/>
-      </a:folHlink>
-    </a:clrScheme>
-    <a:fontScheme name="Office">
-      <a:majorFont>
-        <a:latin typeface="Arial"/>
-        <a:ea typeface=""/>
-        <a:cs typeface=""/>
-        <a:font script="Jpan" typeface="ＭＳ Ｐゴシック"/>
-        <a:font script="Hang" typeface="맑은 고딕"/>
-        <a:font script="Hans" typeface="宋体"/>
-        <a:font script="Hant" typeface="新細明體"/>
-        <a:font script="Arab" typeface="Times New Roman"/>
-        <a:font script="Hebr" typeface="Times New Roman"/>
-        <a:font script="Thai" typeface="Angsana New"/>
-        <a:font script="Ethi" typeface="Nyala"/>
-        <a:font script="Beng" typeface="Vrinda"/>
-        <a:font script="Gujr" typeface="Shruti"/>
-        <a:font script="Khmr" typeface="MoolBoran"/>
-        <a:font script="Knda" typeface="Tunga"/>
-        <a:font script="Guru" typeface="Raavi"/>
-        <a:font script="Cans" typeface="Euphemia"/>
-        <a:font script="Cher" typeface="Plantagenet Cherokee"/>
-        <a:font script="Yiii" typeface="Microsoft Yi Baiti"/>
-        <a:font script="Tibt" typeface="Microsoft Himalaya"/>
-        <a:font script="Thaa" typeface="MV Boli"/>
-        <a:font script="Deva" typeface="Mangal"/>
-        <a:font script="Telu" typeface="Gautami"/>
-        <a:font script="Taml" typeface="Latha"/>
-        <a:font script="Syrc" typeface="Estrangelo Edessa"/>
-        <a:font script="Orya" typeface="Kalinga"/>
-        <a:font script="Mlym" typeface="Kartika"/>
-        <a:font script="Laoo" typeface="DokChampa"/>
-        <a:font script="Sinh" typeface="Iskoola Pota"/>
-        <a:font script="Mong" typeface="Mongolian Baiti"/>
-        <a:font script="Viet" typeface="Times New Roman"/>
-        <a:font script="Uigh" typeface="Microsoft Uighur"/>
-        <a:font script="Geor" typeface="Sylfaen"/>
-      </a:majorFont>
-      <a:minorFont>
-        <a:latin typeface="Arial"/>
-        <a:ea typeface=""/>
-        <a:cs typeface=""/>
-        <a:font script="Jpan" typeface="ＭＳ Ｐゴシック"/>
-        <a:font script="Hang" typeface="맑은 고딕"/>
-        <a:font script="Hans" typeface="宋体"/>
-        <a:font script="Hant" typeface="新細明體"/>
-        <a:font script="Arab" typeface="Arial"/>
-        <a:font script="Hebr" typeface="Arial"/>
-        <a:font script="Thai" typeface="Cordia New"/>
-        <a:font script="Ethi" typeface="Nyala"/>
-        <a:font script="Beng" typeface="Vrinda"/>
-        <a:font script="Gujr" typeface="Shruti"/>
-        <a:font script="Khmr" typeface="DaunPenh"/>
-        <a:font script="Knda" typeface="Tunga"/>
-        <a:font script="Guru" typeface="Raavi"/>
-        <a:font script="Cans" typeface="Euphemia"/>
-        <a:font script="Cher" typeface="Plantagenet Cherokee"/>
-        <a:font script="Yiii" typeface="Microsoft Yi Baiti"/>
-        <a:font script="Tibt" typeface="Microsoft Himalaya"/>
-        <a:font script="Thaa" typeface="MV Boli"/>
-        <a:font script="Deva" typeface="Mangal"/>
-        <a:font script="Telu" typeface="Gautami"/>
-        <a:font script="Taml" typeface="Latha"/>
-        <a:font script="Syrc" typeface="Estrangelo Edessa"/>
-        <a:font script="Orya" typeface="Kalinga"/>
-        <a:font script="Mlym" typeface="Kartika"/>
-        <a:font script="Laoo" typeface="DokChampa"/>
-        <a:font script="Sinh" typeface="Iskoola Pota"/>
-        <a:font script="Mong" typeface="Mongolian Baiti"/>
-        <a:font script="Viet" typeface="Arial"/>
-        <a:font script="Uigh" typeface="Microsoft Uighur"/>
-        <a:font script="Geor" typeface="Sylfaen"/>
-      </a:minorFont>
-    </a:fontScheme>
-    <a:fmtScheme name="Office">
-      <a:fillStyleLst>
-        <a:solidFill>
-          <a:schemeClr val="phClr"/>
-        </a:solidFill>
-        <a:gradFill rotWithShape="1">
-          <a:gsLst>
-            <a:gs pos="0">
-              <a:schemeClr val="phClr">
-                <a:tint val="50000"/>
-                <a:satMod val="300000"/>
-              </a:schemeClr>
-            </a:gs>
-            <a:gs pos="35000">
-              <a:schemeClr val="phClr">
-                <a:tint val="37000"/>
-                <a:satMod val="300000"/>
-              </a:schemeClr>
-            </a:gs>
-            <a:gs pos="100000">
-              <a:schemeClr val="phClr">
-                <a:tint val="15000"/>
-                <a:satMod val="350000"/>
-              </a:schemeClr>
-            </a:gs>
-          </a:gsLst>
-          <a:lin ang="16200000" scaled="1"/>
-        </a:gradFill>
-        <a:gradFill rotWithShape="1">
-          <a:gsLst>
-            <a:gs pos="0">
-              <a:schemeClr val="phClr">
-                <a:tint val="100000"/>
-                <a:shade val="100000"/>
-                <a:satMod val="130000"/>
-              </a:schemeClr>
-            </a:gs>
-            <a:gs pos="100000">
-              <a:schemeClr val="phClr">
-                <a:tint val="50000"/>
-                <a:shade val="100000"/>
-                <a:satMod val="350000"/>
-              </a:schemeClr>
-            </a:gs>
-          </a:gsLst>
-          <a:lin ang="16200000" scaled="0"/>
-        </a:gradFill>
-      </a:fillStyleLst>
-      <a:lnStyleLst>
-        <a:ln w="9525" cap="flat" cmpd="sng" algn="ctr">
-          <a:solidFill>
-            <a:schemeClr val="phClr">
-              <a:shade val="95000"/>
-              <a:satMod val="105000"/>
-            </a:schemeClr>
-          </a:solidFill>
-          <a:prstDash val="solid"/>
-        </a:ln>
-        <a:ln w="25400" cap="flat" cmpd="sng" algn="ctr">
-          <a:solidFill>
-            <a:schemeClr val="phClr"/>
-          </a:solidFill>
-          <a:prstDash val="solid"/>
-        </a:ln>
-        <a:ln w="38100" cap="flat" cmpd="sng" algn="ctr">
-          <a:solidFill>
-            <a:schemeClr val="phClr"/>
-          </a:solidFill>
-          <a:prstDash val="solid"/>
-        </a:ln>
-      </a:lnStyleLst>
-      <a:effectStyleLst>
-        <a:effectStyle>
-          <a:effectLst>
-            <a:outerShdw blurRad="40000" dist="20000" dir="5400000" rotWithShape="0">
-              <a:srgbClr val="000000">
-                <a:alpha val="38000"/>
-              </a:srgbClr>
-            </a:outerShdw>
-          </a:effectLst>
-        </a:effectStyle>
-        <a:effectStyle>
-          <a:effectLst>
-            <a:outerShdw blurRad="40000" dist="23000" dir="5400000" rotWithShape="0">
-              <a:srgbClr val="000000">
-                <a:alpha val="35000"/>
-              </a:srgbClr>
-            </a:outerShdw>
-          </a:effectLst>
-        </a:effectStyle>
-        <a:effectStyle>
-          <a:effectLst>
-            <a:outerShdw blurRad="40000" dist="23000" dir="5400000" rotWithShape="0">
-              <a:srgbClr val="000000">
-                <a:alpha val="35000"/>
-              </a:srgbClr>
-            </a:outerShdw>
-          </a:effectLst>
-          <a:scene3d>
-            <a:camera prst="orthographicFront">
-              <a:rot lat="0" lon="0" rev="0"/>
-            </a:camera>
-            <a:lightRig rig="threePt" dir="t">
-              <a:rot lat="0" lon="0" rev="1200000"/>
-            </a:lightRig>
-          </a:scene3d>
-          <a:sp3d>
-            <a:bevelT w="63500" h="25400"/>
-          </a:sp3d>
-        </a:effectStyle>
-      </a:effectStyleLst>
-      <a:bgFillStyleLst>
-        <a:solidFill>
-          <a:schemeClr val="phClr"/>
-        </a:solidFill>
-        <a:gradFill rotWithShape="1">
-          <a:gsLst>
-            <a:gs pos="0">
-              <a:schemeClr val="phClr">
-                <a:tint val="40000"/>
-                <a:satMod val="350000"/>
-              </a:schemeClr>
-            </a:gs>
-            <a:gs pos="40000">
-              <a:schemeClr val="phClr">
-                <a:tint val="45000"/>
-                <a:shade val="99000"/>
-                <a:satMod val="350000"/>
-              </a:schemeClr>
-            </a:gs>
-            <a:gs pos="100000">
-              <a:schemeClr val="phClr">
-                <a:shade val="20000"/>
-                <a:satMod val="255000"/>
-              </a:schemeClr>
-            </a:gs>
-          </a:gsLst>
-          <a:path path="circle">
-            <a:fillToRect l="50000" t="-80000" r="50000" b="180000"/>
-          </a:path>
-        </a:gradFill>
-        <a:gradFill rotWithShape="1">
-          <a:gsLst>
-            <a:gs pos="0">
-              <a:schemeClr val="phClr">
-                <a:tint val="80000"/>
-                <a:satMod val="300000"/>
-              </a:schemeClr>
-            </a:gs>
-            <a:gs pos="100000">
-              <a:schemeClr val="phClr">
-                <a:shade val="30000"/>
-                <a:satMod val="200000"/>
-              </a:schemeClr>
-            </a:gs>
-          </a:gsLst>
-          <a:path path="circle">
-            <a:fillToRect l="50000" t="50000" r="50000" b="50000"/>
-          </a:path>
-        </a:gradFill>
-      </a:bgFillStyleLst>
-    </a:fmtScheme>
-  </a:themeElements>
-</a:theme>
 </file>